--- a/configs_generator.pptx
+++ b/configs_generator.pptx
@@ -11,7 +11,10 @@
     <p:sldId id="262" r:id="rId5"/>
     <p:sldId id="263" r:id="rId6"/>
     <p:sldId id="264" r:id="rId7"/>
-    <p:sldId id="261" r:id="rId8"/>
+    <p:sldId id="267" r:id="rId8"/>
+    <p:sldId id="266" r:id="rId9"/>
+    <p:sldId id="268" r:id="rId10"/>
+    <p:sldId id="261" r:id="rId11"/>
   </p:sldIdLst>
   <p:sldSz cx="12192000" cy="6858000"/>
   <p:notesSz cx="6858000" cy="9144000"/>
@@ -265,7 +268,7 @@
           <a:p>
             <a:fld id="{9DAAD987-707B-45DD-B209-9DA144D80CC9}" type="datetimeFigureOut">
               <a:rPr lang="en-US" smtClean="0"/>
-              <a:t>3/13/2021</a:t>
+              <a:t>5/17/2021</a:t>
             </a:fld>
             <a:endParaRPr lang="en-US"/>
           </a:p>
@@ -463,7 +466,7 @@
           <a:p>
             <a:fld id="{9DAAD987-707B-45DD-B209-9DA144D80CC9}" type="datetimeFigureOut">
               <a:rPr lang="en-US" smtClean="0"/>
-              <a:t>3/13/2021</a:t>
+              <a:t>5/17/2021</a:t>
             </a:fld>
             <a:endParaRPr lang="en-US"/>
           </a:p>
@@ -671,7 +674,7 @@
           <a:p>
             <a:fld id="{9DAAD987-707B-45DD-B209-9DA144D80CC9}" type="datetimeFigureOut">
               <a:rPr lang="en-US" smtClean="0"/>
-              <a:t>3/13/2021</a:t>
+              <a:t>5/17/2021</a:t>
             </a:fld>
             <a:endParaRPr lang="en-US"/>
           </a:p>
@@ -869,7 +872,7 @@
           <a:p>
             <a:fld id="{9DAAD987-707B-45DD-B209-9DA144D80CC9}" type="datetimeFigureOut">
               <a:rPr lang="en-US" smtClean="0"/>
-              <a:t>3/13/2021</a:t>
+              <a:t>5/17/2021</a:t>
             </a:fld>
             <a:endParaRPr lang="en-US"/>
           </a:p>
@@ -1144,7 +1147,7 @@
           <a:p>
             <a:fld id="{9DAAD987-707B-45DD-B209-9DA144D80CC9}" type="datetimeFigureOut">
               <a:rPr lang="en-US" smtClean="0"/>
-              <a:t>3/13/2021</a:t>
+              <a:t>5/17/2021</a:t>
             </a:fld>
             <a:endParaRPr lang="en-US"/>
           </a:p>
@@ -1409,7 +1412,7 @@
           <a:p>
             <a:fld id="{9DAAD987-707B-45DD-B209-9DA144D80CC9}" type="datetimeFigureOut">
               <a:rPr lang="en-US" smtClean="0"/>
-              <a:t>3/13/2021</a:t>
+              <a:t>5/17/2021</a:t>
             </a:fld>
             <a:endParaRPr lang="en-US"/>
           </a:p>
@@ -1821,7 +1824,7 @@
           <a:p>
             <a:fld id="{9DAAD987-707B-45DD-B209-9DA144D80CC9}" type="datetimeFigureOut">
               <a:rPr lang="en-US" smtClean="0"/>
-              <a:t>3/13/2021</a:t>
+              <a:t>5/17/2021</a:t>
             </a:fld>
             <a:endParaRPr lang="en-US"/>
           </a:p>
@@ -1962,7 +1965,7 @@
           <a:p>
             <a:fld id="{9DAAD987-707B-45DD-B209-9DA144D80CC9}" type="datetimeFigureOut">
               <a:rPr lang="en-US" smtClean="0"/>
-              <a:t>3/13/2021</a:t>
+              <a:t>5/17/2021</a:t>
             </a:fld>
             <a:endParaRPr lang="en-US"/>
           </a:p>
@@ -2075,7 +2078,7 @@
           <a:p>
             <a:fld id="{9DAAD987-707B-45DD-B209-9DA144D80CC9}" type="datetimeFigureOut">
               <a:rPr lang="en-US" smtClean="0"/>
-              <a:t>3/13/2021</a:t>
+              <a:t>5/17/2021</a:t>
             </a:fld>
             <a:endParaRPr lang="en-US"/>
           </a:p>
@@ -2386,7 +2389,7 @@
           <a:p>
             <a:fld id="{9DAAD987-707B-45DD-B209-9DA144D80CC9}" type="datetimeFigureOut">
               <a:rPr lang="en-US" smtClean="0"/>
-              <a:t>3/13/2021</a:t>
+              <a:t>5/17/2021</a:t>
             </a:fld>
             <a:endParaRPr lang="en-US"/>
           </a:p>
@@ -2674,7 +2677,7 @@
           <a:p>
             <a:fld id="{9DAAD987-707B-45DD-B209-9DA144D80CC9}" type="datetimeFigureOut">
               <a:rPr lang="en-US" smtClean="0"/>
-              <a:t>3/13/2021</a:t>
+              <a:t>5/17/2021</a:t>
             </a:fld>
             <a:endParaRPr lang="en-US"/>
           </a:p>
@@ -2915,7 +2918,7 @@
           <a:p>
             <a:fld id="{9DAAD987-707B-45DD-B209-9DA144D80CC9}" type="datetimeFigureOut">
               <a:rPr lang="en-US" smtClean="0"/>
-              <a:t>3/13/2021</a:t>
+              <a:t>5/17/2021</a:t>
             </a:fld>
             <a:endParaRPr lang="en-US"/>
           </a:p>
@@ -3318,6 +3321,1296 @@
 <file path=ppt/slides/slide1.xml><?xml version="1.0" encoding="utf-8"?>
 <p:sld xmlns:a="http://schemas.openxmlformats.org/drawingml/2006/main" xmlns:r="http://schemas.openxmlformats.org/officeDocument/2006/relationships" xmlns:p="http://schemas.openxmlformats.org/presentationml/2006/main">
   <p:cSld>
+    <p:bg>
+      <p:bgPr>
+        <a:solidFill>
+          <a:schemeClr val="bg1"/>
+        </a:solidFill>
+        <a:effectLst/>
+      </p:bgPr>
+    </p:bg>
+    <p:spTree>
+      <p:nvGrpSpPr>
+        <p:cNvPr id="1" name=""/>
+        <p:cNvGrpSpPr/>
+        <p:nvPr/>
+      </p:nvGrpSpPr>
+      <p:grpSpPr>
+        <a:xfrm>
+          <a:off x="0" y="0"/>
+          <a:ext cx="0" cy="0"/>
+          <a:chOff x="0" y="0"/>
+          <a:chExt cx="0" cy="0"/>
+        </a:xfrm>
+      </p:grpSpPr>
+      <p:sp>
+        <p:nvSpPr>
+          <p:cNvPr id="19" name="Rectangle 7">
+            <a:extLst>
+              <a:ext uri="{FF2B5EF4-FFF2-40B4-BE49-F238E27FC236}">
+                <a16:creationId xmlns:a16="http://schemas.microsoft.com/office/drawing/2014/main" id="{88294908-8B00-4F58-BBBA-20F71A40AA9E}"/>
+              </a:ext>
+              <a:ext uri="{C183D7F6-B498-43B3-948B-1728B52AA6E4}">
+                <adec:decorative xmlns:adec="http://schemas.microsoft.com/office/drawing/2017/decorative" val="1"/>
+              </a:ext>
+            </a:extLst>
+          </p:cNvPr>
+          <p:cNvSpPr>
+            <a:spLocks noGrp="1" noRot="1" noChangeAspect="1" noMove="1" noResize="1" noEditPoints="1" noAdjustHandles="1" noChangeArrowheads="1" noChangeShapeType="1" noTextEdit="1"/>
+          </p:cNvSpPr>
+          <p:nvPr>
+            <p:extLst>
+              <p:ext uri="{386F3935-93C4-4BCD-93E2-E3B085C9AB24}">
+                <p16:designElem xmlns:p16="http://schemas.microsoft.com/office/powerpoint/2015/main" val="1"/>
+              </p:ext>
+            </p:extLst>
+          </p:nvPr>
+        </p:nvSpPr>
+        <p:spPr>
+          <a:xfrm>
+            <a:off x="0" y="0"/>
+            <a:ext cx="12192000" cy="6858000"/>
+          </a:xfrm>
+          <a:prstGeom prst="rect">
+            <a:avLst/>
+          </a:prstGeom>
+          <a:solidFill>
+            <a:schemeClr val="bg2"/>
+          </a:solidFill>
+          <a:ln>
+            <a:noFill/>
+          </a:ln>
+        </p:spPr>
+        <p:style>
+          <a:lnRef idx="2">
+            <a:schemeClr val="accent1">
+              <a:shade val="50000"/>
+            </a:schemeClr>
+          </a:lnRef>
+          <a:fillRef idx="1">
+            <a:schemeClr val="accent1"/>
+          </a:fillRef>
+          <a:effectRef idx="0">
+            <a:schemeClr val="accent1"/>
+          </a:effectRef>
+          <a:fontRef idx="minor">
+            <a:schemeClr val="lt1"/>
+          </a:fontRef>
+        </p:style>
+        <p:txBody>
+          <a:bodyPr rtlCol="0" anchor="ctr"/>
+          <a:lstStyle/>
+          <a:p>
+            <a:pPr algn="ctr"/>
+            <a:endParaRPr lang="en-US" dirty="0"/>
+          </a:p>
+        </p:txBody>
+      </p:sp>
+      <p:sp>
+        <p:nvSpPr>
+          <p:cNvPr id="21" name="Freeform: Shape 9">
+            <a:extLst>
+              <a:ext uri="{FF2B5EF4-FFF2-40B4-BE49-F238E27FC236}">
+                <a16:creationId xmlns:a16="http://schemas.microsoft.com/office/drawing/2014/main" id="{4364C879-1404-4203-8E9D-CC5DE0A621A2}"/>
+              </a:ext>
+              <a:ext uri="{C183D7F6-B498-43B3-948B-1728B52AA6E4}">
+                <adec:decorative xmlns:adec="http://schemas.microsoft.com/office/drawing/2017/decorative" val="1"/>
+              </a:ext>
+            </a:extLst>
+          </p:cNvPr>
+          <p:cNvSpPr>
+            <a:spLocks noGrp="1" noRot="1" noChangeAspect="1" noMove="1" noResize="1" noEditPoints="1" noAdjustHandles="1" noChangeArrowheads="1" noChangeShapeType="1" noTextEdit="1"/>
+          </p:cNvSpPr>
+          <p:nvPr>
+            <p:extLst>
+              <p:ext uri="{386F3935-93C4-4BCD-93E2-E3B085C9AB24}">
+                <p16:designElem xmlns:p16="http://schemas.microsoft.com/office/powerpoint/2015/main" val="1"/>
+              </p:ext>
+            </p:extLst>
+          </p:nvPr>
+        </p:nvSpPr>
+        <p:spPr>
+          <a:xfrm rot="2700000">
+            <a:off x="82782" y="-1386168"/>
+            <a:ext cx="2424873" cy="3611191"/>
+          </a:xfrm>
+          <a:custGeom>
+            <a:avLst/>
+            <a:gdLst>
+              <a:gd name="connsiteX0" fmla="*/ 0 w 2424873"/>
+              <a:gd name="connsiteY0" fmla="*/ 2424874 h 3611191"/>
+              <a:gd name="connsiteX1" fmla="*/ 2424873 w 2424873"/>
+              <a:gd name="connsiteY1" fmla="*/ 0 h 3611191"/>
+              <a:gd name="connsiteX2" fmla="*/ 2424873 w 2424873"/>
+              <a:gd name="connsiteY2" fmla="*/ 3611191 h 3611191"/>
+              <a:gd name="connsiteX3" fmla="*/ 1186317 w 2424873"/>
+              <a:gd name="connsiteY3" fmla="*/ 3611191 h 3611191"/>
+            </a:gdLst>
+            <a:ahLst/>
+            <a:cxnLst>
+              <a:cxn ang="0">
+                <a:pos x="connsiteX0" y="connsiteY0"/>
+              </a:cxn>
+              <a:cxn ang="0">
+                <a:pos x="connsiteX1" y="connsiteY1"/>
+              </a:cxn>
+              <a:cxn ang="0">
+                <a:pos x="connsiteX2" y="connsiteY2"/>
+              </a:cxn>
+              <a:cxn ang="0">
+                <a:pos x="connsiteX3" y="connsiteY3"/>
+              </a:cxn>
+            </a:cxnLst>
+            <a:rect l="l" t="t" r="r" b="b"/>
+            <a:pathLst>
+              <a:path w="2424873" h="3611191">
+                <a:moveTo>
+                  <a:pt x="0" y="2424874"/>
+                </a:moveTo>
+                <a:lnTo>
+                  <a:pt x="2424873" y="0"/>
+                </a:lnTo>
+                <a:lnTo>
+                  <a:pt x="2424873" y="3611191"/>
+                </a:lnTo>
+                <a:lnTo>
+                  <a:pt x="1186317" y="3611191"/>
+                </a:lnTo>
+                <a:close/>
+              </a:path>
+            </a:pathLst>
+          </a:custGeom>
+          <a:solidFill>
+            <a:schemeClr val="accent4">
+              <a:alpha val="40000"/>
+            </a:schemeClr>
+          </a:solidFill>
+          <a:ln>
+            <a:noFill/>
+          </a:ln>
+        </p:spPr>
+        <p:style>
+          <a:lnRef idx="2">
+            <a:schemeClr val="accent1">
+              <a:shade val="50000"/>
+            </a:schemeClr>
+          </a:lnRef>
+          <a:fillRef idx="1">
+            <a:schemeClr val="accent1"/>
+          </a:fillRef>
+          <a:effectRef idx="0">
+            <a:schemeClr val="accent1"/>
+          </a:effectRef>
+          <a:fontRef idx="minor">
+            <a:schemeClr val="lt1"/>
+          </a:fontRef>
+        </p:style>
+        <p:txBody>
+          <a:bodyPr wrap="square" rtlCol="0" anchor="ctr">
+            <a:noAutofit/>
+          </a:bodyPr>
+          <a:lstStyle/>
+          <a:p>
+            <a:pPr algn="ctr"/>
+            <a:endParaRPr lang="en-US"/>
+          </a:p>
+        </p:txBody>
+      </p:sp>
+      <p:sp>
+        <p:nvSpPr>
+          <p:cNvPr id="23" name="Freeform: Shape 11">
+            <a:extLst>
+              <a:ext uri="{FF2B5EF4-FFF2-40B4-BE49-F238E27FC236}">
+                <a16:creationId xmlns:a16="http://schemas.microsoft.com/office/drawing/2014/main" id="{84617302-4B0D-4351-A6BB-6F0930D943AC}"/>
+              </a:ext>
+              <a:ext uri="{C183D7F6-B498-43B3-948B-1728B52AA6E4}">
+                <adec:decorative xmlns:adec="http://schemas.microsoft.com/office/drawing/2017/decorative" val="1"/>
+              </a:ext>
+            </a:extLst>
+          </p:cNvPr>
+          <p:cNvSpPr>
+            <a:spLocks noGrp="1" noRot="1" noChangeAspect="1" noMove="1" noResize="1" noEditPoints="1" noAdjustHandles="1" noChangeArrowheads="1" noChangeShapeType="1" noTextEdit="1"/>
+          </p:cNvSpPr>
+          <p:nvPr>
+            <p:extLst>
+              <p:ext uri="{386F3935-93C4-4BCD-93E2-E3B085C9AB24}">
+                <p16:designElem xmlns:p16="http://schemas.microsoft.com/office/powerpoint/2015/main" val="1"/>
+              </p:ext>
+            </p:extLst>
+          </p:nvPr>
+        </p:nvSpPr>
+        <p:spPr>
+          <a:xfrm rot="2700000">
+            <a:off x="1571000" y="-338582"/>
+            <a:ext cx="1635955" cy="1635955"/>
+          </a:xfrm>
+          <a:custGeom>
+            <a:avLst/>
+            <a:gdLst>
+              <a:gd name="connsiteX0" fmla="*/ 0 w 1635955"/>
+              <a:gd name="connsiteY0" fmla="*/ 957987 h 1635955"/>
+              <a:gd name="connsiteX1" fmla="*/ 957987 w 1635955"/>
+              <a:gd name="connsiteY1" fmla="*/ 0 h 1635955"/>
+              <a:gd name="connsiteX2" fmla="*/ 1635955 w 1635955"/>
+              <a:gd name="connsiteY2" fmla="*/ 0 h 1635955"/>
+              <a:gd name="connsiteX3" fmla="*/ 1635955 w 1635955"/>
+              <a:gd name="connsiteY3" fmla="*/ 1635955 h 1635955"/>
+              <a:gd name="connsiteX4" fmla="*/ 0 w 1635955"/>
+              <a:gd name="connsiteY4" fmla="*/ 1635955 h 1635955"/>
+            </a:gdLst>
+            <a:ahLst/>
+            <a:cxnLst>
+              <a:cxn ang="0">
+                <a:pos x="connsiteX0" y="connsiteY0"/>
+              </a:cxn>
+              <a:cxn ang="0">
+                <a:pos x="connsiteX1" y="connsiteY1"/>
+              </a:cxn>
+              <a:cxn ang="0">
+                <a:pos x="connsiteX2" y="connsiteY2"/>
+              </a:cxn>
+              <a:cxn ang="0">
+                <a:pos x="connsiteX3" y="connsiteY3"/>
+              </a:cxn>
+              <a:cxn ang="0">
+                <a:pos x="connsiteX4" y="connsiteY4"/>
+              </a:cxn>
+            </a:cxnLst>
+            <a:rect l="l" t="t" r="r" b="b"/>
+            <a:pathLst>
+              <a:path w="1635955" h="1635955">
+                <a:moveTo>
+                  <a:pt x="0" y="957987"/>
+                </a:moveTo>
+                <a:lnTo>
+                  <a:pt x="957987" y="0"/>
+                </a:lnTo>
+                <a:lnTo>
+                  <a:pt x="1635955" y="0"/>
+                </a:lnTo>
+                <a:lnTo>
+                  <a:pt x="1635955" y="1635955"/>
+                </a:lnTo>
+                <a:lnTo>
+                  <a:pt x="0" y="1635955"/>
+                </a:lnTo>
+                <a:close/>
+              </a:path>
+            </a:pathLst>
+          </a:custGeom>
+          <a:solidFill>
+            <a:schemeClr val="accent4">
+              <a:alpha val="40000"/>
+            </a:schemeClr>
+          </a:solidFill>
+          <a:ln>
+            <a:noFill/>
+          </a:ln>
+        </p:spPr>
+        <p:style>
+          <a:lnRef idx="2">
+            <a:schemeClr val="accent1">
+              <a:shade val="50000"/>
+            </a:schemeClr>
+          </a:lnRef>
+          <a:fillRef idx="1">
+            <a:schemeClr val="accent1"/>
+          </a:fillRef>
+          <a:effectRef idx="0">
+            <a:schemeClr val="accent1"/>
+          </a:effectRef>
+          <a:fontRef idx="minor">
+            <a:schemeClr val="lt1"/>
+          </a:fontRef>
+        </p:style>
+        <p:txBody>
+          <a:bodyPr wrap="square" rtlCol="0" anchor="ctr">
+            <a:noAutofit/>
+          </a:bodyPr>
+          <a:lstStyle/>
+          <a:p>
+            <a:pPr algn="ctr"/>
+            <a:endParaRPr lang="en-US"/>
+          </a:p>
+        </p:txBody>
+      </p:sp>
+      <p:sp>
+        <p:nvSpPr>
+          <p:cNvPr id="25" name="Freeform: Shape 13">
+            <a:extLst>
+              <a:ext uri="{FF2B5EF4-FFF2-40B4-BE49-F238E27FC236}">
+                <a16:creationId xmlns:a16="http://schemas.microsoft.com/office/drawing/2014/main" id="{DA2C7802-C2E0-4218-8F89-8DD7CCD2CD1C}"/>
+              </a:ext>
+              <a:ext uri="{C183D7F6-B498-43B3-948B-1728B52AA6E4}">
+                <adec:decorative xmlns:adec="http://schemas.microsoft.com/office/drawing/2017/decorative" val="1"/>
+              </a:ext>
+            </a:extLst>
+          </p:cNvPr>
+          <p:cNvSpPr>
+            <a:spLocks noGrp="1" noRot="1" noChangeAspect="1" noMove="1" noResize="1" noEditPoints="1" noAdjustHandles="1" noChangeArrowheads="1" noChangeShapeType="1" noTextEdit="1"/>
+          </p:cNvSpPr>
+          <p:nvPr>
+            <p:extLst>
+              <p:ext uri="{386F3935-93C4-4BCD-93E2-E3B085C9AB24}">
+                <p16:designElem xmlns:p16="http://schemas.microsoft.com/office/powerpoint/2015/main" val="1"/>
+              </p:ext>
+            </p:extLst>
+          </p:nvPr>
+        </p:nvSpPr>
+        <p:spPr>
+          <a:xfrm rot="2700000">
+            <a:off x="9627985" y="-6588"/>
+            <a:ext cx="4059393" cy="2548110"/>
+          </a:xfrm>
+          <a:custGeom>
+            <a:avLst/>
+            <a:gdLst>
+              <a:gd name="connsiteX0" fmla="*/ 0 w 4059393"/>
+              <a:gd name="connsiteY0" fmla="*/ 1511282 h 2548110"/>
+              <a:gd name="connsiteX1" fmla="*/ 1511282 w 4059393"/>
+              <a:gd name="connsiteY1" fmla="*/ 0 h 2548110"/>
+              <a:gd name="connsiteX2" fmla="*/ 4059393 w 4059393"/>
+              <a:gd name="connsiteY2" fmla="*/ 2548110 h 2548110"/>
+              <a:gd name="connsiteX3" fmla="*/ 0 w 4059393"/>
+              <a:gd name="connsiteY3" fmla="*/ 2548110 h 2548110"/>
+            </a:gdLst>
+            <a:ahLst/>
+            <a:cxnLst>
+              <a:cxn ang="0">
+                <a:pos x="connsiteX0" y="connsiteY0"/>
+              </a:cxn>
+              <a:cxn ang="0">
+                <a:pos x="connsiteX1" y="connsiteY1"/>
+              </a:cxn>
+              <a:cxn ang="0">
+                <a:pos x="connsiteX2" y="connsiteY2"/>
+              </a:cxn>
+              <a:cxn ang="0">
+                <a:pos x="connsiteX3" y="connsiteY3"/>
+              </a:cxn>
+            </a:cxnLst>
+            <a:rect l="l" t="t" r="r" b="b"/>
+            <a:pathLst>
+              <a:path w="4059393" h="2548110">
+                <a:moveTo>
+                  <a:pt x="0" y="1511282"/>
+                </a:moveTo>
+                <a:lnTo>
+                  <a:pt x="1511282" y="0"/>
+                </a:lnTo>
+                <a:lnTo>
+                  <a:pt x="4059393" y="2548110"/>
+                </a:lnTo>
+                <a:lnTo>
+                  <a:pt x="0" y="2548110"/>
+                </a:lnTo>
+                <a:close/>
+              </a:path>
+            </a:pathLst>
+          </a:custGeom>
+          <a:solidFill>
+            <a:schemeClr val="accent1">
+              <a:alpha val="30000"/>
+            </a:schemeClr>
+          </a:solidFill>
+          <a:ln>
+            <a:noFill/>
+          </a:ln>
+        </p:spPr>
+        <p:style>
+          <a:lnRef idx="2">
+            <a:schemeClr val="accent1">
+              <a:shade val="50000"/>
+            </a:schemeClr>
+          </a:lnRef>
+          <a:fillRef idx="1">
+            <a:schemeClr val="accent1"/>
+          </a:fillRef>
+          <a:effectRef idx="0">
+            <a:schemeClr val="accent1"/>
+          </a:effectRef>
+          <a:fontRef idx="minor">
+            <a:schemeClr val="lt1"/>
+          </a:fontRef>
+        </p:style>
+        <p:txBody>
+          <a:bodyPr wrap="square" rtlCol="0" anchor="ctr">
+            <a:noAutofit/>
+          </a:bodyPr>
+          <a:lstStyle/>
+          <a:p>
+            <a:pPr algn="ctr"/>
+            <a:endParaRPr lang="en-US"/>
+          </a:p>
+        </p:txBody>
+      </p:sp>
+      <p:sp>
+        <p:nvSpPr>
+          <p:cNvPr id="27" name="Rectangle 15">
+            <a:extLst>
+              <a:ext uri="{FF2B5EF4-FFF2-40B4-BE49-F238E27FC236}">
+                <a16:creationId xmlns:a16="http://schemas.microsoft.com/office/drawing/2014/main" id="{A6D7111A-21E5-4EE9-8A78-10E5530F0116}"/>
+              </a:ext>
+              <a:ext uri="{C183D7F6-B498-43B3-948B-1728B52AA6E4}">
+                <adec:decorative xmlns:adec="http://schemas.microsoft.com/office/drawing/2017/decorative" val="1"/>
+              </a:ext>
+            </a:extLst>
+          </p:cNvPr>
+          <p:cNvSpPr>
+            <a:spLocks noGrp="1" noRot="1" noChangeAspect="1" noMove="1" noResize="1" noEditPoints="1" noAdjustHandles="1" noChangeArrowheads="1" noChangeShapeType="1" noTextEdit="1"/>
+          </p:cNvSpPr>
+          <p:nvPr>
+            <p:extLst>
+              <p:ext uri="{386F3935-93C4-4BCD-93E2-E3B085C9AB24}">
+                <p16:designElem xmlns:p16="http://schemas.microsoft.com/office/powerpoint/2015/main" val="1"/>
+              </p:ext>
+            </p:extLst>
+          </p:nvPr>
+        </p:nvSpPr>
+        <p:spPr>
+          <a:xfrm rot="2700000">
+            <a:off x="10262924" y="1465780"/>
+            <a:ext cx="1185708" cy="1185708"/>
+          </a:xfrm>
+          <a:prstGeom prst="rect">
+            <a:avLst/>
+          </a:prstGeom>
+          <a:solidFill>
+            <a:schemeClr val="accent1">
+              <a:alpha val="30000"/>
+            </a:schemeClr>
+          </a:solidFill>
+          <a:ln>
+            <a:noFill/>
+          </a:ln>
+        </p:spPr>
+        <p:style>
+          <a:lnRef idx="2">
+            <a:schemeClr val="accent1">
+              <a:shade val="50000"/>
+            </a:schemeClr>
+          </a:lnRef>
+          <a:fillRef idx="1">
+            <a:schemeClr val="accent1"/>
+          </a:fillRef>
+          <a:effectRef idx="0">
+            <a:schemeClr val="accent1"/>
+          </a:effectRef>
+          <a:fontRef idx="minor">
+            <a:schemeClr val="lt1"/>
+          </a:fontRef>
+        </p:style>
+        <p:txBody>
+          <a:bodyPr wrap="square" rtlCol="0" anchor="ctr">
+            <a:noAutofit/>
+          </a:bodyPr>
+          <a:lstStyle/>
+          <a:p>
+            <a:pPr algn="ctr"/>
+            <a:endParaRPr lang="en-US"/>
+          </a:p>
+        </p:txBody>
+      </p:sp>
+      <p:sp>
+        <p:nvSpPr>
+          <p:cNvPr id="18" name="Freeform: Shape 17">
+            <a:extLst>
+              <a:ext uri="{FF2B5EF4-FFF2-40B4-BE49-F238E27FC236}">
+                <a16:creationId xmlns:a16="http://schemas.microsoft.com/office/drawing/2014/main" id="{A3969E80-A77B-49FC-9122-D89AFD5EE118}"/>
+              </a:ext>
+              <a:ext uri="{C183D7F6-B498-43B3-948B-1728B52AA6E4}">
+                <adec:decorative xmlns:adec="http://schemas.microsoft.com/office/drawing/2017/decorative" val="1"/>
+              </a:ext>
+            </a:extLst>
+          </p:cNvPr>
+          <p:cNvSpPr>
+            <a:spLocks noGrp="1" noRot="1" noChangeAspect="1" noMove="1" noResize="1" noEditPoints="1" noAdjustHandles="1" noChangeArrowheads="1" noChangeShapeType="1" noTextEdit="1"/>
+          </p:cNvSpPr>
+          <p:nvPr>
+            <p:extLst>
+              <p:ext uri="{386F3935-93C4-4BCD-93E2-E3B085C9AB24}">
+                <p16:designElem xmlns:p16="http://schemas.microsoft.com/office/powerpoint/2015/main" val="1"/>
+              </p:ext>
+            </p:extLst>
+          </p:nvPr>
+        </p:nvSpPr>
+        <p:spPr>
+          <a:xfrm rot="2700000">
+            <a:off x="-29557" y="5198743"/>
+            <a:ext cx="2444907" cy="2366116"/>
+          </a:xfrm>
+          <a:custGeom>
+            <a:avLst/>
+            <a:gdLst>
+              <a:gd name="connsiteX0" fmla="*/ 0 w 2203753"/>
+              <a:gd name="connsiteY0" fmla="*/ 0 h 2132734"/>
+              <a:gd name="connsiteX1" fmla="*/ 2203753 w 2203753"/>
+              <a:gd name="connsiteY1" fmla="*/ 0 h 2132734"/>
+              <a:gd name="connsiteX2" fmla="*/ 2203753 w 2203753"/>
+              <a:gd name="connsiteY2" fmla="*/ 576461 h 2132734"/>
+              <a:gd name="connsiteX3" fmla="*/ 647480 w 2203753"/>
+              <a:gd name="connsiteY3" fmla="*/ 2132734 h 2132734"/>
+              <a:gd name="connsiteX4" fmla="*/ 0 w 2203753"/>
+              <a:gd name="connsiteY4" fmla="*/ 1485255 h 2132734"/>
+            </a:gdLst>
+            <a:ahLst/>
+            <a:cxnLst>
+              <a:cxn ang="0">
+                <a:pos x="connsiteX0" y="connsiteY0"/>
+              </a:cxn>
+              <a:cxn ang="0">
+                <a:pos x="connsiteX1" y="connsiteY1"/>
+              </a:cxn>
+              <a:cxn ang="0">
+                <a:pos x="connsiteX2" y="connsiteY2"/>
+              </a:cxn>
+              <a:cxn ang="0">
+                <a:pos x="connsiteX3" y="connsiteY3"/>
+              </a:cxn>
+              <a:cxn ang="0">
+                <a:pos x="connsiteX4" y="connsiteY4"/>
+              </a:cxn>
+            </a:cxnLst>
+            <a:rect l="l" t="t" r="r" b="b"/>
+            <a:pathLst>
+              <a:path w="2203753" h="2132734">
+                <a:moveTo>
+                  <a:pt x="0" y="0"/>
+                </a:moveTo>
+                <a:lnTo>
+                  <a:pt x="2203753" y="0"/>
+                </a:lnTo>
+                <a:lnTo>
+                  <a:pt x="2203753" y="576461"/>
+                </a:lnTo>
+                <a:lnTo>
+                  <a:pt x="647480" y="2132734"/>
+                </a:lnTo>
+                <a:lnTo>
+                  <a:pt x="0" y="1485255"/>
+                </a:lnTo>
+                <a:close/>
+              </a:path>
+            </a:pathLst>
+          </a:custGeom>
+          <a:solidFill>
+            <a:schemeClr val="accent1">
+              <a:alpha val="30000"/>
+            </a:schemeClr>
+          </a:solidFill>
+          <a:ln>
+            <a:noFill/>
+          </a:ln>
+        </p:spPr>
+        <p:style>
+          <a:lnRef idx="2">
+            <a:schemeClr val="accent1">
+              <a:shade val="50000"/>
+            </a:schemeClr>
+          </a:lnRef>
+          <a:fillRef idx="1">
+            <a:schemeClr val="accent1"/>
+          </a:fillRef>
+          <a:effectRef idx="0">
+            <a:schemeClr val="accent1"/>
+          </a:effectRef>
+          <a:fontRef idx="minor">
+            <a:schemeClr val="lt1"/>
+          </a:fontRef>
+        </p:style>
+        <p:txBody>
+          <a:bodyPr wrap="square" rtlCol="0" anchor="ctr">
+            <a:noAutofit/>
+          </a:bodyPr>
+          <a:lstStyle/>
+          <a:p>
+            <a:pPr algn="ctr"/>
+            <a:endParaRPr lang="en-US"/>
+          </a:p>
+        </p:txBody>
+      </p:sp>
+      <p:sp>
+        <p:nvSpPr>
+          <p:cNvPr id="20" name="Rectangle 19">
+            <a:extLst>
+              <a:ext uri="{FF2B5EF4-FFF2-40B4-BE49-F238E27FC236}">
+                <a16:creationId xmlns:a16="http://schemas.microsoft.com/office/drawing/2014/main" id="{1849CA57-76BD-4CF2-80BA-D7A46A01B7B1}"/>
+              </a:ext>
+              <a:ext uri="{C183D7F6-B498-43B3-948B-1728B52AA6E4}">
+                <adec:decorative xmlns:adec="http://schemas.microsoft.com/office/drawing/2017/decorative" val="1"/>
+              </a:ext>
+            </a:extLst>
+          </p:cNvPr>
+          <p:cNvSpPr>
+            <a:spLocks noGrp="1" noRot="1" noChangeAspect="1" noMove="1" noResize="1" noEditPoints="1" noAdjustHandles="1" noChangeArrowheads="1" noChangeShapeType="1" noTextEdit="1"/>
+          </p:cNvSpPr>
+          <p:nvPr>
+            <p:extLst>
+              <p:ext uri="{386F3935-93C4-4BCD-93E2-E3B085C9AB24}">
+                <p16:designElem xmlns:p16="http://schemas.microsoft.com/office/powerpoint/2015/main" val="1"/>
+              </p:ext>
+            </p:extLst>
+          </p:nvPr>
+        </p:nvSpPr>
+        <p:spPr>
+          <a:xfrm rot="2700000">
+            <a:off x="1769787" y="5439893"/>
+            <a:ext cx="928467" cy="928467"/>
+          </a:xfrm>
+          <a:prstGeom prst="rect">
+            <a:avLst/>
+          </a:prstGeom>
+          <a:solidFill>
+            <a:schemeClr val="accent1">
+              <a:alpha val="30000"/>
+            </a:schemeClr>
+          </a:solidFill>
+          <a:ln>
+            <a:noFill/>
+          </a:ln>
+        </p:spPr>
+        <p:style>
+          <a:lnRef idx="2">
+            <a:schemeClr val="accent1">
+              <a:shade val="50000"/>
+            </a:schemeClr>
+          </a:lnRef>
+          <a:fillRef idx="1">
+            <a:schemeClr val="accent1"/>
+          </a:fillRef>
+          <a:effectRef idx="0">
+            <a:schemeClr val="accent1"/>
+          </a:effectRef>
+          <a:fontRef idx="minor">
+            <a:schemeClr val="lt1"/>
+          </a:fontRef>
+        </p:style>
+        <p:txBody>
+          <a:bodyPr wrap="square" rtlCol="0" anchor="ctr">
+            <a:noAutofit/>
+          </a:bodyPr>
+          <a:lstStyle/>
+          <a:p>
+            <a:pPr algn="ctr"/>
+            <a:endParaRPr lang="en-US">
+              <a:solidFill>
+                <a:srgbClr val="FFFFFF"/>
+              </a:solidFill>
+              <a:effectLst>
+                <a:outerShdw blurRad="38100" dist="38100" dir="2700000" algn="tl">
+                  <a:srgbClr val="000000">
+                    <a:alpha val="43137"/>
+                  </a:srgbClr>
+                </a:outerShdw>
+              </a:effectLst>
+            </a:endParaRPr>
+          </a:p>
+        </p:txBody>
+      </p:sp>
+      <p:sp>
+        <p:nvSpPr>
+          <p:cNvPr id="22" name="Freeform: Shape 21">
+            <a:extLst>
+              <a:ext uri="{FF2B5EF4-FFF2-40B4-BE49-F238E27FC236}">
+                <a16:creationId xmlns:a16="http://schemas.microsoft.com/office/drawing/2014/main" id="{35E9085E-E730-4768-83D4-6CB7E9897153}"/>
+              </a:ext>
+              <a:ext uri="{C183D7F6-B498-43B3-948B-1728B52AA6E4}">
+                <adec:decorative xmlns:adec="http://schemas.microsoft.com/office/drawing/2017/decorative" val="1"/>
+              </a:ext>
+            </a:extLst>
+          </p:cNvPr>
+          <p:cNvSpPr>
+            <a:spLocks noGrp="1" noRot="1" noChangeAspect="1" noMove="1" noResize="1" noEditPoints="1" noAdjustHandles="1" noChangeArrowheads="1" noChangeShapeType="1" noTextEdit="1"/>
+          </p:cNvSpPr>
+          <p:nvPr>
+            <p:extLst>
+              <p:ext uri="{386F3935-93C4-4BCD-93E2-E3B085C9AB24}">
+                <p16:designElem xmlns:p16="http://schemas.microsoft.com/office/powerpoint/2015/main" val="1"/>
+              </p:ext>
+            </p:extLst>
+          </p:nvPr>
+        </p:nvSpPr>
+        <p:spPr>
+          <a:xfrm rot="2700000">
+            <a:off x="3401311" y="734311"/>
+            <a:ext cx="5389379" cy="5389379"/>
+          </a:xfrm>
+          <a:custGeom>
+            <a:avLst/>
+            <a:gdLst>
+              <a:gd name="connsiteX0" fmla="*/ 0 w 5389379"/>
+              <a:gd name="connsiteY0" fmla="*/ 540040 h 5389379"/>
+              <a:gd name="connsiteX1" fmla="*/ 540040 w 5389379"/>
+              <a:gd name="connsiteY1" fmla="*/ 0 h 5389379"/>
+              <a:gd name="connsiteX2" fmla="*/ 5389379 w 5389379"/>
+              <a:gd name="connsiteY2" fmla="*/ 0 h 5389379"/>
+              <a:gd name="connsiteX3" fmla="*/ 5389379 w 5389379"/>
+              <a:gd name="connsiteY3" fmla="*/ 4838655 h 5389379"/>
+              <a:gd name="connsiteX4" fmla="*/ 4838655 w 5389379"/>
+              <a:gd name="connsiteY4" fmla="*/ 5389379 h 5389379"/>
+              <a:gd name="connsiteX5" fmla="*/ 0 w 5389379"/>
+              <a:gd name="connsiteY5" fmla="*/ 5389379 h 5389379"/>
+            </a:gdLst>
+            <a:ahLst/>
+            <a:cxnLst>
+              <a:cxn ang="0">
+                <a:pos x="connsiteX0" y="connsiteY0"/>
+              </a:cxn>
+              <a:cxn ang="0">
+                <a:pos x="connsiteX1" y="connsiteY1"/>
+              </a:cxn>
+              <a:cxn ang="0">
+                <a:pos x="connsiteX2" y="connsiteY2"/>
+              </a:cxn>
+              <a:cxn ang="0">
+                <a:pos x="connsiteX3" y="connsiteY3"/>
+              </a:cxn>
+              <a:cxn ang="0">
+                <a:pos x="connsiteX4" y="connsiteY4"/>
+              </a:cxn>
+              <a:cxn ang="0">
+                <a:pos x="connsiteX5" y="connsiteY5"/>
+              </a:cxn>
+            </a:cxnLst>
+            <a:rect l="l" t="t" r="r" b="b"/>
+            <a:pathLst>
+              <a:path w="5389379" h="5389379">
+                <a:moveTo>
+                  <a:pt x="0" y="540040"/>
+                </a:moveTo>
+                <a:lnTo>
+                  <a:pt x="540040" y="0"/>
+                </a:lnTo>
+                <a:lnTo>
+                  <a:pt x="5389379" y="0"/>
+                </a:lnTo>
+                <a:lnTo>
+                  <a:pt x="5389379" y="4838655"/>
+                </a:lnTo>
+                <a:lnTo>
+                  <a:pt x="4838655" y="5389379"/>
+                </a:lnTo>
+                <a:lnTo>
+                  <a:pt x="0" y="5389379"/>
+                </a:lnTo>
+                <a:close/>
+              </a:path>
+            </a:pathLst>
+          </a:custGeom>
+          <a:solidFill>
+            <a:srgbClr val="FFFFFF"/>
+          </a:solidFill>
+          <a:ln>
+            <a:noFill/>
+          </a:ln>
+        </p:spPr>
+        <p:style>
+          <a:lnRef idx="2">
+            <a:schemeClr val="accent1">
+              <a:shade val="50000"/>
+            </a:schemeClr>
+          </a:lnRef>
+          <a:fillRef idx="1">
+            <a:schemeClr val="accent1"/>
+          </a:fillRef>
+          <a:effectRef idx="0">
+            <a:schemeClr val="accent1"/>
+          </a:effectRef>
+          <a:fontRef idx="minor">
+            <a:schemeClr val="lt1"/>
+          </a:fontRef>
+        </p:style>
+        <p:txBody>
+          <a:bodyPr wrap="square" rtlCol="0" anchor="ctr">
+            <a:noAutofit/>
+          </a:bodyPr>
+          <a:lstStyle/>
+          <a:p>
+            <a:pPr algn="ctr"/>
+            <a:endParaRPr lang="en-US"/>
+          </a:p>
+        </p:txBody>
+      </p:sp>
+      <p:sp>
+        <p:nvSpPr>
+          <p:cNvPr id="24" name="Freeform: Shape 23">
+            <a:extLst>
+              <a:ext uri="{FF2B5EF4-FFF2-40B4-BE49-F238E27FC236}">
+                <a16:creationId xmlns:a16="http://schemas.microsoft.com/office/drawing/2014/main" id="{973272FE-A474-4CAE-8CA2-BCC8B476C3F4}"/>
+              </a:ext>
+              <a:ext uri="{C183D7F6-B498-43B3-948B-1728B52AA6E4}">
+                <adec:decorative xmlns:adec="http://schemas.microsoft.com/office/drawing/2017/decorative" val="1"/>
+              </a:ext>
+            </a:extLst>
+          </p:cNvPr>
+          <p:cNvSpPr>
+            <a:spLocks noGrp="1" noRot="1" noChangeAspect="1" noMove="1" noResize="1" noEditPoints="1" noAdjustHandles="1" noChangeArrowheads="1" noChangeShapeType="1" noTextEdit="1"/>
+          </p:cNvSpPr>
+          <p:nvPr>
+            <p:extLst>
+              <p:ext uri="{386F3935-93C4-4BCD-93E2-E3B085C9AB24}">
+                <p16:designElem xmlns:p16="http://schemas.microsoft.com/office/powerpoint/2015/main" val="1"/>
+              </p:ext>
+            </p:extLst>
+          </p:nvPr>
+        </p:nvSpPr>
+        <p:spPr>
+          <a:xfrm rot="2700000">
+            <a:off x="2700283" y="33283"/>
+            <a:ext cx="6791435" cy="6791435"/>
+          </a:xfrm>
+          <a:custGeom>
+            <a:avLst/>
+            <a:gdLst>
+              <a:gd name="connsiteX0" fmla="*/ 1860938 w 6791435"/>
+              <a:gd name="connsiteY0" fmla="*/ 81158 h 6791435"/>
+              <a:gd name="connsiteX1" fmla="*/ 1942096 w 6791435"/>
+              <a:gd name="connsiteY1" fmla="*/ 0 h 6791435"/>
+              <a:gd name="connsiteX2" fmla="*/ 6791435 w 6791435"/>
+              <a:gd name="connsiteY2" fmla="*/ 0 h 6791435"/>
+              <a:gd name="connsiteX3" fmla="*/ 6791435 w 6791435"/>
+              <a:gd name="connsiteY3" fmla="*/ 4838655 h 6791435"/>
+              <a:gd name="connsiteX4" fmla="*/ 6710277 w 6791435"/>
+              <a:gd name="connsiteY4" fmla="*/ 4919813 h 6791435"/>
+              <a:gd name="connsiteX5" fmla="*/ 6710277 w 6791435"/>
+              <a:gd name="connsiteY5" fmla="*/ 81158 h 6791435"/>
+              <a:gd name="connsiteX6" fmla="*/ 0 w 6791435"/>
+              <a:gd name="connsiteY6" fmla="*/ 1942096 h 6791435"/>
+              <a:gd name="connsiteX7" fmla="*/ 81158 w 6791435"/>
+              <a:gd name="connsiteY7" fmla="*/ 1860938 h 6791435"/>
+              <a:gd name="connsiteX8" fmla="*/ 81158 w 6791435"/>
+              <a:gd name="connsiteY8" fmla="*/ 6710277 h 6791435"/>
+              <a:gd name="connsiteX9" fmla="*/ 4919813 w 6791435"/>
+              <a:gd name="connsiteY9" fmla="*/ 6710277 h 6791435"/>
+              <a:gd name="connsiteX10" fmla="*/ 4838655 w 6791435"/>
+              <a:gd name="connsiteY10" fmla="*/ 6791435 h 6791435"/>
+              <a:gd name="connsiteX11" fmla="*/ 0 w 6791435"/>
+              <a:gd name="connsiteY11" fmla="*/ 6791435 h 6791435"/>
+            </a:gdLst>
+            <a:ahLst/>
+            <a:cxnLst>
+              <a:cxn ang="0">
+                <a:pos x="connsiteX0" y="connsiteY0"/>
+              </a:cxn>
+              <a:cxn ang="0">
+                <a:pos x="connsiteX1" y="connsiteY1"/>
+              </a:cxn>
+              <a:cxn ang="0">
+                <a:pos x="connsiteX2" y="connsiteY2"/>
+              </a:cxn>
+              <a:cxn ang="0">
+                <a:pos x="connsiteX3" y="connsiteY3"/>
+              </a:cxn>
+              <a:cxn ang="0">
+                <a:pos x="connsiteX4" y="connsiteY4"/>
+              </a:cxn>
+              <a:cxn ang="0">
+                <a:pos x="connsiteX5" y="connsiteY5"/>
+              </a:cxn>
+              <a:cxn ang="0">
+                <a:pos x="connsiteX6" y="connsiteY6"/>
+              </a:cxn>
+              <a:cxn ang="0">
+                <a:pos x="connsiteX7" y="connsiteY7"/>
+              </a:cxn>
+              <a:cxn ang="0">
+                <a:pos x="connsiteX8" y="connsiteY8"/>
+              </a:cxn>
+              <a:cxn ang="0">
+                <a:pos x="connsiteX9" y="connsiteY9"/>
+              </a:cxn>
+              <a:cxn ang="0">
+                <a:pos x="connsiteX10" y="connsiteY10"/>
+              </a:cxn>
+              <a:cxn ang="0">
+                <a:pos x="connsiteX11" y="connsiteY11"/>
+              </a:cxn>
+            </a:cxnLst>
+            <a:rect l="l" t="t" r="r" b="b"/>
+            <a:pathLst>
+              <a:path w="6791435" h="6791435">
+                <a:moveTo>
+                  <a:pt x="1860938" y="81158"/>
+                </a:moveTo>
+                <a:lnTo>
+                  <a:pt x="1942096" y="0"/>
+                </a:lnTo>
+                <a:lnTo>
+                  <a:pt x="6791435" y="0"/>
+                </a:lnTo>
+                <a:lnTo>
+                  <a:pt x="6791435" y="4838655"/>
+                </a:lnTo>
+                <a:lnTo>
+                  <a:pt x="6710277" y="4919813"/>
+                </a:lnTo>
+                <a:lnTo>
+                  <a:pt x="6710277" y="81158"/>
+                </a:lnTo>
+                <a:close/>
+                <a:moveTo>
+                  <a:pt x="0" y="1942096"/>
+                </a:moveTo>
+                <a:lnTo>
+                  <a:pt x="81158" y="1860938"/>
+                </a:lnTo>
+                <a:lnTo>
+                  <a:pt x="81158" y="6710277"/>
+                </a:lnTo>
+                <a:lnTo>
+                  <a:pt x="4919813" y="6710277"/>
+                </a:lnTo>
+                <a:lnTo>
+                  <a:pt x="4838655" y="6791435"/>
+                </a:lnTo>
+                <a:lnTo>
+                  <a:pt x="0" y="6791435"/>
+                </a:lnTo>
+                <a:close/>
+              </a:path>
+            </a:pathLst>
+          </a:custGeom>
+          <a:solidFill>
+            <a:srgbClr val="FFFFFF">
+              <a:alpha val="60000"/>
+            </a:srgbClr>
+          </a:solidFill>
+          <a:ln>
+            <a:noFill/>
+          </a:ln>
+        </p:spPr>
+        <p:style>
+          <a:lnRef idx="2">
+            <a:schemeClr val="accent1">
+              <a:shade val="50000"/>
+            </a:schemeClr>
+          </a:lnRef>
+          <a:fillRef idx="1">
+            <a:schemeClr val="accent1"/>
+          </a:fillRef>
+          <a:effectRef idx="0">
+            <a:schemeClr val="accent1"/>
+          </a:effectRef>
+          <a:fontRef idx="minor">
+            <a:schemeClr val="lt1"/>
+          </a:fontRef>
+        </p:style>
+        <p:txBody>
+          <a:bodyPr wrap="square" rtlCol="0" anchor="ctr">
+            <a:noAutofit/>
+          </a:bodyPr>
+          <a:lstStyle/>
+          <a:p>
+            <a:pPr algn="ctr"/>
+            <a:endParaRPr lang="en-US">
+              <a:solidFill>
+                <a:schemeClr val="tx1"/>
+              </a:solidFill>
+            </a:endParaRPr>
+          </a:p>
+        </p:txBody>
+      </p:sp>
+      <p:sp>
+        <p:nvSpPr>
+          <p:cNvPr id="3" name="Subtitle 2">
+            <a:extLst>
+              <a:ext uri="{FF2B5EF4-FFF2-40B4-BE49-F238E27FC236}">
+                <a16:creationId xmlns:a16="http://schemas.microsoft.com/office/drawing/2014/main" id="{9DBB03AE-64C4-430F-9FAD-2760DDBD42BC}"/>
+              </a:ext>
+            </a:extLst>
+          </p:cNvPr>
+          <p:cNvSpPr>
+            <a:spLocks noGrp="1"/>
+          </p:cNvSpPr>
+          <p:nvPr>
+            <p:ph type="subTitle" idx="1"/>
+          </p:nvPr>
+        </p:nvSpPr>
+        <p:spPr>
+          <a:xfrm>
+            <a:off x="4439633" y="4518923"/>
+            <a:ext cx="3312734" cy="1141851"/>
+          </a:xfrm>
+          <a:noFill/>
+        </p:spPr>
+        <p:txBody>
+          <a:bodyPr>
+            <a:normAutofit/>
+          </a:bodyPr>
+          <a:lstStyle/>
+          <a:p>
+            <a:r>
+              <a:rPr lang="en-US" sz="2000">
+                <a:solidFill>
+                  <a:srgbClr val="080808"/>
+                </a:solidFill>
+              </a:rPr>
+              <a:t>developed by [Aliasgar – ALI ]</a:t>
+            </a:r>
+          </a:p>
+        </p:txBody>
+      </p:sp>
+      <p:sp>
+        <p:nvSpPr>
+          <p:cNvPr id="2" name="Title 1">
+            <a:extLst>
+              <a:ext uri="{FF2B5EF4-FFF2-40B4-BE49-F238E27FC236}">
+                <a16:creationId xmlns:a16="http://schemas.microsoft.com/office/drawing/2014/main" id="{F0A8DF5D-7865-410B-A3DA-C1546E6B8D9B}"/>
+              </a:ext>
+            </a:extLst>
+          </p:cNvPr>
+          <p:cNvSpPr>
+            <a:spLocks noGrp="1"/>
+          </p:cNvSpPr>
+          <p:nvPr>
+            <p:ph type="ctrTitle"/>
+          </p:nvPr>
+        </p:nvSpPr>
+        <p:spPr>
+          <a:xfrm>
+            <a:off x="3204642" y="2353641"/>
+            <a:ext cx="5782716" cy="2150719"/>
+          </a:xfrm>
+          <a:noFill/>
+        </p:spPr>
+        <p:txBody>
+          <a:bodyPr anchor="ctr">
+            <a:normAutofit/>
+          </a:bodyPr>
+          <a:lstStyle/>
+          <a:p>
+            <a:r>
+              <a:rPr lang="en-US" sz="3600" dirty="0" err="1">
+                <a:solidFill>
+                  <a:srgbClr val="080808"/>
+                </a:solidFill>
+              </a:rPr>
+              <a:t>configs_generator</a:t>
+            </a:r>
+            <a:br>
+              <a:rPr lang="en-US" sz="3600" dirty="0">
+                <a:solidFill>
+                  <a:srgbClr val="080808"/>
+                </a:solidFill>
+              </a:rPr>
+            </a:br>
+            <a:r>
+              <a:rPr lang="en-US" sz="1600" dirty="0">
+                <a:solidFill>
+                  <a:srgbClr val="080808"/>
+                </a:solidFill>
+              </a:rPr>
+              <a:t>[version: 0.0.2]</a:t>
+            </a:r>
+            <a:endParaRPr lang="en-US" sz="3600" dirty="0">
+              <a:solidFill>
+                <a:srgbClr val="080808"/>
+              </a:solidFill>
+            </a:endParaRPr>
+          </a:p>
+        </p:txBody>
+      </p:sp>
+      <p:sp>
+        <p:nvSpPr>
+          <p:cNvPr id="26" name="Freeform: Shape 25">
+            <a:extLst>
+              <a:ext uri="{FF2B5EF4-FFF2-40B4-BE49-F238E27FC236}">
+                <a16:creationId xmlns:a16="http://schemas.microsoft.com/office/drawing/2014/main" id="{E07981EA-05A6-437C-88D7-B377B92B031D}"/>
+              </a:ext>
+              <a:ext uri="{C183D7F6-B498-43B3-948B-1728B52AA6E4}">
+                <adec:decorative xmlns:adec="http://schemas.microsoft.com/office/drawing/2017/decorative" val="1"/>
+              </a:ext>
+            </a:extLst>
+          </p:cNvPr>
+          <p:cNvSpPr>
+            <a:spLocks noGrp="1" noRot="1" noChangeAspect="1" noMove="1" noResize="1" noEditPoints="1" noAdjustHandles="1" noChangeArrowheads="1" noChangeShapeType="1" noTextEdit="1"/>
+          </p:cNvSpPr>
+          <p:nvPr>
+            <p:extLst>
+              <p:ext uri="{386F3935-93C4-4BCD-93E2-E3B085C9AB24}">
+                <p16:designElem xmlns:p16="http://schemas.microsoft.com/office/powerpoint/2015/main" val="1"/>
+              </p:ext>
+            </p:extLst>
+          </p:nvPr>
+        </p:nvSpPr>
+        <p:spPr>
+          <a:xfrm rot="2700000">
+            <a:off x="9629823" y="5457591"/>
+            <a:ext cx="2231794" cy="2568811"/>
+          </a:xfrm>
+          <a:custGeom>
+            <a:avLst/>
+            <a:gdLst>
+              <a:gd name="connsiteX0" fmla="*/ 0 w 2940086"/>
+              <a:gd name="connsiteY0" fmla="*/ 0 h 3384061"/>
+              <a:gd name="connsiteX1" fmla="*/ 2496112 w 2940086"/>
+              <a:gd name="connsiteY1" fmla="*/ 0 h 3384061"/>
+              <a:gd name="connsiteX2" fmla="*/ 2940086 w 2940086"/>
+              <a:gd name="connsiteY2" fmla="*/ 443975 h 3384061"/>
+              <a:gd name="connsiteX3" fmla="*/ 0 w 2940086"/>
+              <a:gd name="connsiteY3" fmla="*/ 3384061 h 3384061"/>
+            </a:gdLst>
+            <a:ahLst/>
+            <a:cxnLst>
+              <a:cxn ang="0">
+                <a:pos x="connsiteX0" y="connsiteY0"/>
+              </a:cxn>
+              <a:cxn ang="0">
+                <a:pos x="connsiteX1" y="connsiteY1"/>
+              </a:cxn>
+              <a:cxn ang="0">
+                <a:pos x="connsiteX2" y="connsiteY2"/>
+              </a:cxn>
+              <a:cxn ang="0">
+                <a:pos x="connsiteX3" y="connsiteY3"/>
+              </a:cxn>
+            </a:cxnLst>
+            <a:rect l="l" t="t" r="r" b="b"/>
+            <a:pathLst>
+              <a:path w="2940086" h="3384061">
+                <a:moveTo>
+                  <a:pt x="0" y="0"/>
+                </a:moveTo>
+                <a:lnTo>
+                  <a:pt x="2496112" y="0"/>
+                </a:lnTo>
+                <a:lnTo>
+                  <a:pt x="2940086" y="443975"/>
+                </a:lnTo>
+                <a:lnTo>
+                  <a:pt x="0" y="3384061"/>
+                </a:lnTo>
+                <a:close/>
+              </a:path>
+            </a:pathLst>
+          </a:custGeom>
+          <a:solidFill>
+            <a:schemeClr val="accent4">
+              <a:alpha val="40000"/>
+            </a:schemeClr>
+          </a:solidFill>
+          <a:ln>
+            <a:noFill/>
+          </a:ln>
+        </p:spPr>
+        <p:style>
+          <a:lnRef idx="2">
+            <a:schemeClr val="accent1">
+              <a:shade val="50000"/>
+            </a:schemeClr>
+          </a:lnRef>
+          <a:fillRef idx="1">
+            <a:schemeClr val="accent1"/>
+          </a:fillRef>
+          <a:effectRef idx="0">
+            <a:schemeClr val="accent1"/>
+          </a:effectRef>
+          <a:fontRef idx="minor">
+            <a:schemeClr val="lt1"/>
+          </a:fontRef>
+        </p:style>
+        <p:txBody>
+          <a:bodyPr wrap="square" rtlCol="0" anchor="ctr">
+            <a:noAutofit/>
+          </a:bodyPr>
+          <a:lstStyle/>
+          <a:p>
+            <a:pPr algn="ctr"/>
+            <a:endParaRPr lang="en-US"/>
+          </a:p>
+        </p:txBody>
+      </p:sp>
+      <p:sp>
+        <p:nvSpPr>
+          <p:cNvPr id="28" name="Rectangle 27">
+            <a:extLst>
+              <a:ext uri="{FF2B5EF4-FFF2-40B4-BE49-F238E27FC236}">
+                <a16:creationId xmlns:a16="http://schemas.microsoft.com/office/drawing/2014/main" id="{15E3C750-986E-4769-B1AE-49289FBEE757}"/>
+              </a:ext>
+              <a:ext uri="{C183D7F6-B498-43B3-948B-1728B52AA6E4}">
+                <adec:decorative xmlns:adec="http://schemas.microsoft.com/office/drawing/2017/decorative" val="1"/>
+              </a:ext>
+            </a:extLst>
+          </p:cNvPr>
+          <p:cNvSpPr>
+            <a:spLocks noGrp="1" noRot="1" noChangeAspect="1" noMove="1" noResize="1" noEditPoints="1" noAdjustHandles="1" noChangeArrowheads="1" noChangeShapeType="1" noTextEdit="1"/>
+          </p:cNvSpPr>
+          <p:nvPr>
+            <p:extLst>
+              <p:ext uri="{386F3935-93C4-4BCD-93E2-E3B085C9AB24}">
+                <p16:designElem xmlns:p16="http://schemas.microsoft.com/office/powerpoint/2015/main" val="1"/>
+              </p:ext>
+            </p:extLst>
+          </p:nvPr>
+        </p:nvSpPr>
+        <p:spPr>
+          <a:xfrm rot="2700000">
+            <a:off x="9720059" y="5243545"/>
+            <a:ext cx="959985" cy="959985"/>
+          </a:xfrm>
+          <a:prstGeom prst="rect">
+            <a:avLst/>
+          </a:prstGeom>
+          <a:solidFill>
+            <a:schemeClr val="accent4">
+              <a:alpha val="40000"/>
+            </a:schemeClr>
+          </a:solidFill>
+          <a:ln>
+            <a:noFill/>
+          </a:ln>
+        </p:spPr>
+        <p:style>
+          <a:lnRef idx="2">
+            <a:schemeClr val="accent1">
+              <a:shade val="50000"/>
+            </a:schemeClr>
+          </a:lnRef>
+          <a:fillRef idx="1">
+            <a:schemeClr val="accent1"/>
+          </a:fillRef>
+          <a:effectRef idx="0">
+            <a:schemeClr val="accent1"/>
+          </a:effectRef>
+          <a:fontRef idx="minor">
+            <a:schemeClr val="lt1"/>
+          </a:fontRef>
+        </p:style>
+        <p:txBody>
+          <a:bodyPr wrap="square" rtlCol="0" anchor="ctr">
+            <a:noAutofit/>
+          </a:bodyPr>
+          <a:lstStyle/>
+          <a:p>
+            <a:pPr algn="ctr"/>
+            <a:endParaRPr lang="en-US"/>
+          </a:p>
+        </p:txBody>
+      </p:sp>
+    </p:spTree>
+    <p:extLst>
+      <p:ext uri="{BB962C8B-B14F-4D97-AF65-F5344CB8AC3E}">
+        <p14:creationId xmlns:p14="http://schemas.microsoft.com/office/powerpoint/2010/main" val="2957164170"/>
+      </p:ext>
+    </p:extLst>
+  </p:cSld>
+  <p:clrMapOvr>
+    <a:masterClrMapping/>
+  </p:clrMapOvr>
+</p:sld>
+</file>
+
+<file path=ppt/slides/slide10.xml><?xml version="1.0" encoding="utf-8"?>
+<p:sld xmlns:a="http://schemas.openxmlformats.org/drawingml/2006/main" xmlns:r="http://schemas.openxmlformats.org/officeDocument/2006/relationships" xmlns:p="http://schemas.openxmlformats.org/presentationml/2006/main">
+  <p:cSld>
+    <p:bg>
+      <p:bgPr>
+        <a:solidFill>
+          <a:schemeClr val="bg1"/>
+        </a:solidFill>
+        <a:effectLst/>
+      </p:bgPr>
+    </p:bg>
     <p:spTree>
       <p:nvGrpSpPr>
         <p:cNvPr id="1" name=""/>
@@ -3337,7 +4630,7 @@
           <p:cNvPr id="2" name="Title 1">
             <a:extLst>
               <a:ext uri="{FF2B5EF4-FFF2-40B4-BE49-F238E27FC236}">
-                <a16:creationId xmlns:a16="http://schemas.microsoft.com/office/drawing/2014/main" id="{F0A8DF5D-7865-410B-A3DA-C1546E6B8D9B}"/>
+                <a16:creationId xmlns:a16="http://schemas.microsoft.com/office/drawing/2014/main" id="{5016E772-CEE5-4684-AC41-A8E0FFCC47FE}"/>
               </a:ext>
             </a:extLst>
           </p:cNvPr>
@@ -3345,53 +4638,463 @@
             <a:spLocks noGrp="1"/>
           </p:cNvSpPr>
           <p:nvPr>
-            <p:ph type="ctrTitle"/>
+            <p:ph type="title"/>
           </p:nvPr>
         </p:nvSpPr>
-        <p:spPr/>
+        <p:spPr>
+          <a:xfrm>
+            <a:off x="838200" y="2340430"/>
+            <a:ext cx="4245429" cy="2206364"/>
+          </a:xfrm>
+        </p:spPr>
         <p:txBody>
-          <a:bodyPr/>
+          <a:bodyPr vert="horz" lIns="91440" tIns="45720" rIns="91440" bIns="45720" rtlCol="0" anchor="ctr">
+            <a:normAutofit/>
+          </a:bodyPr>
           <a:lstStyle/>
           <a:p>
             <a:r>
-              <a:rPr lang="en-US" dirty="0" err="1"/>
-              <a:t>configs_generator</a:t>
-            </a:r>
-            <a:endParaRPr lang="en-US" dirty="0"/>
+              <a:rPr lang="en-US" kern="1200">
+                <a:solidFill>
+                  <a:schemeClr val="tx1"/>
+                </a:solidFill>
+                <a:latin typeface="+mj-lt"/>
+                <a:ea typeface="+mj-ea"/>
+                <a:cs typeface="+mj-cs"/>
+              </a:rPr>
+              <a:t>Configuration Generation</a:t>
+            </a:r>
           </a:p>
         </p:txBody>
       </p:sp>
       <p:sp>
         <p:nvSpPr>
-          <p:cNvPr id="3" name="Subtitle 2">
+          <p:cNvPr id="21" name="Freeform 5">
             <a:extLst>
               <a:ext uri="{FF2B5EF4-FFF2-40B4-BE49-F238E27FC236}">
-                <a16:creationId xmlns:a16="http://schemas.microsoft.com/office/drawing/2014/main" id="{9DBB03AE-64C4-430F-9FAD-2760DDBD42BC}"/>
+                <a16:creationId xmlns:a16="http://schemas.microsoft.com/office/drawing/2014/main" id="{AF1E5E62-9EB9-408E-AE53-A04A4C8110DE}"/>
+              </a:ext>
+              <a:ext uri="{C183D7F6-B498-43B3-948B-1728B52AA6E4}">
+                <adec:decorative xmlns:adec="http://schemas.microsoft.com/office/drawing/2017/decorative" val="1"/>
               </a:ext>
             </a:extLst>
           </p:cNvPr>
           <p:cNvSpPr>
-            <a:spLocks noGrp="1"/>
+            <a:spLocks noGrp="1" noRot="1" noChangeAspect="1" noMove="1" noResize="1" noEditPoints="1" noAdjustHandles="1" noChangeArrowheads="1" noChangeShapeType="1" noTextEdit="1"/>
           </p:cNvSpPr>
           <p:nvPr>
-            <p:ph type="subTitle" idx="1"/>
+            <p:extLst>
+              <p:ext uri="{386F3935-93C4-4BCD-93E2-E3B085C9AB24}">
+                <p16:designElem xmlns:p16="http://schemas.microsoft.com/office/powerpoint/2015/main" val="1"/>
+              </p:ext>
+            </p:extLst>
           </p:nvPr>
         </p:nvSpPr>
         <p:spPr>
           <a:xfrm>
-            <a:off x="1524000" y="4882392"/>
-            <a:ext cx="9144000" cy="375407"/>
+            <a:off x="0" y="1"/>
+            <a:ext cx="5920619" cy="2130951"/>
           </a:xfrm>
+          <a:custGeom>
+            <a:avLst/>
+            <a:gdLst>
+              <a:gd name="connsiteX0" fmla="*/ 0 w 5920619"/>
+              <a:gd name="connsiteY0" fmla="*/ 0 h 2130951"/>
+              <a:gd name="connsiteX1" fmla="*/ 3191370 w 5920619"/>
+              <a:gd name="connsiteY1" fmla="*/ 0 h 2130951"/>
+              <a:gd name="connsiteX2" fmla="*/ 3346315 w 5920619"/>
+              <a:gd name="connsiteY2" fmla="*/ 0 h 2130951"/>
+              <a:gd name="connsiteX3" fmla="*/ 5920619 w 5920619"/>
+              <a:gd name="connsiteY3" fmla="*/ 0 h 2130951"/>
+              <a:gd name="connsiteX4" fmla="*/ 4936971 w 5920619"/>
+              <a:gd name="connsiteY4" fmla="*/ 2130951 h 2130951"/>
+              <a:gd name="connsiteX5" fmla="*/ 0 w 5920619"/>
+              <a:gd name="connsiteY5" fmla="*/ 2130951 h 2130951"/>
+            </a:gdLst>
+            <a:ahLst/>
+            <a:cxnLst>
+              <a:cxn ang="0">
+                <a:pos x="connsiteX0" y="connsiteY0"/>
+              </a:cxn>
+              <a:cxn ang="0">
+                <a:pos x="connsiteX1" y="connsiteY1"/>
+              </a:cxn>
+              <a:cxn ang="0">
+                <a:pos x="connsiteX2" y="connsiteY2"/>
+              </a:cxn>
+              <a:cxn ang="0">
+                <a:pos x="connsiteX3" y="connsiteY3"/>
+              </a:cxn>
+              <a:cxn ang="0">
+                <a:pos x="connsiteX4" y="connsiteY4"/>
+              </a:cxn>
+              <a:cxn ang="0">
+                <a:pos x="connsiteX5" y="connsiteY5"/>
+              </a:cxn>
+            </a:cxnLst>
+            <a:rect l="l" t="t" r="r" b="b"/>
+            <a:pathLst>
+              <a:path w="5920619" h="2130951">
+                <a:moveTo>
+                  <a:pt x="0" y="0"/>
+                </a:moveTo>
+                <a:lnTo>
+                  <a:pt x="3191370" y="0"/>
+                </a:lnTo>
+                <a:lnTo>
+                  <a:pt x="3346315" y="0"/>
+                </a:lnTo>
+                <a:lnTo>
+                  <a:pt x="5920619" y="0"/>
+                </a:lnTo>
+                <a:lnTo>
+                  <a:pt x="4936971" y="2130951"/>
+                </a:lnTo>
+                <a:lnTo>
+                  <a:pt x="0" y="2130951"/>
+                </a:lnTo>
+                <a:close/>
+              </a:path>
+            </a:pathLst>
+          </a:custGeom>
+          <a:solidFill>
+            <a:srgbClr val="595959"/>
+          </a:solidFill>
+          <a:ln>
+            <a:noFill/>
+          </a:ln>
+        </p:spPr>
+        <p:style>
+          <a:lnRef idx="2">
+            <a:schemeClr val="accent1">
+              <a:shade val="50000"/>
+            </a:schemeClr>
+          </a:lnRef>
+          <a:fillRef idx="1">
+            <a:schemeClr val="accent1"/>
+          </a:fillRef>
+          <a:effectRef idx="0">
+            <a:schemeClr val="accent1"/>
+          </a:effectRef>
+          <a:fontRef idx="minor">
+            <a:schemeClr val="lt1"/>
+          </a:fontRef>
+        </p:style>
+        <p:txBody>
+          <a:bodyPr wrap="square" rtlCol="0" anchor="ctr">
+            <a:noAutofit/>
+          </a:bodyPr>
+          <a:lstStyle/>
+          <a:p>
+            <a:pPr algn="ctr"/>
+            <a:endParaRPr lang="en-US"/>
+          </a:p>
+        </p:txBody>
+      </p:sp>
+      <p:pic>
+        <p:nvPicPr>
+          <p:cNvPr id="5" name="Picture 4" descr="A picture containing graphical user interface&#10;&#10;Description automatically generated">
+            <a:extLst>
+              <a:ext uri="{FF2B5EF4-FFF2-40B4-BE49-F238E27FC236}">
+                <a16:creationId xmlns:a16="http://schemas.microsoft.com/office/drawing/2014/main" id="{2107D71A-9A65-40A9-B30B-CD381C611D40}"/>
+              </a:ext>
+            </a:extLst>
+          </p:cNvPr>
+          <p:cNvPicPr>
+            <a:picLocks noChangeAspect="1"/>
+          </p:cNvPicPr>
+          <p:nvPr/>
+        </p:nvPicPr>
+        <p:blipFill>
+          <a:blip r:embed="rId2">
+            <a:extLst>
+              <a:ext uri="{28A0092B-C50C-407E-A947-70E740481C1C}">
+                <a14:useLocalDpi xmlns:a14="http://schemas.microsoft.com/office/drawing/2010/main" val="0"/>
+              </a:ext>
+            </a:extLst>
+          </a:blip>
+          <a:stretch>
+            <a:fillRect/>
+          </a:stretch>
+        </p:blipFill>
+        <p:spPr>
+          <a:xfrm>
+            <a:off x="6085115" y="967920"/>
+            <a:ext cx="5466806" cy="3075078"/>
+          </a:xfrm>
+          <a:prstGeom prst="rect">
+            <a:avLst/>
+          </a:prstGeom>
+        </p:spPr>
+      </p:pic>
+      <p:sp>
+        <p:nvSpPr>
+          <p:cNvPr id="23" name="Freeform 7">
+            <a:extLst>
+              <a:ext uri="{FF2B5EF4-FFF2-40B4-BE49-F238E27FC236}">
+                <a16:creationId xmlns:a16="http://schemas.microsoft.com/office/drawing/2014/main" id="{9C5704B2-7C5B-4738-AF0D-4A2756A69FA1}"/>
+              </a:ext>
+              <a:ext uri="{C183D7F6-B498-43B3-948B-1728B52AA6E4}">
+                <adec:decorative xmlns:adec="http://schemas.microsoft.com/office/drawing/2017/decorative" val="1"/>
+              </a:ext>
+            </a:extLst>
+          </p:cNvPr>
+          <p:cNvSpPr>
+            <a:spLocks noGrp="1" noRot="1" noChangeAspect="1" noMove="1" noResize="1" noEditPoints="1" noAdjustHandles="1" noChangeArrowheads="1" noChangeShapeType="1" noTextEdit="1"/>
+          </p:cNvSpPr>
+          <p:nvPr>
+            <p:extLst>
+              <p:ext uri="{386F3935-93C4-4BCD-93E2-E3B085C9AB24}">
+                <p16:designElem xmlns:p16="http://schemas.microsoft.com/office/powerpoint/2015/main" val="1"/>
+              </p:ext>
+            </p:extLst>
+          </p:nvPr>
+        </p:nvSpPr>
+        <p:spPr>
+          <a:xfrm>
+            <a:off x="6266810" y="4683319"/>
+            <a:ext cx="5925190" cy="2174681"/>
+          </a:xfrm>
+          <a:custGeom>
+            <a:avLst/>
+            <a:gdLst>
+              <a:gd name="connsiteX0" fmla="*/ 1007162 w 5925190"/>
+              <a:gd name="connsiteY0" fmla="*/ 0 h 2174681"/>
+              <a:gd name="connsiteX1" fmla="*/ 5925190 w 5925190"/>
+              <a:gd name="connsiteY1" fmla="*/ 0 h 2174681"/>
+              <a:gd name="connsiteX2" fmla="*/ 5925190 w 5925190"/>
+              <a:gd name="connsiteY2" fmla="*/ 2174681 h 2174681"/>
+              <a:gd name="connsiteX3" fmla="*/ 0 w 5925190"/>
+              <a:gd name="connsiteY3" fmla="*/ 2174681 h 2174681"/>
+            </a:gdLst>
+            <a:ahLst/>
+            <a:cxnLst>
+              <a:cxn ang="0">
+                <a:pos x="connsiteX0" y="connsiteY0"/>
+              </a:cxn>
+              <a:cxn ang="0">
+                <a:pos x="connsiteX1" y="connsiteY1"/>
+              </a:cxn>
+              <a:cxn ang="0">
+                <a:pos x="connsiteX2" y="connsiteY2"/>
+              </a:cxn>
+              <a:cxn ang="0">
+                <a:pos x="connsiteX3" y="connsiteY3"/>
+              </a:cxn>
+            </a:cxnLst>
+            <a:rect l="l" t="t" r="r" b="b"/>
+            <a:pathLst>
+              <a:path w="5925190" h="2174681">
+                <a:moveTo>
+                  <a:pt x="1007162" y="0"/>
+                </a:moveTo>
+                <a:lnTo>
+                  <a:pt x="5925190" y="0"/>
+                </a:lnTo>
+                <a:lnTo>
+                  <a:pt x="5925190" y="2174681"/>
+                </a:lnTo>
+                <a:lnTo>
+                  <a:pt x="0" y="2174681"/>
+                </a:lnTo>
+                <a:close/>
+              </a:path>
+            </a:pathLst>
+          </a:custGeom>
+          <a:solidFill>
+            <a:schemeClr val="accent4"/>
+          </a:solidFill>
+          <a:ln>
+            <a:noFill/>
+          </a:ln>
+        </p:spPr>
+        <p:style>
+          <a:lnRef idx="2">
+            <a:schemeClr val="accent1">
+              <a:shade val="50000"/>
+            </a:schemeClr>
+          </a:lnRef>
+          <a:fillRef idx="1">
+            <a:schemeClr val="accent1"/>
+          </a:fillRef>
+          <a:effectRef idx="0">
+            <a:schemeClr val="accent1"/>
+          </a:effectRef>
+          <a:fontRef idx="minor">
+            <a:schemeClr val="lt1"/>
+          </a:fontRef>
+        </p:style>
+        <p:txBody>
+          <a:bodyPr wrap="square" rtlCol="0" anchor="ctr">
+            <a:noAutofit/>
+          </a:bodyPr>
+          <a:lstStyle/>
+          <a:p>
+            <a:pPr algn="ctr"/>
+            <a:endParaRPr lang="en-US"/>
+          </a:p>
+        </p:txBody>
+      </p:sp>
+      <p:sp>
+        <p:nvSpPr>
+          <p:cNvPr id="25" name="Freeform 6">
+            <a:extLst>
+              <a:ext uri="{FF2B5EF4-FFF2-40B4-BE49-F238E27FC236}">
+                <a16:creationId xmlns:a16="http://schemas.microsoft.com/office/drawing/2014/main" id="{DFB36DC4-A410-4DF1-8453-1D85743F5E07}"/>
+              </a:ext>
+              <a:ext uri="{C183D7F6-B498-43B3-948B-1728B52AA6E4}">
+                <adec:decorative xmlns:adec="http://schemas.microsoft.com/office/drawing/2017/decorative" val="1"/>
+              </a:ext>
+            </a:extLst>
+          </p:cNvPr>
+          <p:cNvSpPr>
+            <a:spLocks noGrp="1" noRot="1" noChangeAspect="1" noMove="1" noResize="1" noEditPoints="1" noAdjustHandles="1" noChangeArrowheads="1" noChangeShapeType="1" noTextEdit="1"/>
+          </p:cNvSpPr>
+          <p:nvPr>
+            <p:extLst>
+              <p:ext uri="{386F3935-93C4-4BCD-93E2-E3B085C9AB24}">
+                <p16:designElem xmlns:p16="http://schemas.microsoft.com/office/powerpoint/2015/main" val="1"/>
+              </p:ext>
+            </p:extLst>
+          </p:nvPr>
+        </p:nvSpPr>
+        <p:spPr>
+          <a:xfrm>
+            <a:off x="1" y="4683319"/>
+            <a:ext cx="7092887" cy="2174681"/>
+          </a:xfrm>
+          <a:custGeom>
+            <a:avLst/>
+            <a:gdLst>
+              <a:gd name="connsiteX0" fmla="*/ 0 w 7092887"/>
+              <a:gd name="connsiteY0" fmla="*/ 0 h 2174681"/>
+              <a:gd name="connsiteX1" fmla="*/ 7092887 w 7092887"/>
+              <a:gd name="connsiteY1" fmla="*/ 0 h 2174681"/>
+              <a:gd name="connsiteX2" fmla="*/ 6085725 w 7092887"/>
+              <a:gd name="connsiteY2" fmla="*/ 2174681 h 2174681"/>
+              <a:gd name="connsiteX3" fmla="*/ 1524000 w 7092887"/>
+              <a:gd name="connsiteY3" fmla="*/ 2174681 h 2174681"/>
+              <a:gd name="connsiteX4" fmla="*/ 1200418 w 7092887"/>
+              <a:gd name="connsiteY4" fmla="*/ 2174681 h 2174681"/>
+              <a:gd name="connsiteX5" fmla="*/ 0 w 7092887"/>
+              <a:gd name="connsiteY5" fmla="*/ 2174681 h 2174681"/>
+            </a:gdLst>
+            <a:ahLst/>
+            <a:cxnLst>
+              <a:cxn ang="0">
+                <a:pos x="connsiteX0" y="connsiteY0"/>
+              </a:cxn>
+              <a:cxn ang="0">
+                <a:pos x="connsiteX1" y="connsiteY1"/>
+              </a:cxn>
+              <a:cxn ang="0">
+                <a:pos x="connsiteX2" y="connsiteY2"/>
+              </a:cxn>
+              <a:cxn ang="0">
+                <a:pos x="connsiteX3" y="connsiteY3"/>
+              </a:cxn>
+              <a:cxn ang="0">
+                <a:pos x="connsiteX4" y="connsiteY4"/>
+              </a:cxn>
+              <a:cxn ang="0">
+                <a:pos x="connsiteX5" y="connsiteY5"/>
+              </a:cxn>
+            </a:cxnLst>
+            <a:rect l="l" t="t" r="r" b="b"/>
+            <a:pathLst>
+              <a:path w="7092887" h="2174681">
+                <a:moveTo>
+                  <a:pt x="0" y="0"/>
+                </a:moveTo>
+                <a:lnTo>
+                  <a:pt x="7092887" y="0"/>
+                </a:lnTo>
+                <a:lnTo>
+                  <a:pt x="6085725" y="2174681"/>
+                </a:lnTo>
+                <a:lnTo>
+                  <a:pt x="1524000" y="2174681"/>
+                </a:lnTo>
+                <a:lnTo>
+                  <a:pt x="1200418" y="2174681"/>
+                </a:lnTo>
+                <a:lnTo>
+                  <a:pt x="0" y="2174681"/>
+                </a:lnTo>
+                <a:close/>
+              </a:path>
+            </a:pathLst>
+          </a:custGeom>
+          <a:solidFill>
+            <a:srgbClr val="B2B2B2">
+              <a:alpha val="70000"/>
+            </a:srgbClr>
+          </a:solidFill>
+          <a:ln>
+            <a:noFill/>
+          </a:ln>
+        </p:spPr>
+        <p:style>
+          <a:lnRef idx="2">
+            <a:schemeClr val="accent1">
+              <a:shade val="50000"/>
+            </a:schemeClr>
+          </a:lnRef>
+          <a:fillRef idx="1">
+            <a:schemeClr val="accent1"/>
+          </a:fillRef>
+          <a:effectRef idx="0">
+            <a:schemeClr val="accent1"/>
+          </a:effectRef>
+          <a:fontRef idx="minor">
+            <a:schemeClr val="lt1"/>
+          </a:fontRef>
+        </p:style>
+        <p:txBody>
+          <a:bodyPr wrap="square" rtlCol="0" anchor="ctr">
+            <a:noAutofit/>
+          </a:bodyPr>
+          <a:lstStyle/>
+          <a:p>
+            <a:pPr algn="ctr"/>
+            <a:endParaRPr lang="en-US">
+              <a:solidFill>
+                <a:srgbClr val="B2B2B2"/>
+              </a:solidFill>
+            </a:endParaRPr>
+          </a:p>
+        </p:txBody>
+      </p:sp>
+      <p:sp>
+        <p:nvSpPr>
+          <p:cNvPr id="3" name="Rectangle 2">
+            <a:extLst>
+              <a:ext uri="{FF2B5EF4-FFF2-40B4-BE49-F238E27FC236}">
+                <a16:creationId xmlns:a16="http://schemas.microsoft.com/office/drawing/2014/main" id="{1005D29C-6ACF-4570-A98E-E85A2F780E79}"/>
+              </a:ext>
+            </a:extLst>
+          </p:cNvPr>
+          <p:cNvSpPr/>
+          <p:nvPr/>
+        </p:nvSpPr>
+        <p:spPr>
+          <a:xfrm>
+            <a:off x="5802490" y="3244334"/>
+            <a:ext cx="587020" cy="369332"/>
+          </a:xfrm>
+          <a:prstGeom prst="rect">
+            <a:avLst/>
+          </a:prstGeom>
         </p:spPr>
         <p:txBody>
-          <a:bodyPr>
-            <a:normAutofit fontScale="92500" lnSpcReduction="10000"/>
+          <a:bodyPr wrap="none">
+            <a:spAutoFit/>
           </a:bodyPr>
           <a:lstStyle/>
           <a:p>
             <a:r>
               <a:rPr lang="en-US" dirty="0"/>
-              <a:t>developed by [Aliasgar – ALI ]</a:t>
+              <a:t>Find</a:t>
             </a:r>
           </a:p>
         </p:txBody>
@@ -3399,7 +5102,7 @@
     </p:spTree>
     <p:extLst>
       <p:ext uri="{BB962C8B-B14F-4D97-AF65-F5344CB8AC3E}">
-        <p14:creationId xmlns:p14="http://schemas.microsoft.com/office/powerpoint/2010/main" val="2957164170"/>
+        <p14:creationId xmlns:p14="http://schemas.microsoft.com/office/powerpoint/2010/main" val="2658920615"/>
       </p:ext>
     </p:extLst>
   </p:cSld>
@@ -3412,6 +5115,14 @@
 <file path=ppt/slides/slide2.xml><?xml version="1.0" encoding="utf-8"?>
 <p:sld xmlns:a="http://schemas.openxmlformats.org/drawingml/2006/main" xmlns:r="http://schemas.openxmlformats.org/officeDocument/2006/relationships" xmlns:p="http://schemas.openxmlformats.org/presentationml/2006/main">
   <p:cSld>
+    <p:bg>
+      <p:bgPr>
+        <a:solidFill>
+          <a:schemeClr val="bg1"/>
+        </a:solidFill>
+        <a:effectLst/>
+      </p:bgPr>
+    </p:bg>
     <p:spTree>
       <p:nvGrpSpPr>
         <p:cNvPr id="1" name=""/>
@@ -3442,80 +5153,508 @@
             <p:ph type="title"/>
           </p:nvPr>
         </p:nvSpPr>
-        <p:spPr/>
+        <p:spPr>
+          <a:xfrm>
+            <a:off x="1653363" y="365760"/>
+            <a:ext cx="9367203" cy="1188720"/>
+          </a:xfrm>
+        </p:spPr>
         <p:txBody>
-          <a:bodyPr/>
+          <a:bodyPr vert="horz" lIns="91440" tIns="45720" rIns="91440" bIns="45720" rtlCol="0" anchor="ctr">
+            <a:normAutofit/>
+          </a:bodyPr>
           <a:lstStyle/>
           <a:p>
             <a:r>
-              <a:rPr lang="en-US" dirty="0"/>
-              <a:t>Install package using</a:t>
+              <a:rPr lang="en-US" kern="1200">
+                <a:solidFill>
+                  <a:schemeClr val="tx1"/>
+                </a:solidFill>
+                <a:latin typeface="+mj-lt"/>
+                <a:ea typeface="+mj-ea"/>
+                <a:cs typeface="+mj-cs"/>
+              </a:rPr>
+              <a:t>Installation and Requirements</a:t>
             </a:r>
           </a:p>
         </p:txBody>
       </p:sp>
       <p:sp>
         <p:nvSpPr>
-          <p:cNvPr id="3" name="Content Placeholder 2">
+          <p:cNvPr id="10" name="Freeform: Shape 9">
             <a:extLst>
               <a:ext uri="{FF2B5EF4-FFF2-40B4-BE49-F238E27FC236}">
-                <a16:creationId xmlns:a16="http://schemas.microsoft.com/office/drawing/2014/main" id="{B204BE82-E5BD-4A74-AF61-D905F3D58526}"/>
+                <a16:creationId xmlns:a16="http://schemas.microsoft.com/office/drawing/2014/main" id="{7CB4857B-ED7C-444D-9F04-2F885114A1C2}"/>
+              </a:ext>
+              <a:ext uri="{C183D7F6-B498-43B3-948B-1728B52AA6E4}">
+                <adec:decorative xmlns:adec="http://schemas.microsoft.com/office/drawing/2017/decorative" val="1"/>
               </a:ext>
             </a:extLst>
           </p:cNvPr>
           <p:cNvSpPr>
-            <a:spLocks noGrp="1"/>
+            <a:spLocks noGrp="1" noRot="1" noChangeAspect="1" noMove="1" noResize="1" noEditPoints="1" noAdjustHandles="1" noChangeArrowheads="1" noChangeShapeType="1" noTextEdit="1"/>
           </p:cNvSpPr>
           <p:nvPr>
-            <p:ph idx="1"/>
+            <p:extLst>
+              <p:ext uri="{386F3935-93C4-4BCD-93E2-E3B085C9AB24}">
+                <p16:designElem xmlns:p16="http://schemas.microsoft.com/office/powerpoint/2015/main" val="1"/>
+              </p:ext>
+            </p:extLst>
           </p:nvPr>
         </p:nvSpPr>
         <p:spPr>
           <a:xfrm>
-            <a:off x="838200" y="1339064"/>
-            <a:ext cx="10515600" cy="556848"/>
+            <a:off x="1" y="0"/>
+            <a:ext cx="1764099" cy="1558212"/>
           </a:xfrm>
+          <a:custGeom>
+            <a:avLst/>
+            <a:gdLst>
+              <a:gd name="connsiteX0" fmla="*/ 0 w 1764099"/>
+              <a:gd name="connsiteY0" fmla="*/ 0 h 1558212"/>
+              <a:gd name="connsiteX1" fmla="*/ 1764099 w 1764099"/>
+              <a:gd name="connsiteY1" fmla="*/ 0 h 1558212"/>
+              <a:gd name="connsiteX2" fmla="*/ 1042087 w 1764099"/>
+              <a:gd name="connsiteY2" fmla="*/ 1558212 h 1558212"/>
+              <a:gd name="connsiteX3" fmla="*/ 0 w 1764099"/>
+              <a:gd name="connsiteY3" fmla="*/ 1558212 h 1558212"/>
+            </a:gdLst>
+            <a:ahLst/>
+            <a:cxnLst>
+              <a:cxn ang="0">
+                <a:pos x="connsiteX0" y="connsiteY0"/>
+              </a:cxn>
+              <a:cxn ang="0">
+                <a:pos x="connsiteX1" y="connsiteY1"/>
+              </a:cxn>
+              <a:cxn ang="0">
+                <a:pos x="connsiteX2" y="connsiteY2"/>
+              </a:cxn>
+              <a:cxn ang="0">
+                <a:pos x="connsiteX3" y="connsiteY3"/>
+              </a:cxn>
+            </a:cxnLst>
+            <a:rect l="l" t="t" r="r" b="b"/>
+            <a:pathLst>
+              <a:path w="1764099" h="1558212">
+                <a:moveTo>
+                  <a:pt x="0" y="0"/>
+                </a:moveTo>
+                <a:lnTo>
+                  <a:pt x="1764099" y="0"/>
+                </a:lnTo>
+                <a:lnTo>
+                  <a:pt x="1042087" y="1558212"/>
+                </a:lnTo>
+                <a:lnTo>
+                  <a:pt x="0" y="1558212"/>
+                </a:lnTo>
+                <a:close/>
+              </a:path>
+            </a:pathLst>
+          </a:custGeom>
+          <a:solidFill>
+            <a:schemeClr val="accent4"/>
+          </a:solidFill>
+          <a:ln>
+            <a:noFill/>
+          </a:ln>
         </p:spPr>
+        <p:style>
+          <a:lnRef idx="2">
+            <a:schemeClr val="accent1">
+              <a:shade val="50000"/>
+            </a:schemeClr>
+          </a:lnRef>
+          <a:fillRef idx="1">
+            <a:schemeClr val="accent1"/>
+          </a:fillRef>
+          <a:effectRef idx="0">
+            <a:schemeClr val="accent1"/>
+          </a:effectRef>
+          <a:fontRef idx="minor">
+            <a:schemeClr val="lt1"/>
+          </a:fontRef>
+        </p:style>
         <p:txBody>
-          <a:bodyPr/>
+          <a:bodyPr wrap="square" rtlCol="0" anchor="ctr">
+            <a:noAutofit/>
+          </a:bodyPr>
           <a:lstStyle/>
           <a:p>
-            <a:r>
-              <a:rPr lang="en-US" dirty="0">
-                <a:solidFill>
-                  <a:schemeClr val="accent1">
-                    <a:lumMod val="75000"/>
-                  </a:schemeClr>
-                </a:solidFill>
-              </a:rPr>
-              <a:t>pip install </a:t>
-            </a:r>
-            <a:r>
-              <a:rPr lang="en-US" dirty="0" err="1">
-                <a:solidFill>
-                  <a:schemeClr val="accent1">
-                    <a:lumMod val="75000"/>
-                  </a:schemeClr>
-                </a:solidFill>
-              </a:rPr>
-              <a:t>configs_generator</a:t>
-            </a:r>
-            <a:endParaRPr lang="en-US" dirty="0">
-              <a:solidFill>
-                <a:schemeClr val="accent1">
-                  <a:lumMod val="75000"/>
-                </a:schemeClr>
-              </a:solidFill>
-            </a:endParaRPr>
+            <a:pPr algn="ctr"/>
+            <a:endParaRPr lang="en-US"/>
           </a:p>
         </p:txBody>
       </p:sp>
       <p:sp>
         <p:nvSpPr>
-          <p:cNvPr id="4" name="Title 1">
+          <p:cNvPr id="12" name="Freeform: Shape 11">
             <a:extLst>
               <a:ext uri="{FF2B5EF4-FFF2-40B4-BE49-F238E27FC236}">
-                <a16:creationId xmlns:a16="http://schemas.microsoft.com/office/drawing/2014/main" id="{C8BEAC69-6C41-4C5E-894C-1AB2D304EA40}"/>
+                <a16:creationId xmlns:a16="http://schemas.microsoft.com/office/drawing/2014/main" id="{D18046FB-44EA-4FD8-A585-EA09A319B2D0}"/>
+              </a:ext>
+              <a:ext uri="{C183D7F6-B498-43B3-948B-1728B52AA6E4}">
+                <adec:decorative xmlns:adec="http://schemas.microsoft.com/office/drawing/2017/decorative" val="1"/>
+              </a:ext>
+            </a:extLst>
+          </p:cNvPr>
+          <p:cNvSpPr>
+            <a:spLocks noGrp="1" noRot="1" noChangeAspect="1" noMove="1" noResize="1" noEditPoints="1" noAdjustHandles="1" noChangeArrowheads="1" noChangeShapeType="1" noTextEdit="1"/>
+          </p:cNvSpPr>
+          <p:nvPr>
+            <p:extLst>
+              <p:ext uri="{386F3935-93C4-4BCD-93E2-E3B085C9AB24}">
+                <p16:designElem xmlns:p16="http://schemas.microsoft.com/office/powerpoint/2015/main" val="1"/>
+              </p:ext>
+            </p:extLst>
+          </p:nvPr>
+        </p:nvSpPr>
+        <p:spPr>
+          <a:xfrm>
+            <a:off x="1" y="1691640"/>
+            <a:ext cx="12191999" cy="5166360"/>
+          </a:xfrm>
+          <a:custGeom>
+            <a:avLst/>
+            <a:gdLst>
+              <a:gd name="connsiteX0" fmla="*/ 0 w 12191999"/>
+              <a:gd name="connsiteY0" fmla="*/ 0 h 5166360"/>
+              <a:gd name="connsiteX1" fmla="*/ 1822388 w 12191999"/>
+              <a:gd name="connsiteY1" fmla="*/ 0 h 5166360"/>
+              <a:gd name="connsiteX2" fmla="*/ 6468290 w 12191999"/>
+              <a:gd name="connsiteY2" fmla="*/ 0 h 5166360"/>
+              <a:gd name="connsiteX3" fmla="*/ 7796394 w 12191999"/>
+              <a:gd name="connsiteY3" fmla="*/ 0 h 5166360"/>
+              <a:gd name="connsiteX4" fmla="*/ 8376834 w 12191999"/>
+              <a:gd name="connsiteY4" fmla="*/ 0 h 5166360"/>
+              <a:gd name="connsiteX5" fmla="*/ 9704938 w 12191999"/>
+              <a:gd name="connsiteY5" fmla="*/ 0 h 5166360"/>
+              <a:gd name="connsiteX6" fmla="*/ 9704938 w 12191999"/>
+              <a:gd name="connsiteY6" fmla="*/ 2 h 5166360"/>
+              <a:gd name="connsiteX7" fmla="*/ 10283456 w 12191999"/>
+              <a:gd name="connsiteY7" fmla="*/ 2 h 5166360"/>
+              <a:gd name="connsiteX8" fmla="*/ 10863897 w 12191999"/>
+              <a:gd name="connsiteY8" fmla="*/ 2 h 5166360"/>
+              <a:gd name="connsiteX9" fmla="*/ 12191999 w 12191999"/>
+              <a:gd name="connsiteY9" fmla="*/ 2 h 5166360"/>
+              <a:gd name="connsiteX10" fmla="*/ 12191999 w 12191999"/>
+              <a:gd name="connsiteY10" fmla="*/ 5166360 h 5166360"/>
+              <a:gd name="connsiteX11" fmla="*/ 0 w 12191999"/>
+              <a:gd name="connsiteY11" fmla="*/ 5166360 h 5166360"/>
+              <a:gd name="connsiteX12" fmla="*/ 0 w 12191999"/>
+              <a:gd name="connsiteY12" fmla="*/ 2604436 h 5166360"/>
+              <a:gd name="connsiteX13" fmla="*/ 862341 w 12191999"/>
+              <a:gd name="connsiteY13" fmla="*/ 743371 h 5166360"/>
+              <a:gd name="connsiteX14" fmla="*/ 0 w 12191999"/>
+              <a:gd name="connsiteY14" fmla="*/ 743371 h 5166360"/>
+              <a:gd name="connsiteX15" fmla="*/ 0 w 12191999"/>
+              <a:gd name="connsiteY15" fmla="*/ 742508 h 5166360"/>
+              <a:gd name="connsiteX16" fmla="*/ 92826 w 12191999"/>
+              <a:gd name="connsiteY16" fmla="*/ 742508 h 5166360"/>
+              <a:gd name="connsiteX17" fmla="*/ 406486 w 12191999"/>
+              <a:gd name="connsiteY17" fmla="*/ 742508 h 5166360"/>
+              <a:gd name="connsiteX18" fmla="*/ 406486 w 12191999"/>
+              <a:gd name="connsiteY18" fmla="*/ 742507 h 5166360"/>
+              <a:gd name="connsiteX19" fmla="*/ 862741 w 12191999"/>
+              <a:gd name="connsiteY19" fmla="*/ 742507 h 5166360"/>
+              <a:gd name="connsiteX20" fmla="*/ 1206388 w 12191999"/>
+              <a:gd name="connsiteY20" fmla="*/ 864 h 5166360"/>
+              <a:gd name="connsiteX21" fmla="*/ 748500 w 12191999"/>
+              <a:gd name="connsiteY21" fmla="*/ 864 h 5166360"/>
+              <a:gd name="connsiteX22" fmla="*/ 0 w 12191999"/>
+              <a:gd name="connsiteY22" fmla="*/ 864 h 5166360"/>
+            </a:gdLst>
+            <a:ahLst/>
+            <a:cxnLst>
+              <a:cxn ang="0">
+                <a:pos x="connsiteX0" y="connsiteY0"/>
+              </a:cxn>
+              <a:cxn ang="0">
+                <a:pos x="connsiteX1" y="connsiteY1"/>
+              </a:cxn>
+              <a:cxn ang="0">
+                <a:pos x="connsiteX2" y="connsiteY2"/>
+              </a:cxn>
+              <a:cxn ang="0">
+                <a:pos x="connsiteX3" y="connsiteY3"/>
+              </a:cxn>
+              <a:cxn ang="0">
+                <a:pos x="connsiteX4" y="connsiteY4"/>
+              </a:cxn>
+              <a:cxn ang="0">
+                <a:pos x="connsiteX5" y="connsiteY5"/>
+              </a:cxn>
+              <a:cxn ang="0">
+                <a:pos x="connsiteX6" y="connsiteY6"/>
+              </a:cxn>
+              <a:cxn ang="0">
+                <a:pos x="connsiteX7" y="connsiteY7"/>
+              </a:cxn>
+              <a:cxn ang="0">
+                <a:pos x="connsiteX8" y="connsiteY8"/>
+              </a:cxn>
+              <a:cxn ang="0">
+                <a:pos x="connsiteX9" y="connsiteY9"/>
+              </a:cxn>
+              <a:cxn ang="0">
+                <a:pos x="connsiteX10" y="connsiteY10"/>
+              </a:cxn>
+              <a:cxn ang="0">
+                <a:pos x="connsiteX11" y="connsiteY11"/>
+              </a:cxn>
+              <a:cxn ang="0">
+                <a:pos x="connsiteX12" y="connsiteY12"/>
+              </a:cxn>
+              <a:cxn ang="0">
+                <a:pos x="connsiteX13" y="connsiteY13"/>
+              </a:cxn>
+              <a:cxn ang="0">
+                <a:pos x="connsiteX14" y="connsiteY14"/>
+              </a:cxn>
+              <a:cxn ang="0">
+                <a:pos x="connsiteX15" y="connsiteY15"/>
+              </a:cxn>
+              <a:cxn ang="0">
+                <a:pos x="connsiteX16" y="connsiteY16"/>
+              </a:cxn>
+              <a:cxn ang="0">
+                <a:pos x="connsiteX17" y="connsiteY17"/>
+              </a:cxn>
+              <a:cxn ang="0">
+                <a:pos x="connsiteX18" y="connsiteY18"/>
+              </a:cxn>
+              <a:cxn ang="0">
+                <a:pos x="connsiteX19" y="connsiteY19"/>
+              </a:cxn>
+              <a:cxn ang="0">
+                <a:pos x="connsiteX20" y="connsiteY20"/>
+              </a:cxn>
+              <a:cxn ang="0">
+                <a:pos x="connsiteX21" y="connsiteY21"/>
+              </a:cxn>
+              <a:cxn ang="0">
+                <a:pos x="connsiteX22" y="connsiteY22"/>
+              </a:cxn>
+            </a:cxnLst>
+            <a:rect l="l" t="t" r="r" b="b"/>
+            <a:pathLst>
+              <a:path w="12191999" h="5166360">
+                <a:moveTo>
+                  <a:pt x="0" y="0"/>
+                </a:moveTo>
+                <a:lnTo>
+                  <a:pt x="1822388" y="0"/>
+                </a:lnTo>
+                <a:lnTo>
+                  <a:pt x="6468290" y="0"/>
+                </a:lnTo>
+                <a:lnTo>
+                  <a:pt x="7796394" y="0"/>
+                </a:lnTo>
+                <a:lnTo>
+                  <a:pt x="8376834" y="0"/>
+                </a:lnTo>
+                <a:lnTo>
+                  <a:pt x="9704938" y="0"/>
+                </a:lnTo>
+                <a:lnTo>
+                  <a:pt x="9704938" y="2"/>
+                </a:lnTo>
+                <a:lnTo>
+                  <a:pt x="10283456" y="2"/>
+                </a:lnTo>
+                <a:lnTo>
+                  <a:pt x="10863897" y="2"/>
+                </a:lnTo>
+                <a:lnTo>
+                  <a:pt x="12191999" y="2"/>
+                </a:lnTo>
+                <a:lnTo>
+                  <a:pt x="12191999" y="5166360"/>
+                </a:lnTo>
+                <a:lnTo>
+                  <a:pt x="0" y="5166360"/>
+                </a:lnTo>
+                <a:lnTo>
+                  <a:pt x="0" y="2604436"/>
+                </a:lnTo>
+                <a:lnTo>
+                  <a:pt x="862341" y="743371"/>
+                </a:lnTo>
+                <a:lnTo>
+                  <a:pt x="0" y="743371"/>
+                </a:lnTo>
+                <a:lnTo>
+                  <a:pt x="0" y="742508"/>
+                </a:lnTo>
+                <a:lnTo>
+                  <a:pt x="92826" y="742508"/>
+                </a:lnTo>
+                <a:lnTo>
+                  <a:pt x="406486" y="742508"/>
+                </a:lnTo>
+                <a:lnTo>
+                  <a:pt x="406486" y="742507"/>
+                </a:lnTo>
+                <a:lnTo>
+                  <a:pt x="862741" y="742507"/>
+                </a:lnTo>
+                <a:lnTo>
+                  <a:pt x="1206388" y="864"/>
+                </a:lnTo>
+                <a:lnTo>
+                  <a:pt x="748500" y="864"/>
+                </a:lnTo>
+                <a:lnTo>
+                  <a:pt x="0" y="864"/>
+                </a:lnTo>
+                <a:close/>
+              </a:path>
+            </a:pathLst>
+          </a:custGeom>
+          <a:solidFill>
+            <a:srgbClr val="A6A6A6">
+              <a:alpha val="49804"/>
+            </a:srgbClr>
+          </a:solidFill>
+          <a:ln>
+            <a:noFill/>
+          </a:ln>
+        </p:spPr>
+        <p:style>
+          <a:lnRef idx="2">
+            <a:schemeClr val="accent1">
+              <a:shade val="50000"/>
+            </a:schemeClr>
+          </a:lnRef>
+          <a:fillRef idx="1">
+            <a:schemeClr val="accent1"/>
+          </a:fillRef>
+          <a:effectRef idx="0">
+            <a:schemeClr val="accent1"/>
+          </a:effectRef>
+          <a:fontRef idx="minor">
+            <a:schemeClr val="lt1"/>
+          </a:fontRef>
+        </p:style>
+        <p:txBody>
+          <a:bodyPr wrap="square" rtlCol="0" anchor="ctr">
+            <a:noAutofit/>
+          </a:bodyPr>
+          <a:lstStyle/>
+          <a:p>
+            <a:pPr algn="ctr"/>
+            <a:endParaRPr lang="en-US"/>
+          </a:p>
+        </p:txBody>
+      </p:sp>
+      <p:sp>
+        <p:nvSpPr>
+          <p:cNvPr id="14" name="Freeform: Shape 13">
+            <a:extLst>
+              <a:ext uri="{FF2B5EF4-FFF2-40B4-BE49-F238E27FC236}">
+                <a16:creationId xmlns:a16="http://schemas.microsoft.com/office/drawing/2014/main" id="{479F5F2B-8B58-4140-AE6A-51F6C67B18D9}"/>
+              </a:ext>
+              <a:ext uri="{C183D7F6-B498-43B3-948B-1728B52AA6E4}">
+                <adec:decorative xmlns:adec="http://schemas.microsoft.com/office/drawing/2017/decorative" val="1"/>
+              </a:ext>
+            </a:extLst>
+          </p:cNvPr>
+          <p:cNvSpPr>
+            <a:spLocks noGrp="1" noRot="1" noChangeAspect="1" noMove="1" noResize="1" noEditPoints="1" noAdjustHandles="1" noChangeArrowheads="1" noChangeShapeType="1" noTextEdit="1"/>
+          </p:cNvSpPr>
+          <p:nvPr>
+            <p:extLst>
+              <p:ext uri="{386F3935-93C4-4BCD-93E2-E3B085C9AB24}">
+                <p16:designElem xmlns:p16="http://schemas.microsoft.com/office/powerpoint/2015/main" val="1"/>
+              </p:ext>
+            </p:extLst>
+          </p:nvPr>
+        </p:nvSpPr>
+        <p:spPr>
+          <a:xfrm>
+            <a:off x="0" y="1691641"/>
+            <a:ext cx="971654" cy="2096979"/>
+          </a:xfrm>
+          <a:custGeom>
+            <a:avLst/>
+            <a:gdLst>
+              <a:gd name="connsiteX0" fmla="*/ 0 w 971654"/>
+              <a:gd name="connsiteY0" fmla="*/ 0 h 2096979"/>
+              <a:gd name="connsiteX1" fmla="*/ 971654 w 971654"/>
+              <a:gd name="connsiteY1" fmla="*/ 0 h 2096979"/>
+              <a:gd name="connsiteX2" fmla="*/ 0 w 971654"/>
+              <a:gd name="connsiteY2" fmla="*/ 2096979 h 2096979"/>
+            </a:gdLst>
+            <a:ahLst/>
+            <a:cxnLst>
+              <a:cxn ang="0">
+                <a:pos x="connsiteX0" y="connsiteY0"/>
+              </a:cxn>
+              <a:cxn ang="0">
+                <a:pos x="connsiteX1" y="connsiteY1"/>
+              </a:cxn>
+              <a:cxn ang="0">
+                <a:pos x="connsiteX2" y="connsiteY2"/>
+              </a:cxn>
+            </a:cxnLst>
+            <a:rect l="l" t="t" r="r" b="b"/>
+            <a:pathLst>
+              <a:path w="971654" h="2096979">
+                <a:moveTo>
+                  <a:pt x="0" y="0"/>
+                </a:moveTo>
+                <a:lnTo>
+                  <a:pt x="971654" y="0"/>
+                </a:lnTo>
+                <a:lnTo>
+                  <a:pt x="0" y="2096979"/>
+                </a:lnTo>
+                <a:close/>
+              </a:path>
+            </a:pathLst>
+          </a:custGeom>
+          <a:solidFill>
+            <a:srgbClr val="404040"/>
+          </a:solidFill>
+          <a:ln>
+            <a:noFill/>
+          </a:ln>
+        </p:spPr>
+        <p:style>
+          <a:lnRef idx="2">
+            <a:schemeClr val="accent1">
+              <a:shade val="50000"/>
+            </a:schemeClr>
+          </a:lnRef>
+          <a:fillRef idx="1">
+            <a:schemeClr val="accent1"/>
+          </a:fillRef>
+          <a:effectRef idx="0">
+            <a:schemeClr val="accent1"/>
+          </a:effectRef>
+          <a:fontRef idx="minor">
+            <a:schemeClr val="lt1"/>
+          </a:fontRef>
+        </p:style>
+        <p:txBody>
+          <a:bodyPr wrap="square" rtlCol="0" anchor="ctr">
+            <a:noAutofit/>
+          </a:bodyPr>
+          <a:lstStyle/>
+          <a:p>
+            <a:pPr algn="ctr"/>
+            <a:endParaRPr lang="en-US"/>
+          </a:p>
+        </p:txBody>
+      </p:sp>
+      <p:sp>
+        <p:nvSpPr>
+          <p:cNvPr id="5" name="Content Placeholder 2">
+            <a:extLst>
+              <a:ext uri="{FF2B5EF4-FFF2-40B4-BE49-F238E27FC236}">
+                <a16:creationId xmlns:a16="http://schemas.microsoft.com/office/drawing/2014/main" id="{7D76D511-01DD-45B2-A811-F1B63D10F003}"/>
               </a:ext>
             </a:extLst>
           </p:cNvPr>
@@ -3526,70 +5665,16 @@
         </p:nvSpPr>
         <p:spPr>
           <a:xfrm>
-            <a:off x="838200" y="1895912"/>
-            <a:ext cx="10515600" cy="1325563"/>
+            <a:off x="1653363" y="2184661"/>
+            <a:ext cx="9367204" cy="4041648"/>
           </a:xfrm>
           <a:prstGeom prst="rect">
             <a:avLst/>
           </a:prstGeom>
         </p:spPr>
         <p:txBody>
-          <a:bodyPr vert="horz" lIns="91440" tIns="45720" rIns="91440" bIns="45720" rtlCol="0" anchor="ctr">
+          <a:bodyPr vert="horz" lIns="91440" tIns="45720" rIns="91440" bIns="45720" rtlCol="0" anchor="t">
             <a:normAutofit/>
-          </a:bodyPr>
-          <a:lstStyle>
-            <a:lvl1pPr algn="l" defTabSz="914400" rtl="0" eaLnBrk="1" latinLnBrk="0" hangingPunct="1">
-              <a:lnSpc>
-                <a:spcPct val="90000"/>
-              </a:lnSpc>
-              <a:spcBef>
-                <a:spcPct val="0"/>
-              </a:spcBef>
-              <a:buNone/>
-              <a:defRPr sz="4400" kern="1200">
-                <a:solidFill>
-                  <a:schemeClr val="tx1"/>
-                </a:solidFill>
-                <a:latin typeface="+mj-lt"/>
-                <a:ea typeface="+mj-ea"/>
-                <a:cs typeface="+mj-cs"/>
-              </a:defRPr>
-            </a:lvl1pPr>
-          </a:lstStyle>
-          <a:p>
-            <a:r>
-              <a:rPr lang="en-US" dirty="0"/>
-              <a:t>Requirements</a:t>
-            </a:r>
-          </a:p>
-        </p:txBody>
-      </p:sp>
-      <p:sp>
-        <p:nvSpPr>
-          <p:cNvPr id="5" name="Content Placeholder 2">
-            <a:extLst>
-              <a:ext uri="{FF2B5EF4-FFF2-40B4-BE49-F238E27FC236}">
-                <a16:creationId xmlns:a16="http://schemas.microsoft.com/office/drawing/2014/main" id="{7D76D511-01DD-45B2-A811-F1B63D10F003}"/>
-              </a:ext>
-            </a:extLst>
-          </p:cNvPr>
-          <p:cNvSpPr txBox="1">
-            <a:spLocks/>
-          </p:cNvSpPr>
-          <p:nvPr/>
-        </p:nvSpPr>
-        <p:spPr>
-          <a:xfrm>
-            <a:off x="827015" y="2798748"/>
-            <a:ext cx="10515600" cy="556848"/>
-          </a:xfrm>
-          <a:prstGeom prst="rect">
-            <a:avLst/>
-          </a:prstGeom>
-        </p:spPr>
-        <p:txBody>
-          <a:bodyPr vert="horz" lIns="91440" tIns="45720" rIns="91440" bIns="45720" rtlCol="0">
-            <a:normAutofit fontScale="55000" lnSpcReduction="20000"/>
           </a:bodyPr>
           <a:lstStyle>
             <a:lvl1pPr marL="228600" indent="-228600" algn="l" defTabSz="914400" rtl="0" eaLnBrk="1" latinLnBrk="0" hangingPunct="1">
@@ -3757,54 +5842,62 @@
           </a:lstStyle>
           <a:p>
             <a:r>
-              <a:rPr lang="en-US" dirty="0">
-                <a:solidFill>
-                  <a:schemeClr val="accent1">
-                    <a:lumMod val="75000"/>
-                  </a:schemeClr>
-                </a:solidFill>
-              </a:rPr>
-              <a:t>pandas and it’s </a:t>
-            </a:r>
-            <a:r>
-              <a:rPr lang="en-US" dirty="0" err="1">
-                <a:solidFill>
-                  <a:schemeClr val="accent1">
-                    <a:lumMod val="75000"/>
-                  </a:schemeClr>
-                </a:solidFill>
-              </a:rPr>
-              <a:t>dependant</a:t>
-            </a:r>
-            <a:r>
-              <a:rPr lang="en-US" dirty="0">
-                <a:solidFill>
-                  <a:schemeClr val="accent1">
-                    <a:lumMod val="75000"/>
-                  </a:schemeClr>
-                </a:solidFill>
-              </a:rPr>
-              <a:t> packages</a:t>
-            </a:r>
-          </a:p>
-          <a:p>
-            <a:r>
-              <a:rPr lang="en-US" dirty="0" err="1">
-                <a:solidFill>
-                  <a:schemeClr val="accent1">
-                    <a:lumMod val="75000"/>
-                  </a:schemeClr>
-                </a:solidFill>
-              </a:rPr>
+              <a:rPr lang="en-US" sz="2400" b="1" dirty="0"/>
+              <a:t>Install</a:t>
+            </a:r>
+          </a:p>
+          <a:p>
+            <a:pPr marL="685800" lvl="2" indent="0">
+              <a:buNone/>
+            </a:pPr>
+            <a:r>
+              <a:rPr lang="en-US" dirty="0"/>
+              <a:t>pip install configs_generator</a:t>
+            </a:r>
+          </a:p>
+          <a:p>
+            <a:pPr lvl="1"/>
+            <a:endParaRPr lang="en-US" dirty="0"/>
+          </a:p>
+          <a:p>
+            <a:r>
+              <a:rPr lang="en-US" sz="2400" b="1" dirty="0"/>
+              <a:t>Requirements</a:t>
+            </a:r>
+          </a:p>
+          <a:p>
+            <a:pPr marL="685800" lvl="2" indent="0">
+              <a:buNone/>
+            </a:pPr>
+            <a:r>
+              <a:rPr lang="en-US" dirty="0"/>
+              <a:t>pandas and it’s dependent packages (</a:t>
+            </a:r>
+            <a:r>
+              <a:rPr lang="en-US" dirty="0" err="1"/>
+              <a:t>xlrd</a:t>
+            </a:r>
+            <a:r>
+              <a:rPr lang="en-US" dirty="0"/>
+              <a:t>, </a:t>
+            </a:r>
+            <a:r>
+              <a:rPr lang="en-US" dirty="0" err="1"/>
+              <a:t>numpy</a:t>
+            </a:r>
+            <a:r>
+              <a:rPr lang="en-US" dirty="0"/>
+              <a:t> etc.)</a:t>
+            </a:r>
+          </a:p>
+          <a:p>
+            <a:pPr marL="685800" lvl="2" indent="0">
+              <a:buNone/>
+            </a:pPr>
+            <a:r>
+              <a:rPr lang="en-US" dirty="0"/>
               <a:t>nettoolkit</a:t>
             </a:r>
-            <a:endParaRPr lang="en-US" dirty="0">
-              <a:solidFill>
-                <a:schemeClr val="accent1">
-                  <a:lumMod val="75000"/>
-                </a:schemeClr>
-              </a:solidFill>
-            </a:endParaRPr>
           </a:p>
         </p:txBody>
       </p:sp>
@@ -3824,6 +5917,14 @@
 <file path=ppt/slides/slide3.xml><?xml version="1.0" encoding="utf-8"?>
 <p:sld xmlns:a="http://schemas.openxmlformats.org/drawingml/2006/main" xmlns:r="http://schemas.openxmlformats.org/officeDocument/2006/relationships" xmlns:p="http://schemas.openxmlformats.org/presentationml/2006/main">
   <p:cSld>
+    <p:bg>
+      <p:bgPr>
+        <a:solidFill>
+          <a:schemeClr val="bg1"/>
+        </a:solidFill>
+        <a:effectLst/>
+      </p:bgPr>
+    </p:bg>
     <p:spTree>
       <p:nvGrpSpPr>
         <p:cNvPr id="1" name=""/>
@@ -3854,15 +5955,493 @@
             <p:ph type="title"/>
           </p:nvPr>
         </p:nvSpPr>
-        <p:spPr/>
+        <p:spPr>
+          <a:xfrm>
+            <a:off x="1653363" y="365760"/>
+            <a:ext cx="9367203" cy="1188720"/>
+          </a:xfrm>
+        </p:spPr>
         <p:txBody>
-          <a:bodyPr/>
+          <a:bodyPr>
+            <a:normAutofit/>
+          </a:bodyPr>
           <a:lstStyle/>
           <a:p>
             <a:r>
-              <a:rPr lang="en-US" dirty="0"/>
+              <a:rPr lang="en-US"/>
               <a:t>Configuration Generation</a:t>
             </a:r>
+            <a:endParaRPr lang="en-US" dirty="0"/>
+          </a:p>
+        </p:txBody>
+      </p:sp>
+      <p:sp>
+        <p:nvSpPr>
+          <p:cNvPr id="19" name="Freeform: Shape 7">
+            <a:extLst>
+              <a:ext uri="{FF2B5EF4-FFF2-40B4-BE49-F238E27FC236}">
+                <a16:creationId xmlns:a16="http://schemas.microsoft.com/office/drawing/2014/main" id="{7CB4857B-ED7C-444D-9F04-2F885114A1C2}"/>
+              </a:ext>
+              <a:ext uri="{C183D7F6-B498-43B3-948B-1728B52AA6E4}">
+                <adec:decorative xmlns:adec="http://schemas.microsoft.com/office/drawing/2017/decorative" val="1"/>
+              </a:ext>
+            </a:extLst>
+          </p:cNvPr>
+          <p:cNvSpPr>
+            <a:spLocks noGrp="1" noRot="1" noChangeAspect="1" noMove="1" noResize="1" noEditPoints="1" noAdjustHandles="1" noChangeArrowheads="1" noChangeShapeType="1" noTextEdit="1"/>
+          </p:cNvSpPr>
+          <p:nvPr>
+            <p:extLst>
+              <p:ext uri="{386F3935-93C4-4BCD-93E2-E3B085C9AB24}">
+                <p16:designElem xmlns:p16="http://schemas.microsoft.com/office/powerpoint/2015/main" val="1"/>
+              </p:ext>
+            </p:extLst>
+          </p:nvPr>
+        </p:nvSpPr>
+        <p:spPr>
+          <a:xfrm>
+            <a:off x="1" y="0"/>
+            <a:ext cx="1764099" cy="1558212"/>
+          </a:xfrm>
+          <a:custGeom>
+            <a:avLst/>
+            <a:gdLst>
+              <a:gd name="connsiteX0" fmla="*/ 0 w 1764099"/>
+              <a:gd name="connsiteY0" fmla="*/ 0 h 1558212"/>
+              <a:gd name="connsiteX1" fmla="*/ 1764099 w 1764099"/>
+              <a:gd name="connsiteY1" fmla="*/ 0 h 1558212"/>
+              <a:gd name="connsiteX2" fmla="*/ 1042087 w 1764099"/>
+              <a:gd name="connsiteY2" fmla="*/ 1558212 h 1558212"/>
+              <a:gd name="connsiteX3" fmla="*/ 0 w 1764099"/>
+              <a:gd name="connsiteY3" fmla="*/ 1558212 h 1558212"/>
+            </a:gdLst>
+            <a:ahLst/>
+            <a:cxnLst>
+              <a:cxn ang="0">
+                <a:pos x="connsiteX0" y="connsiteY0"/>
+              </a:cxn>
+              <a:cxn ang="0">
+                <a:pos x="connsiteX1" y="connsiteY1"/>
+              </a:cxn>
+              <a:cxn ang="0">
+                <a:pos x="connsiteX2" y="connsiteY2"/>
+              </a:cxn>
+              <a:cxn ang="0">
+                <a:pos x="connsiteX3" y="connsiteY3"/>
+              </a:cxn>
+            </a:cxnLst>
+            <a:rect l="l" t="t" r="r" b="b"/>
+            <a:pathLst>
+              <a:path w="1764099" h="1558212">
+                <a:moveTo>
+                  <a:pt x="0" y="0"/>
+                </a:moveTo>
+                <a:lnTo>
+                  <a:pt x="1764099" y="0"/>
+                </a:lnTo>
+                <a:lnTo>
+                  <a:pt x="1042087" y="1558212"/>
+                </a:lnTo>
+                <a:lnTo>
+                  <a:pt x="0" y="1558212"/>
+                </a:lnTo>
+                <a:close/>
+              </a:path>
+            </a:pathLst>
+          </a:custGeom>
+          <a:solidFill>
+            <a:schemeClr val="accent4"/>
+          </a:solidFill>
+          <a:ln>
+            <a:noFill/>
+          </a:ln>
+        </p:spPr>
+        <p:style>
+          <a:lnRef idx="2">
+            <a:schemeClr val="accent1">
+              <a:shade val="50000"/>
+            </a:schemeClr>
+          </a:lnRef>
+          <a:fillRef idx="1">
+            <a:schemeClr val="accent1"/>
+          </a:fillRef>
+          <a:effectRef idx="0">
+            <a:schemeClr val="accent1"/>
+          </a:effectRef>
+          <a:fontRef idx="minor">
+            <a:schemeClr val="lt1"/>
+          </a:fontRef>
+        </p:style>
+        <p:txBody>
+          <a:bodyPr wrap="square" rtlCol="0" anchor="ctr">
+            <a:noAutofit/>
+          </a:bodyPr>
+          <a:lstStyle/>
+          <a:p>
+            <a:pPr algn="ctr"/>
+            <a:endParaRPr lang="en-US"/>
+          </a:p>
+        </p:txBody>
+      </p:sp>
+      <p:sp>
+        <p:nvSpPr>
+          <p:cNvPr id="10" name="Freeform: Shape 9">
+            <a:extLst>
+              <a:ext uri="{FF2B5EF4-FFF2-40B4-BE49-F238E27FC236}">
+                <a16:creationId xmlns:a16="http://schemas.microsoft.com/office/drawing/2014/main" id="{D18046FB-44EA-4FD8-A585-EA09A319B2D0}"/>
+              </a:ext>
+              <a:ext uri="{C183D7F6-B498-43B3-948B-1728B52AA6E4}">
+                <adec:decorative xmlns:adec="http://schemas.microsoft.com/office/drawing/2017/decorative" val="1"/>
+              </a:ext>
+            </a:extLst>
+          </p:cNvPr>
+          <p:cNvSpPr>
+            <a:spLocks noGrp="1" noRot="1" noChangeAspect="1" noMove="1" noResize="1" noEditPoints="1" noAdjustHandles="1" noChangeArrowheads="1" noChangeShapeType="1" noTextEdit="1"/>
+          </p:cNvSpPr>
+          <p:nvPr>
+            <p:extLst>
+              <p:ext uri="{386F3935-93C4-4BCD-93E2-E3B085C9AB24}">
+                <p16:designElem xmlns:p16="http://schemas.microsoft.com/office/powerpoint/2015/main" val="1"/>
+              </p:ext>
+            </p:extLst>
+          </p:nvPr>
+        </p:nvSpPr>
+        <p:spPr>
+          <a:xfrm>
+            <a:off x="1" y="1691640"/>
+            <a:ext cx="12191999" cy="5166360"/>
+          </a:xfrm>
+          <a:custGeom>
+            <a:avLst/>
+            <a:gdLst>
+              <a:gd name="connsiteX0" fmla="*/ 0 w 12191999"/>
+              <a:gd name="connsiteY0" fmla="*/ 0 h 5166360"/>
+              <a:gd name="connsiteX1" fmla="*/ 1822388 w 12191999"/>
+              <a:gd name="connsiteY1" fmla="*/ 0 h 5166360"/>
+              <a:gd name="connsiteX2" fmla="*/ 6468290 w 12191999"/>
+              <a:gd name="connsiteY2" fmla="*/ 0 h 5166360"/>
+              <a:gd name="connsiteX3" fmla="*/ 7796394 w 12191999"/>
+              <a:gd name="connsiteY3" fmla="*/ 0 h 5166360"/>
+              <a:gd name="connsiteX4" fmla="*/ 8376834 w 12191999"/>
+              <a:gd name="connsiteY4" fmla="*/ 0 h 5166360"/>
+              <a:gd name="connsiteX5" fmla="*/ 9704938 w 12191999"/>
+              <a:gd name="connsiteY5" fmla="*/ 0 h 5166360"/>
+              <a:gd name="connsiteX6" fmla="*/ 9704938 w 12191999"/>
+              <a:gd name="connsiteY6" fmla="*/ 2 h 5166360"/>
+              <a:gd name="connsiteX7" fmla="*/ 10283456 w 12191999"/>
+              <a:gd name="connsiteY7" fmla="*/ 2 h 5166360"/>
+              <a:gd name="connsiteX8" fmla="*/ 10863897 w 12191999"/>
+              <a:gd name="connsiteY8" fmla="*/ 2 h 5166360"/>
+              <a:gd name="connsiteX9" fmla="*/ 12191999 w 12191999"/>
+              <a:gd name="connsiteY9" fmla="*/ 2 h 5166360"/>
+              <a:gd name="connsiteX10" fmla="*/ 12191999 w 12191999"/>
+              <a:gd name="connsiteY10" fmla="*/ 5166360 h 5166360"/>
+              <a:gd name="connsiteX11" fmla="*/ 0 w 12191999"/>
+              <a:gd name="connsiteY11" fmla="*/ 5166360 h 5166360"/>
+              <a:gd name="connsiteX12" fmla="*/ 0 w 12191999"/>
+              <a:gd name="connsiteY12" fmla="*/ 2604436 h 5166360"/>
+              <a:gd name="connsiteX13" fmla="*/ 862341 w 12191999"/>
+              <a:gd name="connsiteY13" fmla="*/ 743371 h 5166360"/>
+              <a:gd name="connsiteX14" fmla="*/ 0 w 12191999"/>
+              <a:gd name="connsiteY14" fmla="*/ 743371 h 5166360"/>
+              <a:gd name="connsiteX15" fmla="*/ 0 w 12191999"/>
+              <a:gd name="connsiteY15" fmla="*/ 742508 h 5166360"/>
+              <a:gd name="connsiteX16" fmla="*/ 92826 w 12191999"/>
+              <a:gd name="connsiteY16" fmla="*/ 742508 h 5166360"/>
+              <a:gd name="connsiteX17" fmla="*/ 406486 w 12191999"/>
+              <a:gd name="connsiteY17" fmla="*/ 742508 h 5166360"/>
+              <a:gd name="connsiteX18" fmla="*/ 406486 w 12191999"/>
+              <a:gd name="connsiteY18" fmla="*/ 742507 h 5166360"/>
+              <a:gd name="connsiteX19" fmla="*/ 862741 w 12191999"/>
+              <a:gd name="connsiteY19" fmla="*/ 742507 h 5166360"/>
+              <a:gd name="connsiteX20" fmla="*/ 1206388 w 12191999"/>
+              <a:gd name="connsiteY20" fmla="*/ 864 h 5166360"/>
+              <a:gd name="connsiteX21" fmla="*/ 748500 w 12191999"/>
+              <a:gd name="connsiteY21" fmla="*/ 864 h 5166360"/>
+              <a:gd name="connsiteX22" fmla="*/ 0 w 12191999"/>
+              <a:gd name="connsiteY22" fmla="*/ 864 h 5166360"/>
+            </a:gdLst>
+            <a:ahLst/>
+            <a:cxnLst>
+              <a:cxn ang="0">
+                <a:pos x="connsiteX0" y="connsiteY0"/>
+              </a:cxn>
+              <a:cxn ang="0">
+                <a:pos x="connsiteX1" y="connsiteY1"/>
+              </a:cxn>
+              <a:cxn ang="0">
+                <a:pos x="connsiteX2" y="connsiteY2"/>
+              </a:cxn>
+              <a:cxn ang="0">
+                <a:pos x="connsiteX3" y="connsiteY3"/>
+              </a:cxn>
+              <a:cxn ang="0">
+                <a:pos x="connsiteX4" y="connsiteY4"/>
+              </a:cxn>
+              <a:cxn ang="0">
+                <a:pos x="connsiteX5" y="connsiteY5"/>
+              </a:cxn>
+              <a:cxn ang="0">
+                <a:pos x="connsiteX6" y="connsiteY6"/>
+              </a:cxn>
+              <a:cxn ang="0">
+                <a:pos x="connsiteX7" y="connsiteY7"/>
+              </a:cxn>
+              <a:cxn ang="0">
+                <a:pos x="connsiteX8" y="connsiteY8"/>
+              </a:cxn>
+              <a:cxn ang="0">
+                <a:pos x="connsiteX9" y="connsiteY9"/>
+              </a:cxn>
+              <a:cxn ang="0">
+                <a:pos x="connsiteX10" y="connsiteY10"/>
+              </a:cxn>
+              <a:cxn ang="0">
+                <a:pos x="connsiteX11" y="connsiteY11"/>
+              </a:cxn>
+              <a:cxn ang="0">
+                <a:pos x="connsiteX12" y="connsiteY12"/>
+              </a:cxn>
+              <a:cxn ang="0">
+                <a:pos x="connsiteX13" y="connsiteY13"/>
+              </a:cxn>
+              <a:cxn ang="0">
+                <a:pos x="connsiteX14" y="connsiteY14"/>
+              </a:cxn>
+              <a:cxn ang="0">
+                <a:pos x="connsiteX15" y="connsiteY15"/>
+              </a:cxn>
+              <a:cxn ang="0">
+                <a:pos x="connsiteX16" y="connsiteY16"/>
+              </a:cxn>
+              <a:cxn ang="0">
+                <a:pos x="connsiteX17" y="connsiteY17"/>
+              </a:cxn>
+              <a:cxn ang="0">
+                <a:pos x="connsiteX18" y="connsiteY18"/>
+              </a:cxn>
+              <a:cxn ang="0">
+                <a:pos x="connsiteX19" y="connsiteY19"/>
+              </a:cxn>
+              <a:cxn ang="0">
+                <a:pos x="connsiteX20" y="connsiteY20"/>
+              </a:cxn>
+              <a:cxn ang="0">
+                <a:pos x="connsiteX21" y="connsiteY21"/>
+              </a:cxn>
+              <a:cxn ang="0">
+                <a:pos x="connsiteX22" y="connsiteY22"/>
+              </a:cxn>
+            </a:cxnLst>
+            <a:rect l="l" t="t" r="r" b="b"/>
+            <a:pathLst>
+              <a:path w="12191999" h="5166360">
+                <a:moveTo>
+                  <a:pt x="0" y="0"/>
+                </a:moveTo>
+                <a:lnTo>
+                  <a:pt x="1822388" y="0"/>
+                </a:lnTo>
+                <a:lnTo>
+                  <a:pt x="6468290" y="0"/>
+                </a:lnTo>
+                <a:lnTo>
+                  <a:pt x="7796394" y="0"/>
+                </a:lnTo>
+                <a:lnTo>
+                  <a:pt x="8376834" y="0"/>
+                </a:lnTo>
+                <a:lnTo>
+                  <a:pt x="9704938" y="0"/>
+                </a:lnTo>
+                <a:lnTo>
+                  <a:pt x="9704938" y="2"/>
+                </a:lnTo>
+                <a:lnTo>
+                  <a:pt x="10283456" y="2"/>
+                </a:lnTo>
+                <a:lnTo>
+                  <a:pt x="10863897" y="2"/>
+                </a:lnTo>
+                <a:lnTo>
+                  <a:pt x="12191999" y="2"/>
+                </a:lnTo>
+                <a:lnTo>
+                  <a:pt x="12191999" y="5166360"/>
+                </a:lnTo>
+                <a:lnTo>
+                  <a:pt x="0" y="5166360"/>
+                </a:lnTo>
+                <a:lnTo>
+                  <a:pt x="0" y="2604436"/>
+                </a:lnTo>
+                <a:lnTo>
+                  <a:pt x="862341" y="743371"/>
+                </a:lnTo>
+                <a:lnTo>
+                  <a:pt x="0" y="743371"/>
+                </a:lnTo>
+                <a:lnTo>
+                  <a:pt x="0" y="742508"/>
+                </a:lnTo>
+                <a:lnTo>
+                  <a:pt x="92826" y="742508"/>
+                </a:lnTo>
+                <a:lnTo>
+                  <a:pt x="406486" y="742508"/>
+                </a:lnTo>
+                <a:lnTo>
+                  <a:pt x="406486" y="742507"/>
+                </a:lnTo>
+                <a:lnTo>
+                  <a:pt x="862741" y="742507"/>
+                </a:lnTo>
+                <a:lnTo>
+                  <a:pt x="1206388" y="864"/>
+                </a:lnTo>
+                <a:lnTo>
+                  <a:pt x="748500" y="864"/>
+                </a:lnTo>
+                <a:lnTo>
+                  <a:pt x="0" y="864"/>
+                </a:lnTo>
+                <a:close/>
+              </a:path>
+            </a:pathLst>
+          </a:custGeom>
+          <a:solidFill>
+            <a:srgbClr val="A6A6A6">
+              <a:alpha val="49804"/>
+            </a:srgbClr>
+          </a:solidFill>
+          <a:ln>
+            <a:noFill/>
+          </a:ln>
+        </p:spPr>
+        <p:style>
+          <a:lnRef idx="2">
+            <a:schemeClr val="accent1">
+              <a:shade val="50000"/>
+            </a:schemeClr>
+          </a:lnRef>
+          <a:fillRef idx="1">
+            <a:schemeClr val="accent1"/>
+          </a:fillRef>
+          <a:effectRef idx="0">
+            <a:schemeClr val="accent1"/>
+          </a:effectRef>
+          <a:fontRef idx="minor">
+            <a:schemeClr val="lt1"/>
+          </a:fontRef>
+        </p:style>
+        <p:txBody>
+          <a:bodyPr wrap="square" rtlCol="0" anchor="ctr">
+            <a:noAutofit/>
+          </a:bodyPr>
+          <a:lstStyle/>
+          <a:p>
+            <a:pPr algn="ctr"/>
+            <a:endParaRPr lang="en-US"/>
+          </a:p>
+        </p:txBody>
+      </p:sp>
+      <p:sp>
+        <p:nvSpPr>
+          <p:cNvPr id="12" name="Freeform: Shape 11">
+            <a:extLst>
+              <a:ext uri="{FF2B5EF4-FFF2-40B4-BE49-F238E27FC236}">
+                <a16:creationId xmlns:a16="http://schemas.microsoft.com/office/drawing/2014/main" id="{479F5F2B-8B58-4140-AE6A-51F6C67B18D9}"/>
+              </a:ext>
+              <a:ext uri="{C183D7F6-B498-43B3-948B-1728B52AA6E4}">
+                <adec:decorative xmlns:adec="http://schemas.microsoft.com/office/drawing/2017/decorative" val="1"/>
+              </a:ext>
+            </a:extLst>
+          </p:cNvPr>
+          <p:cNvSpPr>
+            <a:spLocks noGrp="1" noRot="1" noChangeAspect="1" noMove="1" noResize="1" noEditPoints="1" noAdjustHandles="1" noChangeArrowheads="1" noChangeShapeType="1" noTextEdit="1"/>
+          </p:cNvSpPr>
+          <p:nvPr>
+            <p:extLst>
+              <p:ext uri="{386F3935-93C4-4BCD-93E2-E3B085C9AB24}">
+                <p16:designElem xmlns:p16="http://schemas.microsoft.com/office/powerpoint/2015/main" val="1"/>
+              </p:ext>
+            </p:extLst>
+          </p:nvPr>
+        </p:nvSpPr>
+        <p:spPr>
+          <a:xfrm>
+            <a:off x="0" y="1691641"/>
+            <a:ext cx="971654" cy="2096979"/>
+          </a:xfrm>
+          <a:custGeom>
+            <a:avLst/>
+            <a:gdLst>
+              <a:gd name="connsiteX0" fmla="*/ 0 w 971654"/>
+              <a:gd name="connsiteY0" fmla="*/ 0 h 2096979"/>
+              <a:gd name="connsiteX1" fmla="*/ 971654 w 971654"/>
+              <a:gd name="connsiteY1" fmla="*/ 0 h 2096979"/>
+              <a:gd name="connsiteX2" fmla="*/ 0 w 971654"/>
+              <a:gd name="connsiteY2" fmla="*/ 2096979 h 2096979"/>
+            </a:gdLst>
+            <a:ahLst/>
+            <a:cxnLst>
+              <a:cxn ang="0">
+                <a:pos x="connsiteX0" y="connsiteY0"/>
+              </a:cxn>
+              <a:cxn ang="0">
+                <a:pos x="connsiteX1" y="connsiteY1"/>
+              </a:cxn>
+              <a:cxn ang="0">
+                <a:pos x="connsiteX2" y="connsiteY2"/>
+              </a:cxn>
+            </a:cxnLst>
+            <a:rect l="l" t="t" r="r" b="b"/>
+            <a:pathLst>
+              <a:path w="971654" h="2096979">
+                <a:moveTo>
+                  <a:pt x="0" y="0"/>
+                </a:moveTo>
+                <a:lnTo>
+                  <a:pt x="971654" y="0"/>
+                </a:lnTo>
+                <a:lnTo>
+                  <a:pt x="0" y="2096979"/>
+                </a:lnTo>
+                <a:close/>
+              </a:path>
+            </a:pathLst>
+          </a:custGeom>
+          <a:solidFill>
+            <a:srgbClr val="404040"/>
+          </a:solidFill>
+          <a:ln>
+            <a:noFill/>
+          </a:ln>
+        </p:spPr>
+        <p:style>
+          <a:lnRef idx="2">
+            <a:schemeClr val="accent1">
+              <a:shade val="50000"/>
+            </a:schemeClr>
+          </a:lnRef>
+          <a:fillRef idx="1">
+            <a:schemeClr val="accent1"/>
+          </a:fillRef>
+          <a:effectRef idx="0">
+            <a:schemeClr val="accent1"/>
+          </a:effectRef>
+          <a:fontRef idx="minor">
+            <a:schemeClr val="lt1"/>
+          </a:fontRef>
+        </p:style>
+        <p:txBody>
+          <a:bodyPr wrap="square" rtlCol="0" anchor="ctr">
+            <a:noAutofit/>
+          </a:bodyPr>
+          <a:lstStyle/>
+          <a:p>
+            <a:pPr algn="ctr"/>
+            <a:endParaRPr lang="en-US"/>
           </a:p>
         </p:txBody>
       </p:sp>
@@ -3884,18 +6463,18 @@
         </p:nvSpPr>
         <p:spPr>
           <a:xfrm>
-            <a:off x="838200" y="1825625"/>
-            <a:ext cx="10515600" cy="4583564"/>
+            <a:off x="1208015" y="1695372"/>
+            <a:ext cx="10788242" cy="5162627"/>
           </a:xfrm>
         </p:spPr>
         <p:txBody>
-          <a:bodyPr>
+          <a:bodyPr anchor="t">
             <a:normAutofit lnSpcReduction="10000"/>
           </a:bodyPr>
           <a:lstStyle/>
           <a:p>
             <a:r>
-              <a:rPr lang="en-US" sz="2400" dirty="0"/>
+              <a:rPr lang="en-US" sz="1700" b="1" u="sng" dirty="0"/>
               <a:t>Usage Guidelines</a:t>
             </a:r>
           </a:p>
@@ -3904,49 +6483,56 @@
               <a:buNone/>
             </a:pPr>
             <a:r>
-              <a:rPr lang="en-US" sz="1400" dirty="0"/>
+              <a:rPr lang="en-US" sz="1100" dirty="0"/>
               <a:t>&gt;&gt;&gt; from </a:t>
             </a:r>
             <a:r>
-              <a:rPr lang="en-US" sz="1400" dirty="0" err="1"/>
+              <a:rPr lang="en-US" sz="1100" dirty="0" err="1"/>
               <a:t>configs_generator</a:t>
             </a:r>
             <a:r>
-              <a:rPr lang="en-US" sz="1400" dirty="0"/>
+              <a:rPr lang="en-US" sz="1100" dirty="0"/>
               <a:t> import </a:t>
             </a:r>
             <a:r>
-              <a:rPr lang="en-US" sz="1400" dirty="0" err="1"/>
+              <a:rPr lang="en-US" sz="1100" dirty="0" err="1"/>
               <a:t>ConfGen</a:t>
             </a:r>
             <a:r>
-              <a:rPr lang="en-US" sz="1400" dirty="0"/>
-              <a:t>                                           </a:t>
-            </a:r>
-            <a:r>
-              <a:rPr lang="en-US" sz="1400" dirty="0">
-                <a:solidFill>
-                  <a:srgbClr val="00B050"/>
-                </a:solidFill>
-              </a:rPr>
-              <a:t># Import from package</a:t>
+              <a:rPr lang="en-US" sz="1100" dirty="0"/>
+              <a:t>                                           # Import from package</a:t>
             </a:r>
           </a:p>
           <a:p>
             <a:pPr marL="457200" lvl="1" indent="0">
               <a:buNone/>
             </a:pPr>
-            <a:r>
-              <a:rPr lang="en-US" sz="1400" dirty="0"/>
+            <a:endParaRPr lang="en-US" sz="1100" dirty="0"/>
+          </a:p>
+          <a:p>
+            <a:pPr marL="457200" lvl="1" indent="0">
+              <a:buNone/>
+            </a:pPr>
+            <a:r>
+              <a:rPr lang="en-US" sz="1100" dirty="0"/>
+              <a:t>&gt;&gt;&gt; # ~~~~~~~~ define necessary input parameters ~~~~~~~~</a:t>
+            </a:r>
+          </a:p>
+          <a:p>
+            <a:pPr marL="457200" lvl="1" indent="0">
+              <a:buNone/>
+            </a:pPr>
+            <a:r>
+              <a:rPr lang="en-US" sz="1100" dirty="0"/>
               <a:t>&gt;&gt;&gt; </a:t>
             </a:r>
             <a:r>
-              <a:rPr lang="en-US" sz="1400" dirty="0">
-                <a:solidFill>
-                  <a:srgbClr val="00B0F0"/>
-                </a:solidFill>
-              </a:rPr>
-              <a:t># ~~~~~~~~ define necessary input parameters ~~~~~~~~</a:t>
+              <a:rPr lang="en-US" sz="1100" dirty="0" err="1"/>
+              <a:t>template_file</a:t>
+            </a:r>
+            <a:r>
+              <a:rPr lang="en-US" sz="1100" dirty="0"/>
+              <a:t> = "templates/distribution_template.txt“                  # Template file with path</a:t>
             </a:r>
           </a:p>
           <a:p>
@@ -3954,82 +6540,573 @@
               <a:buNone/>
             </a:pPr>
             <a:r>
-              <a:rPr lang="en-US" sz="1400" dirty="0"/>
-              <a:t>&gt;&gt;&gt; hostname = "</a:t>
-            </a:r>
-            <a:r>
-              <a:rPr lang="en-US" sz="1400" dirty="0" err="1"/>
-              <a:t>device_hostname</a:t>
-            </a:r>
-            <a:r>
-              <a:rPr lang="en-US" sz="1400" dirty="0"/>
-              <a:t>“                                                         </a:t>
-            </a:r>
-            <a:r>
-              <a:rPr lang="en-US" sz="1400" dirty="0">
-                <a:solidFill>
-                  <a:srgbClr val="00B050"/>
-                </a:solidFill>
-              </a:rPr>
-              <a:t># device hostname                                        </a:t>
+              <a:rPr lang="en-US" sz="1100" dirty="0"/>
+              <a:t>&gt;&gt;&gt; </a:t>
+            </a:r>
+            <a:r>
+              <a:rPr lang="en-US" sz="1100" dirty="0" err="1"/>
+              <a:t>output_file</a:t>
+            </a:r>
+            <a:r>
+              <a:rPr lang="en-US" sz="1100" dirty="0"/>
+              <a:t> = </a:t>
+            </a:r>
+            <a:r>
+              <a:rPr lang="en-US" sz="1100" dirty="0" err="1"/>
+              <a:t>hostname+"_new.txt</a:t>
+            </a:r>
+            <a:r>
+              <a:rPr lang="en-US" sz="1100" dirty="0"/>
+              <a:t>“                                                   # Optional: output filename with path ( default: “output.txt”)</a:t>
             </a:r>
           </a:p>
           <a:p>
             <a:pPr marL="457200" lvl="1" indent="0">
               <a:buNone/>
             </a:pPr>
-            <a:r>
-              <a:rPr lang="en-US" sz="1400" dirty="0"/>
+            <a:endParaRPr lang="en-US" sz="1100" dirty="0"/>
+          </a:p>
+          <a:p>
+            <a:pPr marL="457200" lvl="1" indent="0">
+              <a:buNone/>
+            </a:pPr>
+            <a:r>
+              <a:rPr lang="en-US" sz="1100" dirty="0">
+                <a:solidFill>
+                  <a:srgbClr val="0070C0"/>
+                </a:solidFill>
+              </a:rPr>
+              <a:t>&gt;&gt;&gt; # ~~~~~~~~~~ provide database (new way) ~~~~~~~~~~~~~</a:t>
+            </a:r>
+          </a:p>
+          <a:p>
+            <a:pPr marL="457200" lvl="1" indent="0">
+              <a:buNone/>
+            </a:pPr>
+            <a:r>
+              <a:rPr lang="en-US" sz="1100" dirty="0">
+                <a:solidFill>
+                  <a:srgbClr val="0070C0"/>
+                </a:solidFill>
+              </a:rPr>
               <a:t>&gt;&gt;&gt; </a:t>
             </a:r>
             <a:r>
-              <a:rPr lang="en-US" sz="1400" dirty="0" err="1"/>
+              <a:rPr lang="en-US" sz="1100" dirty="0" err="1">
+                <a:solidFill>
+                  <a:srgbClr val="0070C0"/>
+                </a:solidFill>
+              </a:rPr>
+              <a:t>db</a:t>
+            </a:r>
+            <a:r>
+              <a:rPr lang="en-US" sz="1100" dirty="0">
+                <a:solidFill>
+                  <a:srgbClr val="0070C0"/>
+                </a:solidFill>
+              </a:rPr>
+              <a:t> = “capture/data.xlsx”		# database file with ‘tables’ and ‘var’ sheets.</a:t>
+            </a:r>
+          </a:p>
+          <a:p>
+            <a:pPr marL="457200" lvl="1" indent="0">
+              <a:buNone/>
+            </a:pPr>
+            <a:r>
+              <a:rPr lang="en-US" sz="1100" dirty="0">
+                <a:solidFill>
+                  <a:srgbClr val="0070C0"/>
+                </a:solidFill>
+              </a:rPr>
+              <a:t>&gt;&gt;&gt; # ~~~~~~~~ initialize an instance of </a:t>
+            </a:r>
+            <a:r>
+              <a:rPr lang="en-US" sz="1100" dirty="0" err="1">
+                <a:solidFill>
+                  <a:srgbClr val="0070C0"/>
+                </a:solidFill>
+              </a:rPr>
+              <a:t>ConfGen</a:t>
+            </a:r>
+            <a:r>
+              <a:rPr lang="en-US" sz="1100" dirty="0">
+                <a:solidFill>
+                  <a:srgbClr val="0070C0"/>
+                </a:solidFill>
+              </a:rPr>
+              <a:t> ~~~~~~~~</a:t>
+            </a:r>
+          </a:p>
+          <a:p>
+            <a:pPr marL="457200" lvl="1" indent="0">
+              <a:buNone/>
+            </a:pPr>
+            <a:r>
+              <a:rPr lang="en-US" sz="1100" dirty="0">
+                <a:solidFill>
+                  <a:srgbClr val="0070C0"/>
+                </a:solidFill>
+              </a:rPr>
+              <a:t>&gt;&gt;&gt; </a:t>
+            </a:r>
+            <a:r>
+              <a:rPr lang="en-US" sz="1100" b="1" dirty="0">
+                <a:solidFill>
+                  <a:srgbClr val="0070C0"/>
+                </a:solidFill>
+              </a:rPr>
+              <a:t>cg = </a:t>
+            </a:r>
+            <a:r>
+              <a:rPr lang="en-US" sz="1100" b="1" dirty="0" err="1">
+                <a:solidFill>
+                  <a:srgbClr val="0070C0"/>
+                </a:solidFill>
+              </a:rPr>
+              <a:t>ConfGen</a:t>
+            </a:r>
+            <a:r>
+              <a:rPr lang="en-US" sz="1100" b="1" dirty="0">
+                <a:solidFill>
+                  <a:srgbClr val="0070C0"/>
+                </a:solidFill>
+              </a:rPr>
+              <a:t>( </a:t>
+            </a:r>
+            <a:r>
+              <a:rPr lang="en-US" sz="1100" b="1" dirty="0" err="1">
+                <a:solidFill>
+                  <a:srgbClr val="0070C0"/>
+                </a:solidFill>
+              </a:rPr>
               <a:t>template_file</a:t>
             </a:r>
             <a:r>
-              <a:rPr lang="en-US" sz="1400" dirty="0"/>
-              <a:t> = "templates/distribution_template.txt“                  </a:t>
-            </a:r>
-            <a:r>
-              <a:rPr lang="en-US" sz="1400" dirty="0">
-                <a:solidFill>
-                  <a:srgbClr val="00B050"/>
-                </a:solidFill>
-              </a:rPr>
-              <a:t># Template file with path</a:t>
+              <a:rPr lang="en-US" sz="1100" b="1" dirty="0">
+                <a:solidFill>
+                  <a:srgbClr val="0070C0"/>
+                </a:solidFill>
+              </a:rPr>
+              <a:t>=</a:t>
+            </a:r>
+            <a:r>
+              <a:rPr lang="en-US" sz="1100" b="1" dirty="0" err="1">
+                <a:solidFill>
+                  <a:srgbClr val="0070C0"/>
+                </a:solidFill>
+              </a:rPr>
+              <a:t>template_file</a:t>
+            </a:r>
+            <a:r>
+              <a:rPr lang="en-US" sz="1100" b="1" dirty="0">
+                <a:solidFill>
+                  <a:srgbClr val="0070C0"/>
+                </a:solidFill>
+              </a:rPr>
+              <a:t>,  </a:t>
+            </a:r>
+            <a:r>
+              <a:rPr lang="en-US" sz="1100" b="1" dirty="0" err="1">
+                <a:solidFill>
+                  <a:srgbClr val="0070C0"/>
+                </a:solidFill>
+              </a:rPr>
+              <a:t>db</a:t>
+            </a:r>
+            <a:r>
+              <a:rPr lang="en-US" sz="1100" b="1" dirty="0">
+                <a:solidFill>
+                  <a:srgbClr val="0070C0"/>
+                </a:solidFill>
+              </a:rPr>
+              <a:t>=</a:t>
+            </a:r>
+            <a:r>
+              <a:rPr lang="en-US" sz="1100" b="1" dirty="0" err="1">
+                <a:solidFill>
+                  <a:srgbClr val="0070C0"/>
+                </a:solidFill>
+              </a:rPr>
+              <a:t>db</a:t>
+            </a:r>
+            <a:r>
+              <a:rPr lang="en-US" sz="1100" b="1" dirty="0">
+                <a:solidFill>
+                  <a:srgbClr val="0070C0"/>
+                </a:solidFill>
+              </a:rPr>
+              <a:t>,   </a:t>
+            </a:r>
+            <a:r>
+              <a:rPr lang="en-US" sz="1100" b="1" dirty="0" err="1">
+                <a:solidFill>
+                  <a:srgbClr val="0070C0"/>
+                </a:solidFill>
+              </a:rPr>
+              <a:t>output_file</a:t>
+            </a:r>
+            <a:r>
+              <a:rPr lang="en-US" sz="1100" b="1" dirty="0">
+                <a:solidFill>
+                  <a:srgbClr val="0070C0"/>
+                </a:solidFill>
+              </a:rPr>
+              <a:t>=</a:t>
+            </a:r>
+            <a:r>
+              <a:rPr lang="en-US" sz="1100" b="1" dirty="0" err="1">
+                <a:solidFill>
+                  <a:srgbClr val="0070C0"/>
+                </a:solidFill>
+              </a:rPr>
+              <a:t>output_file</a:t>
+            </a:r>
+            <a:r>
+              <a:rPr lang="en-US" sz="1100" b="1" dirty="0">
+                <a:solidFill>
+                  <a:srgbClr val="0070C0"/>
+                </a:solidFill>
+              </a:rPr>
+              <a:t> )</a:t>
+            </a:r>
+            <a:r>
+              <a:rPr lang="en-US" sz="1100" dirty="0">
+                <a:solidFill>
+                  <a:srgbClr val="0070C0"/>
+                </a:solidFill>
+              </a:rPr>
+              <a:t>                                                                # create an instance </a:t>
             </a:r>
           </a:p>
           <a:p>
             <a:pPr marL="457200" lvl="1" indent="0">
               <a:buNone/>
             </a:pPr>
-            <a:r>
-              <a:rPr lang="en-US" sz="1400" dirty="0"/>
+            <a:endParaRPr lang="en-US" sz="1100" dirty="0"/>
+          </a:p>
+          <a:p>
+            <a:pPr marL="457200" lvl="1" indent="0">
+              <a:buNone/>
+            </a:pPr>
+            <a:r>
+              <a:rPr lang="en-US" sz="1100" dirty="0">
+                <a:solidFill>
+                  <a:schemeClr val="accent2">
+                    <a:lumMod val="50000"/>
+                  </a:schemeClr>
+                </a:solidFill>
+              </a:rPr>
+              <a:t>&gt;&gt;&gt; # ~~~~~~~~~~ provide database (old deprecated way) ~~~~~~~~~~~~~</a:t>
+            </a:r>
+          </a:p>
+          <a:p>
+            <a:pPr marL="457200" lvl="1" indent="0">
+              <a:buNone/>
+            </a:pPr>
+            <a:r>
+              <a:rPr lang="en-US" sz="1100" dirty="0">
+                <a:solidFill>
+                  <a:schemeClr val="accent2">
+                    <a:lumMod val="50000"/>
+                  </a:schemeClr>
+                </a:solidFill>
+              </a:rPr>
               <a:t>&gt;&gt;&gt; </a:t>
             </a:r>
             <a:r>
-              <a:rPr lang="en-US" sz="1400" dirty="0" err="1"/>
+              <a:rPr lang="en-US" sz="1100" dirty="0" err="1">
+                <a:solidFill>
+                  <a:schemeClr val="accent2">
+                    <a:lumMod val="50000"/>
+                  </a:schemeClr>
+                </a:solidFill>
+              </a:rPr>
+              <a:t>xls_db</a:t>
+            </a:r>
+            <a:r>
+              <a:rPr lang="en-US" sz="1100" dirty="0">
+                <a:solidFill>
+                  <a:schemeClr val="accent2">
+                    <a:lumMod val="50000"/>
+                  </a:schemeClr>
+                </a:solidFill>
+              </a:rPr>
+              <a:t> = "capture/fact_file.xlsx“                                                         # Excel fact file name with path(which </a:t>
+            </a:r>
+            <a:r>
+              <a:rPr lang="en-US" sz="1100" dirty="0" err="1">
+                <a:solidFill>
+                  <a:schemeClr val="accent2">
+                    <a:lumMod val="50000"/>
+                  </a:schemeClr>
+                </a:solidFill>
+              </a:rPr>
+              <a:t>hastables</a:t>
+            </a:r>
+            <a:r>
+              <a:rPr lang="en-US" sz="1100" dirty="0">
+                <a:solidFill>
+                  <a:schemeClr val="accent2">
+                    <a:lumMod val="50000"/>
+                  </a:schemeClr>
+                </a:solidFill>
+              </a:rPr>
+              <a:t> tab)</a:t>
+            </a:r>
+          </a:p>
+          <a:p>
+            <a:pPr marL="457200" lvl="1" indent="0">
+              <a:buNone/>
+            </a:pPr>
+            <a:r>
+              <a:rPr lang="en-US" sz="1100" dirty="0">
+                <a:solidFill>
+                  <a:schemeClr val="accent2">
+                    <a:lumMod val="50000"/>
+                  </a:schemeClr>
+                </a:solidFill>
+              </a:rPr>
+              <a:t>&gt;&gt;&gt; </a:t>
+            </a:r>
+            <a:r>
+              <a:rPr lang="en-US" sz="1100" dirty="0" err="1">
+                <a:solidFill>
+                  <a:schemeClr val="accent2">
+                    <a:lumMod val="50000"/>
+                  </a:schemeClr>
+                </a:solidFill>
+              </a:rPr>
+              <a:t>xls_db_sheet</a:t>
+            </a:r>
+            <a:r>
+              <a:rPr lang="en-US" sz="1100" dirty="0">
+                <a:solidFill>
+                  <a:schemeClr val="accent2">
+                    <a:lumMod val="50000"/>
+                  </a:schemeClr>
+                </a:solidFill>
+              </a:rPr>
+              <a:t> = "tables“                                                                       # tables tab name in fact file</a:t>
+            </a:r>
+          </a:p>
+          <a:p>
+            <a:pPr marL="457200" lvl="1" indent="0">
+              <a:buNone/>
+            </a:pPr>
+            <a:r>
+              <a:rPr lang="en-US" sz="1100" dirty="0">
+                <a:solidFill>
+                  <a:schemeClr val="accent2">
+                    <a:lumMod val="50000"/>
+                  </a:schemeClr>
+                </a:solidFill>
+              </a:rPr>
+              <a:t>&gt;&gt;&gt; </a:t>
+            </a:r>
+            <a:r>
+              <a:rPr lang="en-US" sz="1100" dirty="0" err="1">
+                <a:solidFill>
+                  <a:schemeClr val="accent2">
+                    <a:lumMod val="50000"/>
+                  </a:schemeClr>
+                </a:solidFill>
+              </a:rPr>
+              <a:t>var_db</a:t>
+            </a:r>
+            <a:r>
+              <a:rPr lang="en-US" sz="1100" dirty="0">
+                <a:solidFill>
+                  <a:schemeClr val="accent2">
+                    <a:lumMod val="50000"/>
+                  </a:schemeClr>
+                </a:solidFill>
+              </a:rPr>
+              <a:t> = "capture/fact_file.xlsx"                                                        # Excel fact file name with path(which has var tab)</a:t>
+            </a:r>
+          </a:p>
+          <a:p>
+            <a:pPr marL="457200" lvl="1" indent="0">
+              <a:buNone/>
+            </a:pPr>
+            <a:r>
+              <a:rPr lang="en-US" sz="1100" dirty="0">
+                <a:solidFill>
+                  <a:schemeClr val="accent2">
+                    <a:lumMod val="50000"/>
+                  </a:schemeClr>
+                </a:solidFill>
+              </a:rPr>
+              <a:t>&gt;&gt;&gt; </a:t>
+            </a:r>
+            <a:r>
+              <a:rPr lang="en-US" sz="1100" dirty="0" err="1">
+                <a:solidFill>
+                  <a:schemeClr val="accent2">
+                    <a:lumMod val="50000"/>
+                  </a:schemeClr>
+                </a:solidFill>
+              </a:rPr>
+              <a:t>var_db_sheet</a:t>
+            </a:r>
+            <a:r>
+              <a:rPr lang="en-US" sz="1100" dirty="0">
+                <a:solidFill>
+                  <a:schemeClr val="accent2">
+                    <a:lumMod val="50000"/>
+                  </a:schemeClr>
+                </a:solidFill>
+              </a:rPr>
+              <a:t> = "var“                                                                            # var tab name in fact file</a:t>
+            </a:r>
+          </a:p>
+          <a:p>
+            <a:pPr marL="457200" lvl="1" indent="0">
+              <a:buNone/>
+            </a:pPr>
+            <a:r>
+              <a:rPr lang="en-US" sz="1100" dirty="0">
+                <a:solidFill>
+                  <a:schemeClr val="accent2">
+                    <a:lumMod val="50000"/>
+                  </a:schemeClr>
+                </a:solidFill>
+              </a:rPr>
+              <a:t>&gt;&gt;&gt; # ~~~~~~~~ initialize an instance of </a:t>
+            </a:r>
+            <a:r>
+              <a:rPr lang="en-US" sz="1100" dirty="0" err="1">
+                <a:solidFill>
+                  <a:schemeClr val="accent2">
+                    <a:lumMod val="50000"/>
+                  </a:schemeClr>
+                </a:solidFill>
+              </a:rPr>
+              <a:t>ConfGen</a:t>
+            </a:r>
+            <a:r>
+              <a:rPr lang="en-US" sz="1100" dirty="0">
+                <a:solidFill>
+                  <a:schemeClr val="accent2">
+                    <a:lumMod val="50000"/>
+                  </a:schemeClr>
+                </a:solidFill>
+              </a:rPr>
+              <a:t>  ( old deprecated way ) ~~~~~~~~</a:t>
+            </a:r>
+          </a:p>
+          <a:p>
+            <a:pPr marL="457200" lvl="1" indent="0">
+              <a:buNone/>
+            </a:pPr>
+            <a:r>
+              <a:rPr lang="en-US" sz="1100" dirty="0">
+                <a:solidFill>
+                  <a:schemeClr val="accent2">
+                    <a:lumMod val="50000"/>
+                  </a:schemeClr>
+                </a:solidFill>
+              </a:rPr>
+              <a:t>&gt;&gt;&gt; cg = </a:t>
+            </a:r>
+            <a:r>
+              <a:rPr lang="en-US" sz="1100" dirty="0" err="1">
+                <a:solidFill>
+                  <a:schemeClr val="accent2">
+                    <a:lumMod val="50000"/>
+                  </a:schemeClr>
+                </a:solidFill>
+              </a:rPr>
+              <a:t>ConfGen</a:t>
+            </a:r>
+            <a:r>
+              <a:rPr lang="en-US" sz="1100" dirty="0">
+                <a:solidFill>
+                  <a:schemeClr val="accent2">
+                    <a:lumMod val="50000"/>
+                  </a:schemeClr>
+                </a:solidFill>
+              </a:rPr>
+              <a:t>( </a:t>
+            </a:r>
+            <a:r>
+              <a:rPr lang="en-US" sz="1100" dirty="0" err="1">
+                <a:solidFill>
+                  <a:schemeClr val="accent2">
+                    <a:lumMod val="50000"/>
+                  </a:schemeClr>
+                </a:solidFill>
+              </a:rPr>
+              <a:t>template_file</a:t>
+            </a:r>
+            <a:r>
+              <a:rPr lang="en-US" sz="1100" dirty="0">
+                <a:solidFill>
+                  <a:schemeClr val="accent2">
+                    <a:lumMod val="50000"/>
+                  </a:schemeClr>
+                </a:solidFill>
+              </a:rPr>
+              <a:t>=</a:t>
+            </a:r>
+            <a:r>
+              <a:rPr lang="en-US" sz="1100" dirty="0" err="1">
+                <a:solidFill>
+                  <a:schemeClr val="accent2">
+                    <a:lumMod val="50000"/>
+                  </a:schemeClr>
+                </a:solidFill>
+              </a:rPr>
+              <a:t>template_file</a:t>
+            </a:r>
+            <a:r>
+              <a:rPr lang="en-US" sz="1100" dirty="0">
+                <a:solidFill>
+                  <a:schemeClr val="accent2">
+                    <a:lumMod val="50000"/>
+                  </a:schemeClr>
+                </a:solidFill>
+              </a:rPr>
+              <a:t>, </a:t>
+            </a:r>
+            <a:r>
+              <a:rPr lang="en-US" sz="1100" dirty="0" err="1">
+                <a:solidFill>
+                  <a:schemeClr val="accent2">
+                    <a:lumMod val="50000"/>
+                  </a:schemeClr>
+                </a:solidFill>
+              </a:rPr>
               <a:t>output_file</a:t>
             </a:r>
             <a:r>
-              <a:rPr lang="en-US" sz="1400" dirty="0"/>
-              <a:t> = </a:t>
-            </a:r>
-            <a:r>
-              <a:rPr lang="en-US" sz="1400" dirty="0" err="1"/>
-              <a:t>hostname+"_new.txt</a:t>
-            </a:r>
-            <a:r>
-              <a:rPr lang="en-US" sz="1400" dirty="0"/>
-              <a:t>“                                                   </a:t>
-            </a:r>
-            <a:r>
-              <a:rPr lang="en-US" sz="1400" dirty="0">
-                <a:solidFill>
-                  <a:srgbClr val="00B050"/>
-                </a:solidFill>
-              </a:rPr>
-              <a:t># output filename with path</a:t>
+              <a:rPr lang="en-US" sz="1100" dirty="0">
+                <a:solidFill>
+                  <a:schemeClr val="accent2">
+                    <a:lumMod val="50000"/>
+                  </a:schemeClr>
+                </a:solidFill>
+              </a:rPr>
+              <a:t>=</a:t>
+            </a:r>
+            <a:r>
+              <a:rPr lang="en-US" sz="1100" dirty="0" err="1">
+                <a:solidFill>
+                  <a:schemeClr val="accent2">
+                    <a:lumMod val="50000"/>
+                  </a:schemeClr>
+                </a:solidFill>
+              </a:rPr>
+              <a:t>output_file</a:t>
+            </a:r>
+            <a:r>
+              <a:rPr lang="en-US" sz="1100" dirty="0">
+                <a:solidFill>
+                  <a:schemeClr val="accent2">
+                    <a:lumMod val="50000"/>
+                  </a:schemeClr>
+                </a:solidFill>
+              </a:rPr>
+              <a:t>, </a:t>
             </a:r>
           </a:p>
           <a:p>
@@ -4037,24 +7114,206 @@
               <a:buNone/>
             </a:pPr>
             <a:r>
-              <a:rPr lang="en-US" sz="1400" dirty="0"/>
+              <a:rPr lang="en-US" sz="1100" dirty="0">
+                <a:solidFill>
+                  <a:schemeClr val="accent2">
+                    <a:lumMod val="50000"/>
+                  </a:schemeClr>
+                </a:solidFill>
+              </a:rPr>
+              <a:t>	</a:t>
+            </a:r>
+            <a:r>
+              <a:rPr lang="en-US" sz="1100" dirty="0" err="1">
+                <a:solidFill>
+                  <a:schemeClr val="accent2">
+                    <a:lumMod val="50000"/>
+                  </a:schemeClr>
+                </a:solidFill>
+              </a:rPr>
+              <a:t>xls_db</a:t>
+            </a:r>
+            <a:r>
+              <a:rPr lang="en-US" sz="1100" dirty="0">
+                <a:solidFill>
+                  <a:schemeClr val="accent2">
+                    <a:lumMod val="50000"/>
+                  </a:schemeClr>
+                </a:solidFill>
+              </a:rPr>
+              <a:t>=</a:t>
+            </a:r>
+            <a:r>
+              <a:rPr lang="en-US" sz="1100" dirty="0" err="1">
+                <a:solidFill>
+                  <a:schemeClr val="accent2">
+                    <a:lumMod val="50000"/>
+                  </a:schemeClr>
+                </a:solidFill>
+              </a:rPr>
+              <a:t>xls_db</a:t>
+            </a:r>
+            <a:r>
+              <a:rPr lang="en-US" sz="1100" dirty="0">
+                <a:solidFill>
+                  <a:schemeClr val="accent2">
+                    <a:lumMod val="50000"/>
+                  </a:schemeClr>
+                </a:solidFill>
+              </a:rPr>
+              <a:t>, </a:t>
+            </a:r>
+            <a:r>
+              <a:rPr lang="en-US" sz="1100" dirty="0" err="1">
+                <a:solidFill>
+                  <a:schemeClr val="accent2">
+                    <a:lumMod val="50000"/>
+                  </a:schemeClr>
+                </a:solidFill>
+              </a:rPr>
+              <a:t>xls_db_sheet</a:t>
+            </a:r>
+            <a:r>
+              <a:rPr lang="en-US" sz="1100" dirty="0">
+                <a:solidFill>
+                  <a:schemeClr val="accent2">
+                    <a:lumMod val="50000"/>
+                  </a:schemeClr>
+                </a:solidFill>
+              </a:rPr>
+              <a:t>=</a:t>
+            </a:r>
+            <a:r>
+              <a:rPr lang="en-US" sz="1100" dirty="0" err="1">
+                <a:solidFill>
+                  <a:schemeClr val="accent2">
+                    <a:lumMod val="50000"/>
+                  </a:schemeClr>
+                </a:solidFill>
+              </a:rPr>
+              <a:t>xls_db_sheet</a:t>
+            </a:r>
+            <a:r>
+              <a:rPr lang="en-US" sz="1100" dirty="0">
+                <a:solidFill>
+                  <a:schemeClr val="accent2">
+                    <a:lumMod val="50000"/>
+                  </a:schemeClr>
+                </a:solidFill>
+              </a:rPr>
+              <a:t>, </a:t>
+            </a:r>
+            <a:r>
+              <a:rPr lang="en-US" sz="1100" dirty="0" err="1">
+                <a:solidFill>
+                  <a:schemeClr val="accent2">
+                    <a:lumMod val="50000"/>
+                  </a:schemeClr>
+                </a:solidFill>
+              </a:rPr>
+              <a:t>var_db</a:t>
+            </a:r>
+            <a:r>
+              <a:rPr lang="en-US" sz="1100" dirty="0">
+                <a:solidFill>
+                  <a:schemeClr val="accent2">
+                    <a:lumMod val="50000"/>
+                  </a:schemeClr>
+                </a:solidFill>
+              </a:rPr>
+              <a:t>=</a:t>
+            </a:r>
+            <a:r>
+              <a:rPr lang="en-US" sz="1100" dirty="0" err="1">
+                <a:solidFill>
+                  <a:schemeClr val="accent2">
+                    <a:lumMod val="50000"/>
+                  </a:schemeClr>
+                </a:solidFill>
+              </a:rPr>
+              <a:t>var_db</a:t>
+            </a:r>
+            <a:r>
+              <a:rPr lang="en-US" sz="1100" dirty="0">
+                <a:solidFill>
+                  <a:schemeClr val="accent2">
+                    <a:lumMod val="50000"/>
+                  </a:schemeClr>
+                </a:solidFill>
+              </a:rPr>
+              <a:t>, </a:t>
+            </a:r>
+            <a:r>
+              <a:rPr lang="en-US" sz="1100" dirty="0" err="1">
+                <a:solidFill>
+                  <a:schemeClr val="accent2">
+                    <a:lumMod val="50000"/>
+                  </a:schemeClr>
+                </a:solidFill>
+              </a:rPr>
+              <a:t>var_db_sheet</a:t>
+            </a:r>
+            <a:r>
+              <a:rPr lang="en-US" sz="1100" dirty="0">
+                <a:solidFill>
+                  <a:schemeClr val="accent2">
+                    <a:lumMod val="50000"/>
+                  </a:schemeClr>
+                </a:solidFill>
+              </a:rPr>
+              <a:t>=</a:t>
+            </a:r>
+            <a:r>
+              <a:rPr lang="en-US" sz="1100" dirty="0" err="1">
+                <a:solidFill>
+                  <a:schemeClr val="accent2">
+                    <a:lumMod val="50000"/>
+                  </a:schemeClr>
+                </a:solidFill>
+              </a:rPr>
+              <a:t>var_db_sheet</a:t>
+            </a:r>
+            <a:r>
+              <a:rPr lang="en-US" sz="1100" dirty="0">
+                <a:solidFill>
+                  <a:schemeClr val="accent2">
+                    <a:lumMod val="50000"/>
+                  </a:schemeClr>
+                </a:solidFill>
+              </a:rPr>
+              <a:t> )                              # create an instance </a:t>
+            </a:r>
+          </a:p>
+          <a:p>
+            <a:pPr marL="457200" lvl="1" indent="0">
+              <a:buNone/>
+            </a:pPr>
+            <a:endParaRPr lang="en-US" sz="1100" dirty="0"/>
+          </a:p>
+          <a:p>
+            <a:pPr marL="457200" lvl="1" indent="0">
+              <a:buNone/>
+            </a:pPr>
+            <a:r>
+              <a:rPr lang="en-US" sz="1100" dirty="0"/>
+              <a:t>&gt;&gt;&gt; # ~~~~~~~~ generate config from instance ~~~~~~~~</a:t>
+            </a:r>
+          </a:p>
+          <a:p>
+            <a:pPr marL="457200" lvl="1" indent="0">
+              <a:buNone/>
+            </a:pPr>
+            <a:r>
+              <a:rPr lang="en-US" sz="1100" dirty="0"/>
               <a:t>&gt;&gt;&gt; </a:t>
             </a:r>
             <a:r>
-              <a:rPr lang="en-US" sz="1400" dirty="0" err="1"/>
-              <a:t>xls_db</a:t>
-            </a:r>
-            <a:r>
-              <a:rPr lang="en-US" sz="1400" dirty="0"/>
-              <a:t> = "capture/fact_file.xlsx“                                                         </a:t>
-            </a:r>
-            <a:r>
-              <a:rPr lang="en-US" sz="1400" dirty="0">
-                <a:solidFill>
-                  <a:srgbClr val="00B050"/>
-                </a:solidFill>
-              </a:rPr>
-              <a:t># Excel fact file name with path(for tables tab)</a:t>
+              <a:rPr lang="en-US" sz="1100" dirty="0" err="1"/>
+              <a:t>cg.generate</a:t>
+            </a:r>
+            <a:r>
+              <a:rPr lang="en-US" sz="1100" dirty="0"/>
+              <a:t>()                                                                                           # generate config using instance</a:t>
             </a:r>
           </a:p>
           <a:p>
@@ -4062,307 +7321,8 @@
               <a:buNone/>
             </a:pPr>
             <a:r>
-              <a:rPr lang="en-US" sz="1400" dirty="0"/>
-              <a:t>&gt;&gt;&gt; </a:t>
-            </a:r>
-            <a:r>
-              <a:rPr lang="en-US" sz="1400" dirty="0" err="1"/>
-              <a:t>xls_db_sheet</a:t>
-            </a:r>
-            <a:r>
-              <a:rPr lang="en-US" sz="1400" dirty="0"/>
-              <a:t> = "tables“                                                                       </a:t>
-            </a:r>
-            <a:r>
-              <a:rPr lang="en-US" sz="1400" dirty="0">
-                <a:solidFill>
-                  <a:srgbClr val="00B050"/>
-                </a:solidFill>
-              </a:rPr>
-              <a:t># tables tab name in fact file</a:t>
-            </a:r>
-          </a:p>
-          <a:p>
-            <a:pPr marL="457200" lvl="1" indent="0">
-              <a:buNone/>
-            </a:pPr>
-            <a:r>
-              <a:rPr lang="en-US" sz="1400" dirty="0"/>
-              <a:t>&gt;&gt;&gt; </a:t>
-            </a:r>
-            <a:r>
-              <a:rPr lang="en-US" sz="1400" dirty="0" err="1"/>
-              <a:t>var_db</a:t>
-            </a:r>
-            <a:r>
-              <a:rPr lang="en-US" sz="1400" dirty="0"/>
-              <a:t> = "capture/fact_file.xlsx"                                                        </a:t>
-            </a:r>
-            <a:r>
-              <a:rPr lang="en-US" sz="1400" dirty="0">
-                <a:solidFill>
-                  <a:srgbClr val="00B050"/>
-                </a:solidFill>
-              </a:rPr>
-              <a:t># Excel fact file name with path(for var tab)</a:t>
-            </a:r>
-          </a:p>
-          <a:p>
-            <a:pPr marL="457200" lvl="1" indent="0">
-              <a:buNone/>
-            </a:pPr>
-            <a:r>
-              <a:rPr lang="en-US" sz="1400" dirty="0"/>
-              <a:t>&gt;&gt;&gt; </a:t>
-            </a:r>
-            <a:r>
-              <a:rPr lang="en-US" sz="1400" dirty="0" err="1"/>
-              <a:t>var_db_sheet</a:t>
-            </a:r>
-            <a:r>
-              <a:rPr lang="en-US" sz="1400" dirty="0"/>
-              <a:t> = "var“                                                                            </a:t>
-            </a:r>
-            <a:r>
-              <a:rPr lang="en-US" sz="1400" dirty="0">
-                <a:solidFill>
-                  <a:srgbClr val="00B050"/>
-                </a:solidFill>
-              </a:rPr>
-              <a:t># var tab name in fact file</a:t>
-            </a:r>
-          </a:p>
-          <a:p>
-            <a:pPr marL="457200" lvl="1" indent="0">
-              <a:buNone/>
-            </a:pPr>
-            <a:r>
-              <a:rPr lang="en-US" sz="1400" dirty="0"/>
-              <a:t>&gt;&gt;&gt; </a:t>
-            </a:r>
-            <a:r>
-              <a:rPr lang="en-US" sz="1400" dirty="0">
-                <a:solidFill>
-                  <a:srgbClr val="00B0F0"/>
-                </a:solidFill>
-              </a:rPr>
-              <a:t># ~~~~~~~~ initialize an instance of </a:t>
-            </a:r>
-            <a:r>
-              <a:rPr lang="en-US" sz="1400" dirty="0" err="1">
-                <a:solidFill>
-                  <a:srgbClr val="00B0F0"/>
-                </a:solidFill>
-              </a:rPr>
-              <a:t>ConfGen</a:t>
-            </a:r>
-            <a:r>
-              <a:rPr lang="en-US" sz="1400" dirty="0">
-                <a:solidFill>
-                  <a:srgbClr val="00B0F0"/>
-                </a:solidFill>
-              </a:rPr>
-              <a:t> ~~~~~~~~</a:t>
-            </a:r>
-          </a:p>
-          <a:p>
-            <a:pPr marL="457200" lvl="1" indent="0">
-              <a:buNone/>
-            </a:pPr>
-            <a:r>
-              <a:rPr lang="en-US" sz="1400" dirty="0"/>
-              <a:t>&gt;&gt;&gt; cg = </a:t>
-            </a:r>
-            <a:r>
-              <a:rPr lang="en-US" sz="1400" dirty="0" err="1"/>
-              <a:t>ConfGen</a:t>
-            </a:r>
-            <a:r>
-              <a:rPr lang="en-US" sz="1400" dirty="0"/>
-              <a:t>( hostname=hostname, </a:t>
-            </a:r>
-            <a:r>
-              <a:rPr lang="en-US" sz="1400" dirty="0" err="1"/>
-              <a:t>template_file</a:t>
-            </a:r>
-            <a:r>
-              <a:rPr lang="en-US" sz="1400" dirty="0"/>
-              <a:t>=</a:t>
-            </a:r>
-            <a:r>
-              <a:rPr lang="en-US" sz="1400" dirty="0" err="1"/>
-              <a:t>template_file</a:t>
-            </a:r>
-            <a:r>
-              <a:rPr lang="en-US" sz="1400" dirty="0"/>
-              <a:t>, </a:t>
-            </a:r>
-            <a:r>
-              <a:rPr lang="en-US" sz="1400" dirty="0" err="1"/>
-              <a:t>output_file</a:t>
-            </a:r>
-            <a:r>
-              <a:rPr lang="en-US" sz="1400" dirty="0"/>
-              <a:t>=</a:t>
-            </a:r>
-            <a:r>
-              <a:rPr lang="en-US" sz="1400" dirty="0" err="1"/>
-              <a:t>output_file</a:t>
-            </a:r>
-            <a:r>
-              <a:rPr lang="en-US" sz="1400" dirty="0"/>
-              <a:t>, </a:t>
-            </a:r>
-          </a:p>
-          <a:p>
-            <a:pPr marL="457200" lvl="1" indent="0">
-              <a:buNone/>
-            </a:pPr>
-            <a:r>
-              <a:rPr lang="en-US" sz="1400" dirty="0"/>
-              <a:t>	</a:t>
-            </a:r>
-            <a:r>
-              <a:rPr lang="en-US" sz="1400" dirty="0" err="1"/>
-              <a:t>xls_db</a:t>
-            </a:r>
-            <a:r>
-              <a:rPr lang="en-US" sz="1400" dirty="0"/>
-              <a:t>=</a:t>
-            </a:r>
-            <a:r>
-              <a:rPr lang="en-US" sz="1400" dirty="0" err="1"/>
-              <a:t>xls_db</a:t>
-            </a:r>
-            <a:r>
-              <a:rPr lang="en-US" sz="1400" dirty="0"/>
-              <a:t>, </a:t>
-            </a:r>
-            <a:r>
-              <a:rPr lang="en-US" sz="1400" dirty="0" err="1"/>
-              <a:t>xls_db_sheet</a:t>
-            </a:r>
-            <a:r>
-              <a:rPr lang="en-US" sz="1400" dirty="0"/>
-              <a:t>=</a:t>
-            </a:r>
-            <a:r>
-              <a:rPr lang="en-US" sz="1400" dirty="0" err="1"/>
-              <a:t>xls_db_sheet</a:t>
-            </a:r>
-            <a:r>
-              <a:rPr lang="en-US" sz="1400" dirty="0"/>
-              <a:t>, </a:t>
-            </a:r>
-            <a:r>
-              <a:rPr lang="en-US" sz="1400" dirty="0" err="1"/>
-              <a:t>var_db</a:t>
-            </a:r>
-            <a:r>
-              <a:rPr lang="en-US" sz="1400" dirty="0"/>
-              <a:t>=</a:t>
-            </a:r>
-            <a:r>
-              <a:rPr lang="en-US" sz="1400" dirty="0" err="1"/>
-              <a:t>var_db</a:t>
-            </a:r>
-            <a:r>
-              <a:rPr lang="en-US" sz="1400" dirty="0"/>
-              <a:t>, </a:t>
-            </a:r>
-            <a:r>
-              <a:rPr lang="en-US" sz="1400" dirty="0" err="1"/>
-              <a:t>var_db_sheet</a:t>
-            </a:r>
-            <a:r>
-              <a:rPr lang="en-US" sz="1400" dirty="0"/>
-              <a:t>=</a:t>
-            </a:r>
-            <a:r>
-              <a:rPr lang="en-US" sz="1400" dirty="0" err="1"/>
-              <a:t>var_db_sheet</a:t>
-            </a:r>
-            <a:r>
-              <a:rPr lang="en-US" sz="1400" dirty="0"/>
-              <a:t> )</a:t>
-            </a:r>
-          </a:p>
-          <a:p>
-            <a:pPr marL="457200" lvl="1" indent="0">
-              <a:buNone/>
-            </a:pPr>
-            <a:r>
-              <a:rPr lang="en-US" sz="1400" dirty="0">
-                <a:solidFill>
-                  <a:srgbClr val="00B050"/>
-                </a:solidFill>
-              </a:rPr>
-              <a:t>                                                                                                                          # create an instance </a:t>
-            </a:r>
-          </a:p>
-          <a:p>
-            <a:pPr marL="457200" lvl="1" indent="0">
-              <a:buNone/>
-            </a:pPr>
-            <a:r>
-              <a:rPr lang="en-US" sz="1400" dirty="0"/>
-              <a:t>&gt;&gt;&gt; </a:t>
-            </a:r>
-            <a:r>
-              <a:rPr lang="en-US" sz="1400" dirty="0">
-                <a:solidFill>
-                  <a:srgbClr val="00B0F0"/>
-                </a:solidFill>
-              </a:rPr>
-              <a:t># ~~~~~~~~ generate config from instance ~~~~~~~~</a:t>
-            </a:r>
-          </a:p>
-          <a:p>
-            <a:pPr marL="457200" lvl="1" indent="0">
-              <a:buNone/>
-            </a:pPr>
-            <a:r>
-              <a:rPr lang="en-US" sz="1400" dirty="0"/>
-              <a:t>&gt;&gt;&gt; </a:t>
-            </a:r>
-            <a:r>
-              <a:rPr lang="en-US" sz="1400" dirty="0" err="1"/>
-              <a:t>cg.generate</a:t>
-            </a:r>
-            <a:r>
-              <a:rPr lang="en-US" sz="1400" dirty="0"/>
-              <a:t>()                                                                                           </a:t>
-            </a:r>
-            <a:r>
-              <a:rPr lang="en-US" sz="1400" dirty="0">
-                <a:solidFill>
-                  <a:srgbClr val="00B050"/>
-                </a:solidFill>
-              </a:rPr>
-              <a:t># generate config using instance</a:t>
-            </a:r>
-          </a:p>
-          <a:p>
-            <a:pPr marL="457200" lvl="1" indent="0">
-              <a:buNone/>
-            </a:pPr>
-            <a:endParaRPr lang="en-US" sz="1400" dirty="0">
-              <a:solidFill>
-                <a:srgbClr val="00B0F0"/>
-              </a:solidFill>
-            </a:endParaRPr>
-          </a:p>
-          <a:p>
-            <a:pPr marL="457200" lvl="1" indent="0">
-              <a:buNone/>
-            </a:pPr>
-            <a:r>
-              <a:rPr lang="en-US" sz="1400" dirty="0">
-                <a:solidFill>
-                  <a:srgbClr val="00B0F0"/>
-                </a:solidFill>
-              </a:rPr>
-              <a:t>Generated config output will be stored in given output file.</a:t>
+              <a:rPr lang="en-US" sz="1100" dirty="0"/>
+              <a:t>				                      # Generated config will be stored in given output file.</a:t>
             </a:r>
           </a:p>
         </p:txBody>
@@ -4383,6 +7343,14 @@
 <file path=ppt/slides/slide4.xml><?xml version="1.0" encoding="utf-8"?>
 <p:sld xmlns:a="http://schemas.openxmlformats.org/drawingml/2006/main" xmlns:r="http://schemas.openxmlformats.org/officeDocument/2006/relationships" xmlns:p="http://schemas.openxmlformats.org/presentationml/2006/main">
   <p:cSld>
+    <p:bg>
+      <p:bgPr>
+        <a:solidFill>
+          <a:schemeClr val="bg1"/>
+        </a:solidFill>
+        <a:effectLst/>
+      </p:bgPr>
+    </p:bg>
     <p:spTree>
       <p:nvGrpSpPr>
         <p:cNvPr id="1" name=""/>
@@ -4413,15 +7381,493 @@
             <p:ph type="title"/>
           </p:nvPr>
         </p:nvSpPr>
-        <p:spPr/>
+        <p:spPr>
+          <a:xfrm>
+            <a:off x="1653363" y="365760"/>
+            <a:ext cx="9367203" cy="1188720"/>
+          </a:xfrm>
+        </p:spPr>
         <p:txBody>
-          <a:bodyPr/>
+          <a:bodyPr>
+            <a:normAutofit/>
+          </a:bodyPr>
           <a:lstStyle/>
           <a:p>
             <a:r>
-              <a:rPr lang="en-US" dirty="0"/>
+              <a:rPr lang="en-US"/>
               <a:t>Template Constraints</a:t>
             </a:r>
+            <a:endParaRPr lang="en-US" dirty="0"/>
+          </a:p>
+        </p:txBody>
+      </p:sp>
+      <p:sp>
+        <p:nvSpPr>
+          <p:cNvPr id="16" name="Freeform: Shape 7">
+            <a:extLst>
+              <a:ext uri="{FF2B5EF4-FFF2-40B4-BE49-F238E27FC236}">
+                <a16:creationId xmlns:a16="http://schemas.microsoft.com/office/drawing/2014/main" id="{7CB4857B-ED7C-444D-9F04-2F885114A1C2}"/>
+              </a:ext>
+              <a:ext uri="{C183D7F6-B498-43B3-948B-1728B52AA6E4}">
+                <adec:decorative xmlns:adec="http://schemas.microsoft.com/office/drawing/2017/decorative" val="1"/>
+              </a:ext>
+            </a:extLst>
+          </p:cNvPr>
+          <p:cNvSpPr>
+            <a:spLocks noGrp="1" noRot="1" noChangeAspect="1" noMove="1" noResize="1" noEditPoints="1" noAdjustHandles="1" noChangeArrowheads="1" noChangeShapeType="1" noTextEdit="1"/>
+          </p:cNvSpPr>
+          <p:nvPr>
+            <p:extLst>
+              <p:ext uri="{386F3935-93C4-4BCD-93E2-E3B085C9AB24}">
+                <p16:designElem xmlns:p16="http://schemas.microsoft.com/office/powerpoint/2015/main" val="1"/>
+              </p:ext>
+            </p:extLst>
+          </p:nvPr>
+        </p:nvSpPr>
+        <p:spPr>
+          <a:xfrm>
+            <a:off x="1" y="0"/>
+            <a:ext cx="1764099" cy="1558212"/>
+          </a:xfrm>
+          <a:custGeom>
+            <a:avLst/>
+            <a:gdLst>
+              <a:gd name="connsiteX0" fmla="*/ 0 w 1764099"/>
+              <a:gd name="connsiteY0" fmla="*/ 0 h 1558212"/>
+              <a:gd name="connsiteX1" fmla="*/ 1764099 w 1764099"/>
+              <a:gd name="connsiteY1" fmla="*/ 0 h 1558212"/>
+              <a:gd name="connsiteX2" fmla="*/ 1042087 w 1764099"/>
+              <a:gd name="connsiteY2" fmla="*/ 1558212 h 1558212"/>
+              <a:gd name="connsiteX3" fmla="*/ 0 w 1764099"/>
+              <a:gd name="connsiteY3" fmla="*/ 1558212 h 1558212"/>
+            </a:gdLst>
+            <a:ahLst/>
+            <a:cxnLst>
+              <a:cxn ang="0">
+                <a:pos x="connsiteX0" y="connsiteY0"/>
+              </a:cxn>
+              <a:cxn ang="0">
+                <a:pos x="connsiteX1" y="connsiteY1"/>
+              </a:cxn>
+              <a:cxn ang="0">
+                <a:pos x="connsiteX2" y="connsiteY2"/>
+              </a:cxn>
+              <a:cxn ang="0">
+                <a:pos x="connsiteX3" y="connsiteY3"/>
+              </a:cxn>
+            </a:cxnLst>
+            <a:rect l="l" t="t" r="r" b="b"/>
+            <a:pathLst>
+              <a:path w="1764099" h="1558212">
+                <a:moveTo>
+                  <a:pt x="0" y="0"/>
+                </a:moveTo>
+                <a:lnTo>
+                  <a:pt x="1764099" y="0"/>
+                </a:lnTo>
+                <a:lnTo>
+                  <a:pt x="1042087" y="1558212"/>
+                </a:lnTo>
+                <a:lnTo>
+                  <a:pt x="0" y="1558212"/>
+                </a:lnTo>
+                <a:close/>
+              </a:path>
+            </a:pathLst>
+          </a:custGeom>
+          <a:solidFill>
+            <a:schemeClr val="accent4"/>
+          </a:solidFill>
+          <a:ln>
+            <a:noFill/>
+          </a:ln>
+        </p:spPr>
+        <p:style>
+          <a:lnRef idx="2">
+            <a:schemeClr val="accent1">
+              <a:shade val="50000"/>
+            </a:schemeClr>
+          </a:lnRef>
+          <a:fillRef idx="1">
+            <a:schemeClr val="accent1"/>
+          </a:fillRef>
+          <a:effectRef idx="0">
+            <a:schemeClr val="accent1"/>
+          </a:effectRef>
+          <a:fontRef idx="minor">
+            <a:schemeClr val="lt1"/>
+          </a:fontRef>
+        </p:style>
+        <p:txBody>
+          <a:bodyPr wrap="square" rtlCol="0" anchor="ctr">
+            <a:noAutofit/>
+          </a:bodyPr>
+          <a:lstStyle/>
+          <a:p>
+            <a:pPr algn="ctr"/>
+            <a:endParaRPr lang="en-US"/>
+          </a:p>
+        </p:txBody>
+      </p:sp>
+      <p:sp>
+        <p:nvSpPr>
+          <p:cNvPr id="17" name="Freeform: Shape 9">
+            <a:extLst>
+              <a:ext uri="{FF2B5EF4-FFF2-40B4-BE49-F238E27FC236}">
+                <a16:creationId xmlns:a16="http://schemas.microsoft.com/office/drawing/2014/main" id="{D18046FB-44EA-4FD8-A585-EA09A319B2D0}"/>
+              </a:ext>
+              <a:ext uri="{C183D7F6-B498-43B3-948B-1728B52AA6E4}">
+                <adec:decorative xmlns:adec="http://schemas.microsoft.com/office/drawing/2017/decorative" val="1"/>
+              </a:ext>
+            </a:extLst>
+          </p:cNvPr>
+          <p:cNvSpPr>
+            <a:spLocks noGrp="1" noRot="1" noChangeAspect="1" noMove="1" noResize="1" noEditPoints="1" noAdjustHandles="1" noChangeArrowheads="1" noChangeShapeType="1" noTextEdit="1"/>
+          </p:cNvSpPr>
+          <p:nvPr>
+            <p:extLst>
+              <p:ext uri="{386F3935-93C4-4BCD-93E2-E3B085C9AB24}">
+                <p16:designElem xmlns:p16="http://schemas.microsoft.com/office/powerpoint/2015/main" val="1"/>
+              </p:ext>
+            </p:extLst>
+          </p:nvPr>
+        </p:nvSpPr>
+        <p:spPr>
+          <a:xfrm>
+            <a:off x="1" y="1691640"/>
+            <a:ext cx="12191999" cy="5166360"/>
+          </a:xfrm>
+          <a:custGeom>
+            <a:avLst/>
+            <a:gdLst>
+              <a:gd name="connsiteX0" fmla="*/ 0 w 12191999"/>
+              <a:gd name="connsiteY0" fmla="*/ 0 h 5166360"/>
+              <a:gd name="connsiteX1" fmla="*/ 1822388 w 12191999"/>
+              <a:gd name="connsiteY1" fmla="*/ 0 h 5166360"/>
+              <a:gd name="connsiteX2" fmla="*/ 6468290 w 12191999"/>
+              <a:gd name="connsiteY2" fmla="*/ 0 h 5166360"/>
+              <a:gd name="connsiteX3" fmla="*/ 7796394 w 12191999"/>
+              <a:gd name="connsiteY3" fmla="*/ 0 h 5166360"/>
+              <a:gd name="connsiteX4" fmla="*/ 8376834 w 12191999"/>
+              <a:gd name="connsiteY4" fmla="*/ 0 h 5166360"/>
+              <a:gd name="connsiteX5" fmla="*/ 9704938 w 12191999"/>
+              <a:gd name="connsiteY5" fmla="*/ 0 h 5166360"/>
+              <a:gd name="connsiteX6" fmla="*/ 9704938 w 12191999"/>
+              <a:gd name="connsiteY6" fmla="*/ 2 h 5166360"/>
+              <a:gd name="connsiteX7" fmla="*/ 10283456 w 12191999"/>
+              <a:gd name="connsiteY7" fmla="*/ 2 h 5166360"/>
+              <a:gd name="connsiteX8" fmla="*/ 10863897 w 12191999"/>
+              <a:gd name="connsiteY8" fmla="*/ 2 h 5166360"/>
+              <a:gd name="connsiteX9" fmla="*/ 12191999 w 12191999"/>
+              <a:gd name="connsiteY9" fmla="*/ 2 h 5166360"/>
+              <a:gd name="connsiteX10" fmla="*/ 12191999 w 12191999"/>
+              <a:gd name="connsiteY10" fmla="*/ 5166360 h 5166360"/>
+              <a:gd name="connsiteX11" fmla="*/ 0 w 12191999"/>
+              <a:gd name="connsiteY11" fmla="*/ 5166360 h 5166360"/>
+              <a:gd name="connsiteX12" fmla="*/ 0 w 12191999"/>
+              <a:gd name="connsiteY12" fmla="*/ 2604436 h 5166360"/>
+              <a:gd name="connsiteX13" fmla="*/ 862341 w 12191999"/>
+              <a:gd name="connsiteY13" fmla="*/ 743371 h 5166360"/>
+              <a:gd name="connsiteX14" fmla="*/ 0 w 12191999"/>
+              <a:gd name="connsiteY14" fmla="*/ 743371 h 5166360"/>
+              <a:gd name="connsiteX15" fmla="*/ 0 w 12191999"/>
+              <a:gd name="connsiteY15" fmla="*/ 742508 h 5166360"/>
+              <a:gd name="connsiteX16" fmla="*/ 92826 w 12191999"/>
+              <a:gd name="connsiteY16" fmla="*/ 742508 h 5166360"/>
+              <a:gd name="connsiteX17" fmla="*/ 406486 w 12191999"/>
+              <a:gd name="connsiteY17" fmla="*/ 742508 h 5166360"/>
+              <a:gd name="connsiteX18" fmla="*/ 406486 w 12191999"/>
+              <a:gd name="connsiteY18" fmla="*/ 742507 h 5166360"/>
+              <a:gd name="connsiteX19" fmla="*/ 862741 w 12191999"/>
+              <a:gd name="connsiteY19" fmla="*/ 742507 h 5166360"/>
+              <a:gd name="connsiteX20" fmla="*/ 1206388 w 12191999"/>
+              <a:gd name="connsiteY20" fmla="*/ 864 h 5166360"/>
+              <a:gd name="connsiteX21" fmla="*/ 748500 w 12191999"/>
+              <a:gd name="connsiteY21" fmla="*/ 864 h 5166360"/>
+              <a:gd name="connsiteX22" fmla="*/ 0 w 12191999"/>
+              <a:gd name="connsiteY22" fmla="*/ 864 h 5166360"/>
+            </a:gdLst>
+            <a:ahLst/>
+            <a:cxnLst>
+              <a:cxn ang="0">
+                <a:pos x="connsiteX0" y="connsiteY0"/>
+              </a:cxn>
+              <a:cxn ang="0">
+                <a:pos x="connsiteX1" y="connsiteY1"/>
+              </a:cxn>
+              <a:cxn ang="0">
+                <a:pos x="connsiteX2" y="connsiteY2"/>
+              </a:cxn>
+              <a:cxn ang="0">
+                <a:pos x="connsiteX3" y="connsiteY3"/>
+              </a:cxn>
+              <a:cxn ang="0">
+                <a:pos x="connsiteX4" y="connsiteY4"/>
+              </a:cxn>
+              <a:cxn ang="0">
+                <a:pos x="connsiteX5" y="connsiteY5"/>
+              </a:cxn>
+              <a:cxn ang="0">
+                <a:pos x="connsiteX6" y="connsiteY6"/>
+              </a:cxn>
+              <a:cxn ang="0">
+                <a:pos x="connsiteX7" y="connsiteY7"/>
+              </a:cxn>
+              <a:cxn ang="0">
+                <a:pos x="connsiteX8" y="connsiteY8"/>
+              </a:cxn>
+              <a:cxn ang="0">
+                <a:pos x="connsiteX9" y="connsiteY9"/>
+              </a:cxn>
+              <a:cxn ang="0">
+                <a:pos x="connsiteX10" y="connsiteY10"/>
+              </a:cxn>
+              <a:cxn ang="0">
+                <a:pos x="connsiteX11" y="connsiteY11"/>
+              </a:cxn>
+              <a:cxn ang="0">
+                <a:pos x="connsiteX12" y="connsiteY12"/>
+              </a:cxn>
+              <a:cxn ang="0">
+                <a:pos x="connsiteX13" y="connsiteY13"/>
+              </a:cxn>
+              <a:cxn ang="0">
+                <a:pos x="connsiteX14" y="connsiteY14"/>
+              </a:cxn>
+              <a:cxn ang="0">
+                <a:pos x="connsiteX15" y="connsiteY15"/>
+              </a:cxn>
+              <a:cxn ang="0">
+                <a:pos x="connsiteX16" y="connsiteY16"/>
+              </a:cxn>
+              <a:cxn ang="0">
+                <a:pos x="connsiteX17" y="connsiteY17"/>
+              </a:cxn>
+              <a:cxn ang="0">
+                <a:pos x="connsiteX18" y="connsiteY18"/>
+              </a:cxn>
+              <a:cxn ang="0">
+                <a:pos x="connsiteX19" y="connsiteY19"/>
+              </a:cxn>
+              <a:cxn ang="0">
+                <a:pos x="connsiteX20" y="connsiteY20"/>
+              </a:cxn>
+              <a:cxn ang="0">
+                <a:pos x="connsiteX21" y="connsiteY21"/>
+              </a:cxn>
+              <a:cxn ang="0">
+                <a:pos x="connsiteX22" y="connsiteY22"/>
+              </a:cxn>
+            </a:cxnLst>
+            <a:rect l="l" t="t" r="r" b="b"/>
+            <a:pathLst>
+              <a:path w="12191999" h="5166360">
+                <a:moveTo>
+                  <a:pt x="0" y="0"/>
+                </a:moveTo>
+                <a:lnTo>
+                  <a:pt x="1822388" y="0"/>
+                </a:lnTo>
+                <a:lnTo>
+                  <a:pt x="6468290" y="0"/>
+                </a:lnTo>
+                <a:lnTo>
+                  <a:pt x="7796394" y="0"/>
+                </a:lnTo>
+                <a:lnTo>
+                  <a:pt x="8376834" y="0"/>
+                </a:lnTo>
+                <a:lnTo>
+                  <a:pt x="9704938" y="0"/>
+                </a:lnTo>
+                <a:lnTo>
+                  <a:pt x="9704938" y="2"/>
+                </a:lnTo>
+                <a:lnTo>
+                  <a:pt x="10283456" y="2"/>
+                </a:lnTo>
+                <a:lnTo>
+                  <a:pt x="10863897" y="2"/>
+                </a:lnTo>
+                <a:lnTo>
+                  <a:pt x="12191999" y="2"/>
+                </a:lnTo>
+                <a:lnTo>
+                  <a:pt x="12191999" y="5166360"/>
+                </a:lnTo>
+                <a:lnTo>
+                  <a:pt x="0" y="5166360"/>
+                </a:lnTo>
+                <a:lnTo>
+                  <a:pt x="0" y="2604436"/>
+                </a:lnTo>
+                <a:lnTo>
+                  <a:pt x="862341" y="743371"/>
+                </a:lnTo>
+                <a:lnTo>
+                  <a:pt x="0" y="743371"/>
+                </a:lnTo>
+                <a:lnTo>
+                  <a:pt x="0" y="742508"/>
+                </a:lnTo>
+                <a:lnTo>
+                  <a:pt x="92826" y="742508"/>
+                </a:lnTo>
+                <a:lnTo>
+                  <a:pt x="406486" y="742508"/>
+                </a:lnTo>
+                <a:lnTo>
+                  <a:pt x="406486" y="742507"/>
+                </a:lnTo>
+                <a:lnTo>
+                  <a:pt x="862741" y="742507"/>
+                </a:lnTo>
+                <a:lnTo>
+                  <a:pt x="1206388" y="864"/>
+                </a:lnTo>
+                <a:lnTo>
+                  <a:pt x="748500" y="864"/>
+                </a:lnTo>
+                <a:lnTo>
+                  <a:pt x="0" y="864"/>
+                </a:lnTo>
+                <a:close/>
+              </a:path>
+            </a:pathLst>
+          </a:custGeom>
+          <a:solidFill>
+            <a:srgbClr val="A6A6A6">
+              <a:alpha val="49804"/>
+            </a:srgbClr>
+          </a:solidFill>
+          <a:ln>
+            <a:noFill/>
+          </a:ln>
+        </p:spPr>
+        <p:style>
+          <a:lnRef idx="2">
+            <a:schemeClr val="accent1">
+              <a:shade val="50000"/>
+            </a:schemeClr>
+          </a:lnRef>
+          <a:fillRef idx="1">
+            <a:schemeClr val="accent1"/>
+          </a:fillRef>
+          <a:effectRef idx="0">
+            <a:schemeClr val="accent1"/>
+          </a:effectRef>
+          <a:fontRef idx="minor">
+            <a:schemeClr val="lt1"/>
+          </a:fontRef>
+        </p:style>
+        <p:txBody>
+          <a:bodyPr wrap="square" rtlCol="0" anchor="ctr">
+            <a:noAutofit/>
+          </a:bodyPr>
+          <a:lstStyle/>
+          <a:p>
+            <a:pPr algn="ctr"/>
+            <a:endParaRPr lang="en-US"/>
+          </a:p>
+        </p:txBody>
+      </p:sp>
+      <p:sp>
+        <p:nvSpPr>
+          <p:cNvPr id="18" name="Freeform: Shape 11">
+            <a:extLst>
+              <a:ext uri="{FF2B5EF4-FFF2-40B4-BE49-F238E27FC236}">
+                <a16:creationId xmlns:a16="http://schemas.microsoft.com/office/drawing/2014/main" id="{479F5F2B-8B58-4140-AE6A-51F6C67B18D9}"/>
+              </a:ext>
+              <a:ext uri="{C183D7F6-B498-43B3-948B-1728B52AA6E4}">
+                <adec:decorative xmlns:adec="http://schemas.microsoft.com/office/drawing/2017/decorative" val="1"/>
+              </a:ext>
+            </a:extLst>
+          </p:cNvPr>
+          <p:cNvSpPr>
+            <a:spLocks noGrp="1" noRot="1" noChangeAspect="1" noMove="1" noResize="1" noEditPoints="1" noAdjustHandles="1" noChangeArrowheads="1" noChangeShapeType="1" noTextEdit="1"/>
+          </p:cNvSpPr>
+          <p:nvPr>
+            <p:extLst>
+              <p:ext uri="{386F3935-93C4-4BCD-93E2-E3B085C9AB24}">
+                <p16:designElem xmlns:p16="http://schemas.microsoft.com/office/powerpoint/2015/main" val="1"/>
+              </p:ext>
+            </p:extLst>
+          </p:nvPr>
+        </p:nvSpPr>
+        <p:spPr>
+          <a:xfrm>
+            <a:off x="0" y="1691641"/>
+            <a:ext cx="971654" cy="2096979"/>
+          </a:xfrm>
+          <a:custGeom>
+            <a:avLst/>
+            <a:gdLst>
+              <a:gd name="connsiteX0" fmla="*/ 0 w 971654"/>
+              <a:gd name="connsiteY0" fmla="*/ 0 h 2096979"/>
+              <a:gd name="connsiteX1" fmla="*/ 971654 w 971654"/>
+              <a:gd name="connsiteY1" fmla="*/ 0 h 2096979"/>
+              <a:gd name="connsiteX2" fmla="*/ 0 w 971654"/>
+              <a:gd name="connsiteY2" fmla="*/ 2096979 h 2096979"/>
+            </a:gdLst>
+            <a:ahLst/>
+            <a:cxnLst>
+              <a:cxn ang="0">
+                <a:pos x="connsiteX0" y="connsiteY0"/>
+              </a:cxn>
+              <a:cxn ang="0">
+                <a:pos x="connsiteX1" y="connsiteY1"/>
+              </a:cxn>
+              <a:cxn ang="0">
+                <a:pos x="connsiteX2" y="connsiteY2"/>
+              </a:cxn>
+            </a:cxnLst>
+            <a:rect l="l" t="t" r="r" b="b"/>
+            <a:pathLst>
+              <a:path w="971654" h="2096979">
+                <a:moveTo>
+                  <a:pt x="0" y="0"/>
+                </a:moveTo>
+                <a:lnTo>
+                  <a:pt x="971654" y="0"/>
+                </a:lnTo>
+                <a:lnTo>
+                  <a:pt x="0" y="2096979"/>
+                </a:lnTo>
+                <a:close/>
+              </a:path>
+            </a:pathLst>
+          </a:custGeom>
+          <a:solidFill>
+            <a:srgbClr val="404040"/>
+          </a:solidFill>
+          <a:ln>
+            <a:noFill/>
+          </a:ln>
+        </p:spPr>
+        <p:style>
+          <a:lnRef idx="2">
+            <a:schemeClr val="accent1">
+              <a:shade val="50000"/>
+            </a:schemeClr>
+          </a:lnRef>
+          <a:fillRef idx="1">
+            <a:schemeClr val="accent1"/>
+          </a:fillRef>
+          <a:effectRef idx="0">
+            <a:schemeClr val="accent1"/>
+          </a:effectRef>
+          <a:fontRef idx="minor">
+            <a:schemeClr val="lt1"/>
+          </a:fontRef>
+        </p:style>
+        <p:txBody>
+          <a:bodyPr wrap="square" rtlCol="0" anchor="ctr">
+            <a:noAutofit/>
+          </a:bodyPr>
+          <a:lstStyle/>
+          <a:p>
+            <a:pPr algn="ctr"/>
+            <a:endParaRPr lang="en-US"/>
           </a:p>
         </p:txBody>
       </p:sp>
@@ -4443,22 +7889,18 @@
         </p:nvSpPr>
         <p:spPr>
           <a:xfrm>
-            <a:off x="838200" y="1842403"/>
-            <a:ext cx="10515600" cy="4583564"/>
+            <a:off x="1199626" y="1695372"/>
+            <a:ext cx="9820941" cy="5162628"/>
           </a:xfrm>
         </p:spPr>
         <p:txBody>
-          <a:bodyPr>
-            <a:normAutofit lnSpcReduction="10000"/>
+          <a:bodyPr anchor="t">
+            <a:noAutofit/>
           </a:bodyPr>
           <a:lstStyle/>
           <a:p>
             <a:r>
-              <a:rPr lang="en-US" sz="2000" dirty="0">
-                <a:solidFill>
-                  <a:srgbClr val="00B050"/>
-                </a:solidFill>
-              </a:rPr>
+              <a:rPr lang="en-US" sz="1100" dirty="0"/>
               <a:t>Guidelines on preparing Template</a:t>
             </a:r>
           </a:p>
@@ -4467,33 +7909,21 @@
               <a:buNone/>
             </a:pPr>
             <a:r>
-              <a:rPr lang="en-US" sz="1200" b="1" u="sng" dirty="0">
-                <a:solidFill>
-                  <a:srgbClr val="7030A0"/>
-                </a:solidFill>
-              </a:rPr>
+              <a:rPr lang="en-US" sz="1100" b="1" u="sng" dirty="0"/>
               <a:t>1.  VARIABLE REPLACEMENTS</a:t>
             </a:r>
           </a:p>
           <a:p>
             <a:pPr lvl="1"/>
             <a:r>
-              <a:rPr lang="en-US" sz="1200" dirty="0">
-                <a:solidFill>
-                  <a:srgbClr val="00B0F0"/>
-                </a:solidFill>
-              </a:rPr>
+              <a:rPr lang="en-US" sz="1100" dirty="0"/>
               <a:t>Variables (“FIND” column ) found on ‘var’ tab of facts file, will get replaced with its value in template.  </a:t>
             </a:r>
           </a:p>
           <a:p>
             <a:pPr lvl="1"/>
             <a:r>
-              <a:rPr lang="en-US" sz="1200" dirty="0">
-                <a:solidFill>
-                  <a:srgbClr val="00B0F0"/>
-                </a:solidFill>
-              </a:rPr>
+              <a:rPr lang="en-US" sz="1100" dirty="0"/>
               <a:t>Variables (Column Header) found on ‘tables’ tab of facts file, will get replaced with one of its value ( during iteration ). </a:t>
             </a:r>
           </a:p>
@@ -4502,11 +7932,7 @@
               <a:buNone/>
             </a:pPr>
             <a:r>
-              <a:rPr lang="en-US" sz="1200" dirty="0">
-                <a:solidFill>
-                  <a:srgbClr val="00B0F0"/>
-                </a:solidFill>
-              </a:rPr>
+              <a:rPr lang="en-US" sz="1100" dirty="0"/>
               <a:t>So Template should be updated according (as necessary) to match with the variables defined in “var” and  “tables” tab columns.</a:t>
             </a:r>
           </a:p>
@@ -4514,34 +7940,34 @@
             <a:pPr marL="457200" lvl="1" indent="0">
               <a:buNone/>
             </a:pPr>
-            <a:endParaRPr lang="en-US" sz="1200" b="1" u="sng" dirty="0">
-              <a:solidFill>
-                <a:srgbClr val="00B0F0"/>
-              </a:solidFill>
-            </a:endParaRPr>
+            <a:endParaRPr lang="en-US" sz="1100" b="1" u="sng" dirty="0"/>
           </a:p>
           <a:p>
             <a:pPr marL="457200" lvl="1" indent="0">
               <a:buNone/>
             </a:pPr>
             <a:r>
-              <a:rPr lang="en-US" sz="1200" b="1" u="sng" dirty="0">
-                <a:solidFill>
-                  <a:srgbClr val="7030A0"/>
-                </a:solidFill>
-              </a:rPr>
+              <a:rPr lang="en-US" sz="1100" b="1" u="sng" dirty="0"/>
               <a:t>2. CONDITIONAL BLOCK</a:t>
             </a:r>
           </a:p>
           <a:p>
             <a:pPr lvl="1"/>
             <a:r>
-              <a:rPr lang="en-US" sz="1200" dirty="0">
-                <a:solidFill>
-                  <a:srgbClr val="00B0F0"/>
-                </a:solidFill>
-              </a:rPr>
-              <a:t>Conditional block can be started with a line starting with “GOAHEAD FOR &lt;condition&gt;”</a:t>
+              <a:rPr lang="en-US" sz="1100" dirty="0"/>
+              <a:t>Conditional block can be started with a line starting with “</a:t>
+            </a:r>
+            <a:r>
+              <a:rPr lang="en-US" sz="1100" dirty="0">
+                <a:highlight>
+                  <a:srgbClr val="00FF00"/>
+                </a:highlight>
+              </a:rPr>
+              <a:t>GOAHEAD FOR &lt;condition&gt;</a:t>
+            </a:r>
+            <a:r>
+              <a:rPr lang="en-US" sz="1100" dirty="0"/>
+              <a:t>”</a:t>
             </a:r>
           </a:p>
           <a:p>
@@ -4549,45 +7975,69 @@
               <a:buNone/>
             </a:pPr>
             <a:r>
-              <a:rPr lang="en-US" sz="1200" dirty="0">
-                <a:solidFill>
-                  <a:srgbClr val="00B0F0"/>
-                </a:solidFill>
-              </a:rPr>
-              <a:t>Where,  &lt;condition&gt; can be a single match condition or multiple matches ( either &amp; or | )</a:t>
+              <a:rPr lang="en-US" sz="1100" dirty="0"/>
+              <a:t>Where,  &lt;condition&gt; can be a single match condition or multiple matches ( either </a:t>
+            </a:r>
+            <a:r>
+              <a:rPr lang="en-US" sz="1100" b="1" dirty="0"/>
+              <a:t>&amp;</a:t>
+            </a:r>
+            <a:r>
+              <a:rPr lang="en-US" sz="1100" dirty="0"/>
+              <a:t> or </a:t>
+            </a:r>
+            <a:r>
+              <a:rPr lang="en-US" sz="1100" b="1" dirty="0"/>
+              <a:t>|</a:t>
+            </a:r>
+            <a:r>
+              <a:rPr lang="en-US" sz="1100" dirty="0"/>
+              <a:t> )</a:t>
             </a:r>
           </a:p>
           <a:p>
             <a:pPr lvl="1"/>
             <a:r>
-              <a:rPr lang="en-US" sz="1200" dirty="0">
-                <a:solidFill>
-                  <a:srgbClr val="00B0F0"/>
-                </a:solidFill>
-              </a:rPr>
+              <a:rPr lang="en-US" sz="1100" dirty="0"/>
               <a:t>each condition should be defined within bracket ().</a:t>
             </a:r>
           </a:p>
           <a:p>
             <a:pPr lvl="1"/>
             <a:r>
-              <a:rPr lang="en-US" sz="1200" dirty="0">
-                <a:solidFill>
-                  <a:srgbClr val="00B0F0"/>
-                </a:solidFill>
-              </a:rPr>
-              <a:t>Each conditions left portion denotes variable to be match in fact file, and right portion  denotes value to be match with the variable.</a:t>
+              <a:rPr lang="en-US" sz="1100" dirty="0"/>
+              <a:t>Each conditions </a:t>
+            </a:r>
+            <a:r>
+              <a:rPr lang="en-US" sz="1100" u="sng" dirty="0"/>
+              <a:t>left portion denotes variable </a:t>
+            </a:r>
+            <a:r>
+              <a:rPr lang="en-US" sz="1100" dirty="0"/>
+              <a:t>to be match in fact file, and </a:t>
+            </a:r>
+            <a:r>
+              <a:rPr lang="en-US" sz="1100" u="sng" dirty="0"/>
+              <a:t>right portion  denotes value</a:t>
+            </a:r>
+            <a:r>
+              <a:rPr lang="en-US" sz="1100" dirty="0"/>
+              <a:t> to be match with the variable.</a:t>
             </a:r>
           </a:p>
           <a:p>
             <a:pPr lvl="1"/>
             <a:r>
-              <a:rPr lang="en-US" sz="1200" dirty="0">
-                <a:solidFill>
-                  <a:srgbClr val="00B0F0"/>
-                </a:solidFill>
-              </a:rPr>
-              <a:t>Conditional operators allowed are = (  "%2==", "%2!=", " ==", " !=", "&gt;=", "&lt;=", "&gt; ", "&lt; “  )</a:t>
+              <a:rPr lang="en-US" sz="1100" dirty="0"/>
+              <a:t>Conditional operators allowed are = (  </a:t>
+            </a:r>
+            <a:r>
+              <a:rPr lang="en-US" sz="1100" b="1" dirty="0"/>
+              <a:t>"%2==", "%2!=", " ==", " !=", "&gt;=", "&lt;=", "&gt; ", "&lt; “  </a:t>
+            </a:r>
+            <a:r>
+              <a:rPr lang="en-US" sz="1100" dirty="0"/>
+              <a:t>)</a:t>
             </a:r>
           </a:p>
           <a:p>
@@ -4595,18 +8045,11 @@
               <a:buNone/>
             </a:pPr>
             <a:r>
-              <a:rPr lang="en-US" sz="1200" dirty="0">
-                <a:solidFill>
-                  <a:srgbClr val="00B0F0"/>
-                </a:solidFill>
-              </a:rPr>
+              <a:rPr lang="en-US" sz="1100" dirty="0"/>
               <a:t>	"%2==", "%2!=“  </a:t>
             </a:r>
             <a:r>
-              <a:rPr lang="en-US" sz="1200" dirty="0">
-                <a:solidFill>
-                  <a:srgbClr val="00B0F0"/>
-                </a:solidFill>
+              <a:rPr lang="en-US" sz="1100" dirty="0">
                 <a:sym typeface="Wingdings" panose="05000000000000000000" pitchFamily="2" charset="2"/>
               </a:rPr>
               <a:t> these are useful for matching odd / even number matching</a:t>
@@ -4617,115 +8060,86 @@
               <a:buNone/>
             </a:pPr>
             <a:r>
-              <a:rPr lang="en-US" sz="1200" dirty="0">
-                <a:solidFill>
-                  <a:srgbClr val="00B0F0"/>
-                </a:solidFill>
+              <a:rPr lang="en-US" sz="1100" dirty="0">
                 <a:sym typeface="Wingdings" panose="05000000000000000000" pitchFamily="2" charset="2"/>
               </a:rPr>
-              <a:t>	Others are self explanatory :  is equal to , not equal to,  </a:t>
-            </a:r>
-            <a:r>
-              <a:rPr lang="en-US" sz="1200" dirty="0" err="1">
-                <a:solidFill>
-                  <a:srgbClr val="00B0F0"/>
-                </a:solidFill>
+              <a:t>	Others are self explanatory:  is equal to , not equal to,  greater or equal, less or equal,  less than, greater than</a:t>
+            </a:r>
+          </a:p>
+          <a:p>
+            <a:pPr marL="457200" lvl="1" indent="0">
+              <a:buNone/>
+            </a:pPr>
+            <a:r>
+              <a:rPr lang="en-US" sz="1100" dirty="0">
                 <a:sym typeface="Wingdings" panose="05000000000000000000" pitchFamily="2" charset="2"/>
               </a:rPr>
-              <a:t>greter</a:t>
-            </a:r>
-            <a:r>
-              <a:rPr lang="en-US" sz="1200" dirty="0">
-                <a:solidFill>
-                  <a:srgbClr val="00B0F0"/>
-                </a:solidFill>
-                <a:sym typeface="Wingdings" panose="05000000000000000000" pitchFamily="2" charset="2"/>
-              </a:rPr>
-              <a:t> or equal, less or equal,  less than, greater than</a:t>
-            </a:r>
+              <a:t>	string condition value should be mentioned within “” (inverted commas), numeric value should be mentioned direct (ex: 2005)</a:t>
+            </a:r>
+          </a:p>
+          <a:p>
+            <a:pPr lvl="1"/>
+            <a:r>
+              <a:rPr lang="en-US" sz="1100" dirty="0"/>
+              <a:t>In case if provided condition matches more than one record on database, very first matching row will be considered and used.</a:t>
+            </a:r>
+          </a:p>
+          <a:p>
+            <a:pPr lvl="1"/>
+            <a:r>
+              <a:rPr lang="en-US" sz="1100" dirty="0"/>
+              <a:t>Conditional block should end with a line starting with “</a:t>
+            </a:r>
+            <a:r>
+              <a:rPr lang="en-US" sz="1100" dirty="0">
+                <a:highlight>
+                  <a:srgbClr val="00FF00"/>
+                </a:highlight>
+              </a:rPr>
+              <a:t>GOAHEAD END</a:t>
+            </a:r>
+            <a:r>
+              <a:rPr lang="en-US" sz="1100" dirty="0"/>
+              <a:t>”</a:t>
+            </a:r>
+          </a:p>
+          <a:p>
+            <a:pPr lvl="1"/>
+            <a:r>
+              <a:rPr lang="en-US" sz="1100" dirty="0"/>
+              <a:t>There must be a requirement to have conditional block end correspond to start, otherwise undesired result may produce.</a:t>
+            </a:r>
+          </a:p>
+          <a:p>
+            <a:pPr lvl="1"/>
+            <a:r>
+              <a:rPr lang="en-US" sz="1100" dirty="0"/>
+              <a:t>Nested conditional blocks are permitted.</a:t>
+            </a:r>
+          </a:p>
+          <a:p>
+            <a:pPr lvl="1"/>
+            <a:r>
+              <a:rPr lang="en-US" sz="1100" dirty="0"/>
+              <a:t>Nesting of Conditional block  and repetitive block inside each other also permitted.</a:t>
+            </a:r>
+          </a:p>
+          <a:p>
+            <a:pPr lvl="1"/>
+            <a:endParaRPr lang="en-US" sz="1100" dirty="0"/>
           </a:p>
           <a:p>
             <a:pPr marL="457200" lvl="1" indent="0">
               <a:buNone/>
             </a:pPr>
             <a:r>
-              <a:rPr lang="en-US" sz="1200" dirty="0">
-                <a:solidFill>
-                  <a:srgbClr val="00B0F0"/>
-                </a:solidFill>
-                <a:sym typeface="Wingdings" panose="05000000000000000000" pitchFamily="2" charset="2"/>
-              </a:rPr>
-              <a:t>	string condition value should be mentioned within “” (inverted commas), numeric value should be mentioned direct (ex: 2005)</a:t>
+              <a:rPr lang="en-US" sz="1100" dirty="0"/>
+              <a:t>Continue…</a:t>
             </a:r>
           </a:p>
           <a:p>
             <a:pPr lvl="1"/>
-            <a:r>
-              <a:rPr lang="en-US" sz="1200" dirty="0">
-                <a:solidFill>
-                  <a:srgbClr val="00B0F0"/>
-                </a:solidFill>
-              </a:rPr>
-              <a:t>In case if provided condition matches more than one record on database, very first matching row will be considered and used.</a:t>
-            </a:r>
-          </a:p>
-          <a:p>
-            <a:pPr lvl="1"/>
-            <a:r>
-              <a:rPr lang="en-US" sz="1200" dirty="0">
-                <a:solidFill>
-                  <a:srgbClr val="00B0F0"/>
-                </a:solidFill>
-              </a:rPr>
-              <a:t>Conditional block should ends with a line starting with “GOAHEAD END”</a:t>
-            </a:r>
-          </a:p>
-          <a:p>
-            <a:pPr lvl="1"/>
-            <a:r>
-              <a:rPr lang="en-US" sz="1200" dirty="0">
-                <a:solidFill>
-                  <a:srgbClr val="00B0F0"/>
-                </a:solidFill>
-              </a:rPr>
-              <a:t>There must be a requirement to have conditional block end correspond to start, otherwise undesired result may produce.</a:t>
-            </a:r>
-          </a:p>
-          <a:p>
-            <a:pPr lvl="1"/>
-            <a:r>
-              <a:rPr lang="en-US" sz="1200" dirty="0">
-                <a:solidFill>
-                  <a:srgbClr val="00B0F0"/>
-                </a:solidFill>
-              </a:rPr>
-              <a:t>Nested conditional blocks are permitted.</a:t>
-            </a:r>
-          </a:p>
-          <a:p>
-            <a:pPr lvl="1"/>
-            <a:endParaRPr lang="en-US" sz="1200" dirty="0">
-              <a:solidFill>
-                <a:srgbClr val="00B0F0"/>
-              </a:solidFill>
-            </a:endParaRPr>
-          </a:p>
-          <a:p>
-            <a:pPr marL="457200" lvl="1" indent="0">
-              <a:buNone/>
-            </a:pPr>
-            <a:r>
-              <a:rPr lang="en-US" sz="1200" dirty="0"/>
-              <a:t>Continue…</a:t>
-            </a:r>
-          </a:p>
-          <a:p>
-            <a:pPr lvl="1"/>
-            <a:endParaRPr lang="en-US" sz="1200" dirty="0">
-              <a:solidFill>
-                <a:srgbClr val="00B0F0"/>
-              </a:solidFill>
-            </a:endParaRPr>
+            <a:endParaRPr lang="en-US" sz="1100" dirty="0"/>
           </a:p>
         </p:txBody>
       </p:sp>
@@ -4745,6 +8159,14 @@
 <file path=ppt/slides/slide5.xml><?xml version="1.0" encoding="utf-8"?>
 <p:sld xmlns:a="http://schemas.openxmlformats.org/drawingml/2006/main" xmlns:r="http://schemas.openxmlformats.org/officeDocument/2006/relationships" xmlns:p="http://schemas.openxmlformats.org/presentationml/2006/main">
   <p:cSld>
+    <p:bg>
+      <p:bgPr>
+        <a:solidFill>
+          <a:schemeClr val="bg1"/>
+        </a:solidFill>
+        <a:effectLst/>
+      </p:bgPr>
+    </p:bg>
     <p:spTree>
       <p:nvGrpSpPr>
         <p:cNvPr id="1" name=""/>
@@ -4775,15 +8197,492 @@
             <p:ph type="title"/>
           </p:nvPr>
         </p:nvSpPr>
-        <p:spPr/>
+        <p:spPr>
+          <a:xfrm>
+            <a:off x="1653363" y="365760"/>
+            <a:ext cx="9367203" cy="1188720"/>
+          </a:xfrm>
+        </p:spPr>
         <p:txBody>
-          <a:bodyPr/>
+          <a:bodyPr>
+            <a:normAutofit/>
+          </a:bodyPr>
           <a:lstStyle/>
           <a:p>
             <a:r>
               <a:rPr lang="en-US" dirty="0"/>
               <a:t>Template Constraints</a:t>
             </a:r>
+          </a:p>
+        </p:txBody>
+      </p:sp>
+      <p:sp>
+        <p:nvSpPr>
+          <p:cNvPr id="14" name="Freeform: Shape 7">
+            <a:extLst>
+              <a:ext uri="{FF2B5EF4-FFF2-40B4-BE49-F238E27FC236}">
+                <a16:creationId xmlns:a16="http://schemas.microsoft.com/office/drawing/2014/main" id="{7CB4857B-ED7C-444D-9F04-2F885114A1C2}"/>
+              </a:ext>
+              <a:ext uri="{C183D7F6-B498-43B3-948B-1728B52AA6E4}">
+                <adec:decorative xmlns:adec="http://schemas.microsoft.com/office/drawing/2017/decorative" val="1"/>
+              </a:ext>
+            </a:extLst>
+          </p:cNvPr>
+          <p:cNvSpPr>
+            <a:spLocks noGrp="1" noRot="1" noChangeAspect="1" noMove="1" noResize="1" noEditPoints="1" noAdjustHandles="1" noChangeArrowheads="1" noChangeShapeType="1" noTextEdit="1"/>
+          </p:cNvSpPr>
+          <p:nvPr>
+            <p:extLst>
+              <p:ext uri="{386F3935-93C4-4BCD-93E2-E3B085C9AB24}">
+                <p16:designElem xmlns:p16="http://schemas.microsoft.com/office/powerpoint/2015/main" val="1"/>
+              </p:ext>
+            </p:extLst>
+          </p:nvPr>
+        </p:nvSpPr>
+        <p:spPr>
+          <a:xfrm>
+            <a:off x="1" y="0"/>
+            <a:ext cx="1764099" cy="1558212"/>
+          </a:xfrm>
+          <a:custGeom>
+            <a:avLst/>
+            <a:gdLst>
+              <a:gd name="connsiteX0" fmla="*/ 0 w 1764099"/>
+              <a:gd name="connsiteY0" fmla="*/ 0 h 1558212"/>
+              <a:gd name="connsiteX1" fmla="*/ 1764099 w 1764099"/>
+              <a:gd name="connsiteY1" fmla="*/ 0 h 1558212"/>
+              <a:gd name="connsiteX2" fmla="*/ 1042087 w 1764099"/>
+              <a:gd name="connsiteY2" fmla="*/ 1558212 h 1558212"/>
+              <a:gd name="connsiteX3" fmla="*/ 0 w 1764099"/>
+              <a:gd name="connsiteY3" fmla="*/ 1558212 h 1558212"/>
+            </a:gdLst>
+            <a:ahLst/>
+            <a:cxnLst>
+              <a:cxn ang="0">
+                <a:pos x="connsiteX0" y="connsiteY0"/>
+              </a:cxn>
+              <a:cxn ang="0">
+                <a:pos x="connsiteX1" y="connsiteY1"/>
+              </a:cxn>
+              <a:cxn ang="0">
+                <a:pos x="connsiteX2" y="connsiteY2"/>
+              </a:cxn>
+              <a:cxn ang="0">
+                <a:pos x="connsiteX3" y="connsiteY3"/>
+              </a:cxn>
+            </a:cxnLst>
+            <a:rect l="l" t="t" r="r" b="b"/>
+            <a:pathLst>
+              <a:path w="1764099" h="1558212">
+                <a:moveTo>
+                  <a:pt x="0" y="0"/>
+                </a:moveTo>
+                <a:lnTo>
+                  <a:pt x="1764099" y="0"/>
+                </a:lnTo>
+                <a:lnTo>
+                  <a:pt x="1042087" y="1558212"/>
+                </a:lnTo>
+                <a:lnTo>
+                  <a:pt x="0" y="1558212"/>
+                </a:lnTo>
+                <a:close/>
+              </a:path>
+            </a:pathLst>
+          </a:custGeom>
+          <a:solidFill>
+            <a:schemeClr val="accent4"/>
+          </a:solidFill>
+          <a:ln>
+            <a:noFill/>
+          </a:ln>
+        </p:spPr>
+        <p:style>
+          <a:lnRef idx="2">
+            <a:schemeClr val="accent1">
+              <a:shade val="50000"/>
+            </a:schemeClr>
+          </a:lnRef>
+          <a:fillRef idx="1">
+            <a:schemeClr val="accent1"/>
+          </a:fillRef>
+          <a:effectRef idx="0">
+            <a:schemeClr val="accent1"/>
+          </a:effectRef>
+          <a:fontRef idx="minor">
+            <a:schemeClr val="lt1"/>
+          </a:fontRef>
+        </p:style>
+        <p:txBody>
+          <a:bodyPr wrap="square" rtlCol="0" anchor="ctr">
+            <a:noAutofit/>
+          </a:bodyPr>
+          <a:lstStyle/>
+          <a:p>
+            <a:pPr algn="ctr"/>
+            <a:endParaRPr lang="en-US"/>
+          </a:p>
+        </p:txBody>
+      </p:sp>
+      <p:sp>
+        <p:nvSpPr>
+          <p:cNvPr id="15" name="Freeform: Shape 9">
+            <a:extLst>
+              <a:ext uri="{FF2B5EF4-FFF2-40B4-BE49-F238E27FC236}">
+                <a16:creationId xmlns:a16="http://schemas.microsoft.com/office/drawing/2014/main" id="{D18046FB-44EA-4FD8-A585-EA09A319B2D0}"/>
+              </a:ext>
+              <a:ext uri="{C183D7F6-B498-43B3-948B-1728B52AA6E4}">
+                <adec:decorative xmlns:adec="http://schemas.microsoft.com/office/drawing/2017/decorative" val="1"/>
+              </a:ext>
+            </a:extLst>
+          </p:cNvPr>
+          <p:cNvSpPr>
+            <a:spLocks noGrp="1" noRot="1" noChangeAspect="1" noMove="1" noResize="1" noEditPoints="1" noAdjustHandles="1" noChangeArrowheads="1" noChangeShapeType="1" noTextEdit="1"/>
+          </p:cNvSpPr>
+          <p:nvPr>
+            <p:extLst>
+              <p:ext uri="{386F3935-93C4-4BCD-93E2-E3B085C9AB24}">
+                <p16:designElem xmlns:p16="http://schemas.microsoft.com/office/powerpoint/2015/main" val="1"/>
+              </p:ext>
+            </p:extLst>
+          </p:nvPr>
+        </p:nvSpPr>
+        <p:spPr>
+          <a:xfrm>
+            <a:off x="1" y="1691640"/>
+            <a:ext cx="12191999" cy="5166360"/>
+          </a:xfrm>
+          <a:custGeom>
+            <a:avLst/>
+            <a:gdLst>
+              <a:gd name="connsiteX0" fmla="*/ 0 w 12191999"/>
+              <a:gd name="connsiteY0" fmla="*/ 0 h 5166360"/>
+              <a:gd name="connsiteX1" fmla="*/ 1822388 w 12191999"/>
+              <a:gd name="connsiteY1" fmla="*/ 0 h 5166360"/>
+              <a:gd name="connsiteX2" fmla="*/ 6468290 w 12191999"/>
+              <a:gd name="connsiteY2" fmla="*/ 0 h 5166360"/>
+              <a:gd name="connsiteX3" fmla="*/ 7796394 w 12191999"/>
+              <a:gd name="connsiteY3" fmla="*/ 0 h 5166360"/>
+              <a:gd name="connsiteX4" fmla="*/ 8376834 w 12191999"/>
+              <a:gd name="connsiteY4" fmla="*/ 0 h 5166360"/>
+              <a:gd name="connsiteX5" fmla="*/ 9704938 w 12191999"/>
+              <a:gd name="connsiteY5" fmla="*/ 0 h 5166360"/>
+              <a:gd name="connsiteX6" fmla="*/ 9704938 w 12191999"/>
+              <a:gd name="connsiteY6" fmla="*/ 2 h 5166360"/>
+              <a:gd name="connsiteX7" fmla="*/ 10283456 w 12191999"/>
+              <a:gd name="connsiteY7" fmla="*/ 2 h 5166360"/>
+              <a:gd name="connsiteX8" fmla="*/ 10863897 w 12191999"/>
+              <a:gd name="connsiteY8" fmla="*/ 2 h 5166360"/>
+              <a:gd name="connsiteX9" fmla="*/ 12191999 w 12191999"/>
+              <a:gd name="connsiteY9" fmla="*/ 2 h 5166360"/>
+              <a:gd name="connsiteX10" fmla="*/ 12191999 w 12191999"/>
+              <a:gd name="connsiteY10" fmla="*/ 5166360 h 5166360"/>
+              <a:gd name="connsiteX11" fmla="*/ 0 w 12191999"/>
+              <a:gd name="connsiteY11" fmla="*/ 5166360 h 5166360"/>
+              <a:gd name="connsiteX12" fmla="*/ 0 w 12191999"/>
+              <a:gd name="connsiteY12" fmla="*/ 2604436 h 5166360"/>
+              <a:gd name="connsiteX13" fmla="*/ 862341 w 12191999"/>
+              <a:gd name="connsiteY13" fmla="*/ 743371 h 5166360"/>
+              <a:gd name="connsiteX14" fmla="*/ 0 w 12191999"/>
+              <a:gd name="connsiteY14" fmla="*/ 743371 h 5166360"/>
+              <a:gd name="connsiteX15" fmla="*/ 0 w 12191999"/>
+              <a:gd name="connsiteY15" fmla="*/ 742508 h 5166360"/>
+              <a:gd name="connsiteX16" fmla="*/ 92826 w 12191999"/>
+              <a:gd name="connsiteY16" fmla="*/ 742508 h 5166360"/>
+              <a:gd name="connsiteX17" fmla="*/ 406486 w 12191999"/>
+              <a:gd name="connsiteY17" fmla="*/ 742508 h 5166360"/>
+              <a:gd name="connsiteX18" fmla="*/ 406486 w 12191999"/>
+              <a:gd name="connsiteY18" fmla="*/ 742507 h 5166360"/>
+              <a:gd name="connsiteX19" fmla="*/ 862741 w 12191999"/>
+              <a:gd name="connsiteY19" fmla="*/ 742507 h 5166360"/>
+              <a:gd name="connsiteX20" fmla="*/ 1206388 w 12191999"/>
+              <a:gd name="connsiteY20" fmla="*/ 864 h 5166360"/>
+              <a:gd name="connsiteX21" fmla="*/ 748500 w 12191999"/>
+              <a:gd name="connsiteY21" fmla="*/ 864 h 5166360"/>
+              <a:gd name="connsiteX22" fmla="*/ 0 w 12191999"/>
+              <a:gd name="connsiteY22" fmla="*/ 864 h 5166360"/>
+            </a:gdLst>
+            <a:ahLst/>
+            <a:cxnLst>
+              <a:cxn ang="0">
+                <a:pos x="connsiteX0" y="connsiteY0"/>
+              </a:cxn>
+              <a:cxn ang="0">
+                <a:pos x="connsiteX1" y="connsiteY1"/>
+              </a:cxn>
+              <a:cxn ang="0">
+                <a:pos x="connsiteX2" y="connsiteY2"/>
+              </a:cxn>
+              <a:cxn ang="0">
+                <a:pos x="connsiteX3" y="connsiteY3"/>
+              </a:cxn>
+              <a:cxn ang="0">
+                <a:pos x="connsiteX4" y="connsiteY4"/>
+              </a:cxn>
+              <a:cxn ang="0">
+                <a:pos x="connsiteX5" y="connsiteY5"/>
+              </a:cxn>
+              <a:cxn ang="0">
+                <a:pos x="connsiteX6" y="connsiteY6"/>
+              </a:cxn>
+              <a:cxn ang="0">
+                <a:pos x="connsiteX7" y="connsiteY7"/>
+              </a:cxn>
+              <a:cxn ang="0">
+                <a:pos x="connsiteX8" y="connsiteY8"/>
+              </a:cxn>
+              <a:cxn ang="0">
+                <a:pos x="connsiteX9" y="connsiteY9"/>
+              </a:cxn>
+              <a:cxn ang="0">
+                <a:pos x="connsiteX10" y="connsiteY10"/>
+              </a:cxn>
+              <a:cxn ang="0">
+                <a:pos x="connsiteX11" y="connsiteY11"/>
+              </a:cxn>
+              <a:cxn ang="0">
+                <a:pos x="connsiteX12" y="connsiteY12"/>
+              </a:cxn>
+              <a:cxn ang="0">
+                <a:pos x="connsiteX13" y="connsiteY13"/>
+              </a:cxn>
+              <a:cxn ang="0">
+                <a:pos x="connsiteX14" y="connsiteY14"/>
+              </a:cxn>
+              <a:cxn ang="0">
+                <a:pos x="connsiteX15" y="connsiteY15"/>
+              </a:cxn>
+              <a:cxn ang="0">
+                <a:pos x="connsiteX16" y="connsiteY16"/>
+              </a:cxn>
+              <a:cxn ang="0">
+                <a:pos x="connsiteX17" y="connsiteY17"/>
+              </a:cxn>
+              <a:cxn ang="0">
+                <a:pos x="connsiteX18" y="connsiteY18"/>
+              </a:cxn>
+              <a:cxn ang="0">
+                <a:pos x="connsiteX19" y="connsiteY19"/>
+              </a:cxn>
+              <a:cxn ang="0">
+                <a:pos x="connsiteX20" y="connsiteY20"/>
+              </a:cxn>
+              <a:cxn ang="0">
+                <a:pos x="connsiteX21" y="connsiteY21"/>
+              </a:cxn>
+              <a:cxn ang="0">
+                <a:pos x="connsiteX22" y="connsiteY22"/>
+              </a:cxn>
+            </a:cxnLst>
+            <a:rect l="l" t="t" r="r" b="b"/>
+            <a:pathLst>
+              <a:path w="12191999" h="5166360">
+                <a:moveTo>
+                  <a:pt x="0" y="0"/>
+                </a:moveTo>
+                <a:lnTo>
+                  <a:pt x="1822388" y="0"/>
+                </a:lnTo>
+                <a:lnTo>
+                  <a:pt x="6468290" y="0"/>
+                </a:lnTo>
+                <a:lnTo>
+                  <a:pt x="7796394" y="0"/>
+                </a:lnTo>
+                <a:lnTo>
+                  <a:pt x="8376834" y="0"/>
+                </a:lnTo>
+                <a:lnTo>
+                  <a:pt x="9704938" y="0"/>
+                </a:lnTo>
+                <a:lnTo>
+                  <a:pt x="9704938" y="2"/>
+                </a:lnTo>
+                <a:lnTo>
+                  <a:pt x="10283456" y="2"/>
+                </a:lnTo>
+                <a:lnTo>
+                  <a:pt x="10863897" y="2"/>
+                </a:lnTo>
+                <a:lnTo>
+                  <a:pt x="12191999" y="2"/>
+                </a:lnTo>
+                <a:lnTo>
+                  <a:pt x="12191999" y="5166360"/>
+                </a:lnTo>
+                <a:lnTo>
+                  <a:pt x="0" y="5166360"/>
+                </a:lnTo>
+                <a:lnTo>
+                  <a:pt x="0" y="2604436"/>
+                </a:lnTo>
+                <a:lnTo>
+                  <a:pt x="862341" y="743371"/>
+                </a:lnTo>
+                <a:lnTo>
+                  <a:pt x="0" y="743371"/>
+                </a:lnTo>
+                <a:lnTo>
+                  <a:pt x="0" y="742508"/>
+                </a:lnTo>
+                <a:lnTo>
+                  <a:pt x="92826" y="742508"/>
+                </a:lnTo>
+                <a:lnTo>
+                  <a:pt x="406486" y="742508"/>
+                </a:lnTo>
+                <a:lnTo>
+                  <a:pt x="406486" y="742507"/>
+                </a:lnTo>
+                <a:lnTo>
+                  <a:pt x="862741" y="742507"/>
+                </a:lnTo>
+                <a:lnTo>
+                  <a:pt x="1206388" y="864"/>
+                </a:lnTo>
+                <a:lnTo>
+                  <a:pt x="748500" y="864"/>
+                </a:lnTo>
+                <a:lnTo>
+                  <a:pt x="0" y="864"/>
+                </a:lnTo>
+                <a:close/>
+              </a:path>
+            </a:pathLst>
+          </a:custGeom>
+          <a:solidFill>
+            <a:srgbClr val="A6A6A6">
+              <a:alpha val="49804"/>
+            </a:srgbClr>
+          </a:solidFill>
+          <a:ln>
+            <a:noFill/>
+          </a:ln>
+        </p:spPr>
+        <p:style>
+          <a:lnRef idx="2">
+            <a:schemeClr val="accent1">
+              <a:shade val="50000"/>
+            </a:schemeClr>
+          </a:lnRef>
+          <a:fillRef idx="1">
+            <a:schemeClr val="accent1"/>
+          </a:fillRef>
+          <a:effectRef idx="0">
+            <a:schemeClr val="accent1"/>
+          </a:effectRef>
+          <a:fontRef idx="minor">
+            <a:schemeClr val="lt1"/>
+          </a:fontRef>
+        </p:style>
+        <p:txBody>
+          <a:bodyPr wrap="square" rtlCol="0" anchor="ctr">
+            <a:noAutofit/>
+          </a:bodyPr>
+          <a:lstStyle/>
+          <a:p>
+            <a:pPr algn="ctr"/>
+            <a:endParaRPr lang="en-US"/>
+          </a:p>
+        </p:txBody>
+      </p:sp>
+      <p:sp>
+        <p:nvSpPr>
+          <p:cNvPr id="16" name="Freeform: Shape 11">
+            <a:extLst>
+              <a:ext uri="{FF2B5EF4-FFF2-40B4-BE49-F238E27FC236}">
+                <a16:creationId xmlns:a16="http://schemas.microsoft.com/office/drawing/2014/main" id="{479F5F2B-8B58-4140-AE6A-51F6C67B18D9}"/>
+              </a:ext>
+              <a:ext uri="{C183D7F6-B498-43B3-948B-1728B52AA6E4}">
+                <adec:decorative xmlns:adec="http://schemas.microsoft.com/office/drawing/2017/decorative" val="1"/>
+              </a:ext>
+            </a:extLst>
+          </p:cNvPr>
+          <p:cNvSpPr>
+            <a:spLocks noGrp="1" noRot="1" noChangeAspect="1" noMove="1" noResize="1" noEditPoints="1" noAdjustHandles="1" noChangeArrowheads="1" noChangeShapeType="1" noTextEdit="1"/>
+          </p:cNvSpPr>
+          <p:nvPr>
+            <p:extLst>
+              <p:ext uri="{386F3935-93C4-4BCD-93E2-E3B085C9AB24}">
+                <p16:designElem xmlns:p16="http://schemas.microsoft.com/office/powerpoint/2015/main" val="1"/>
+              </p:ext>
+            </p:extLst>
+          </p:nvPr>
+        </p:nvSpPr>
+        <p:spPr>
+          <a:xfrm>
+            <a:off x="0" y="1691641"/>
+            <a:ext cx="971654" cy="2096979"/>
+          </a:xfrm>
+          <a:custGeom>
+            <a:avLst/>
+            <a:gdLst>
+              <a:gd name="connsiteX0" fmla="*/ 0 w 971654"/>
+              <a:gd name="connsiteY0" fmla="*/ 0 h 2096979"/>
+              <a:gd name="connsiteX1" fmla="*/ 971654 w 971654"/>
+              <a:gd name="connsiteY1" fmla="*/ 0 h 2096979"/>
+              <a:gd name="connsiteX2" fmla="*/ 0 w 971654"/>
+              <a:gd name="connsiteY2" fmla="*/ 2096979 h 2096979"/>
+            </a:gdLst>
+            <a:ahLst/>
+            <a:cxnLst>
+              <a:cxn ang="0">
+                <a:pos x="connsiteX0" y="connsiteY0"/>
+              </a:cxn>
+              <a:cxn ang="0">
+                <a:pos x="connsiteX1" y="connsiteY1"/>
+              </a:cxn>
+              <a:cxn ang="0">
+                <a:pos x="connsiteX2" y="connsiteY2"/>
+              </a:cxn>
+            </a:cxnLst>
+            <a:rect l="l" t="t" r="r" b="b"/>
+            <a:pathLst>
+              <a:path w="971654" h="2096979">
+                <a:moveTo>
+                  <a:pt x="0" y="0"/>
+                </a:moveTo>
+                <a:lnTo>
+                  <a:pt x="971654" y="0"/>
+                </a:lnTo>
+                <a:lnTo>
+                  <a:pt x="0" y="2096979"/>
+                </a:lnTo>
+                <a:close/>
+              </a:path>
+            </a:pathLst>
+          </a:custGeom>
+          <a:solidFill>
+            <a:srgbClr val="404040"/>
+          </a:solidFill>
+          <a:ln>
+            <a:noFill/>
+          </a:ln>
+        </p:spPr>
+        <p:style>
+          <a:lnRef idx="2">
+            <a:schemeClr val="accent1">
+              <a:shade val="50000"/>
+            </a:schemeClr>
+          </a:lnRef>
+          <a:fillRef idx="1">
+            <a:schemeClr val="accent1"/>
+          </a:fillRef>
+          <a:effectRef idx="0">
+            <a:schemeClr val="accent1"/>
+          </a:effectRef>
+          <a:fontRef idx="minor">
+            <a:schemeClr val="lt1"/>
+          </a:fontRef>
+        </p:style>
+        <p:txBody>
+          <a:bodyPr wrap="square" rtlCol="0" anchor="ctr">
+            <a:noAutofit/>
+          </a:bodyPr>
+          <a:lstStyle/>
+          <a:p>
+            <a:pPr algn="ctr"/>
+            <a:endParaRPr lang="en-US"/>
           </a:p>
         </p:txBody>
       </p:sp>
@@ -4805,22 +8704,18 @@
         </p:nvSpPr>
         <p:spPr>
           <a:xfrm>
-            <a:off x="838200" y="1842403"/>
-            <a:ext cx="10515600" cy="4583564"/>
+            <a:off x="1182848" y="1695372"/>
+            <a:ext cx="9837719" cy="5162628"/>
           </a:xfrm>
         </p:spPr>
         <p:txBody>
-          <a:bodyPr>
+          <a:bodyPr anchor="t">
             <a:normAutofit/>
           </a:bodyPr>
           <a:lstStyle/>
           <a:p>
             <a:r>
-              <a:rPr lang="en-US" sz="2000" dirty="0">
-                <a:solidFill>
-                  <a:srgbClr val="00B050"/>
-                </a:solidFill>
-              </a:rPr>
+              <a:rPr lang="en-US" sz="1100" dirty="0"/>
               <a:t>Guidelines on preparing Template</a:t>
             </a:r>
           </a:p>
@@ -4829,40 +8724,40 @@
               <a:buNone/>
             </a:pPr>
             <a:r>
-              <a:rPr lang="en-US" sz="1600" dirty="0"/>
+              <a:rPr lang="en-US" sz="1100" dirty="0"/>
               <a:t>Continue from previous page…</a:t>
             </a:r>
           </a:p>
           <a:p>
             <a:pPr lvl="1"/>
-            <a:endParaRPr lang="en-US" sz="1600" dirty="0">
-              <a:solidFill>
-                <a:srgbClr val="00B050"/>
-              </a:solidFill>
-            </a:endParaRPr>
+            <a:endParaRPr lang="en-US" sz="1100" dirty="0"/>
           </a:p>
           <a:p>
             <a:pPr marL="457200" lvl="1" indent="0">
               <a:buNone/>
             </a:pPr>
             <a:r>
-              <a:rPr lang="en-US" sz="1200" b="1" u="sng" dirty="0">
-                <a:solidFill>
-                  <a:srgbClr val="7030A0"/>
-                </a:solidFill>
-              </a:rPr>
+              <a:rPr lang="en-US" sz="1100" b="1" u="sng" dirty="0"/>
               <a:t>3.  REPEATITIVE BLOCK</a:t>
             </a:r>
           </a:p>
           <a:p>
             <a:pPr lvl="1"/>
             <a:r>
-              <a:rPr lang="en-US" sz="1200" dirty="0">
-                <a:solidFill>
-                  <a:srgbClr val="00B0F0"/>
-                </a:solidFill>
-              </a:rPr>
-              <a:t>A repetitive conditional block can be started with a line starting with “REPEAT EACH &lt;condition&gt;”</a:t>
+              <a:rPr lang="en-US" sz="1100" dirty="0"/>
+              <a:t>A repetitive conditional block can be started with a line starting with “</a:t>
+            </a:r>
+            <a:r>
+              <a:rPr lang="en-US" sz="1100" dirty="0">
+                <a:highlight>
+                  <a:srgbClr val="00FF00"/>
+                </a:highlight>
+              </a:rPr>
+              <a:t>REPEAT EACH &lt;condition&gt;</a:t>
+            </a:r>
+            <a:r>
+              <a:rPr lang="en-US" sz="1100" dirty="0"/>
+              <a:t>”</a:t>
             </a:r>
           </a:p>
           <a:p>
@@ -4870,45 +8765,69 @@
               <a:buNone/>
             </a:pPr>
             <a:r>
-              <a:rPr lang="en-US" sz="1200" dirty="0">
-                <a:solidFill>
-                  <a:srgbClr val="00B0F0"/>
-                </a:solidFill>
-              </a:rPr>
-              <a:t>Where,  &lt;condition&gt; can be a single match condition or multiple matches ( either &amp; or | )</a:t>
+              <a:rPr lang="en-US" sz="1100" dirty="0"/>
+              <a:t>Where,  &lt;condition&gt; can be a single match condition or multiple matches ( either </a:t>
+            </a:r>
+            <a:r>
+              <a:rPr lang="en-US" sz="1100" b="1" dirty="0"/>
+              <a:t>&amp;</a:t>
+            </a:r>
+            <a:r>
+              <a:rPr lang="en-US" sz="1100" dirty="0"/>
+              <a:t> or </a:t>
+            </a:r>
+            <a:r>
+              <a:rPr lang="en-US" sz="1100" b="1" dirty="0"/>
+              <a:t>|</a:t>
+            </a:r>
+            <a:r>
+              <a:rPr lang="en-US" sz="1100" dirty="0"/>
+              <a:t> )</a:t>
             </a:r>
           </a:p>
           <a:p>
             <a:pPr lvl="1"/>
             <a:r>
-              <a:rPr lang="en-US" sz="1200" dirty="0">
-                <a:solidFill>
-                  <a:srgbClr val="00B0F0"/>
-                </a:solidFill>
-              </a:rPr>
+              <a:rPr lang="en-US" sz="1100" dirty="0"/>
               <a:t>each condition should be defined within bracket ().</a:t>
             </a:r>
           </a:p>
           <a:p>
             <a:pPr lvl="1"/>
             <a:r>
-              <a:rPr lang="en-US" sz="1200" dirty="0">
-                <a:solidFill>
-                  <a:srgbClr val="00B0F0"/>
-                </a:solidFill>
-              </a:rPr>
-              <a:t>Each conditions left portion denotes variable to be match in fact file, and right portion  denotes value to be match with the variable.</a:t>
+              <a:rPr lang="en-US" sz="1100" dirty="0"/>
+              <a:t>Each conditions </a:t>
+            </a:r>
+            <a:r>
+              <a:rPr lang="en-US" sz="1100" u="sng" dirty="0"/>
+              <a:t>left portion denotes variable </a:t>
+            </a:r>
+            <a:r>
+              <a:rPr lang="en-US" sz="1100" dirty="0"/>
+              <a:t>to be match in fact file, and </a:t>
+            </a:r>
+            <a:r>
+              <a:rPr lang="en-US" sz="1100" u="sng" dirty="0"/>
+              <a:t>right portion  denotes value </a:t>
+            </a:r>
+            <a:r>
+              <a:rPr lang="en-US" sz="1100" dirty="0"/>
+              <a:t>to be match with the variable.</a:t>
             </a:r>
           </a:p>
           <a:p>
             <a:pPr lvl="1"/>
             <a:r>
-              <a:rPr lang="en-US" sz="1200" dirty="0">
-                <a:solidFill>
-                  <a:srgbClr val="00B0F0"/>
-                </a:solidFill>
-              </a:rPr>
-              <a:t>Conditional operators allowed are = (  "%2==", "%2!=", " ==", " !=", "&gt;=", "&lt;=", "&gt; ", "&lt; “  )</a:t>
+              <a:rPr lang="en-US" sz="1100" dirty="0"/>
+              <a:t>Conditional operators allowed are = (  </a:t>
+            </a:r>
+            <a:r>
+              <a:rPr lang="en-US" sz="1100" b="1" dirty="0"/>
+              <a:t>"%2==", "%2!=", " ==", " !=", "&gt;=", "&lt;=", "&gt; ", "&lt; “  </a:t>
+            </a:r>
+            <a:r>
+              <a:rPr lang="en-US" sz="1100" dirty="0"/>
+              <a:t>)</a:t>
             </a:r>
           </a:p>
           <a:p>
@@ -4916,18 +8835,11 @@
               <a:buNone/>
             </a:pPr>
             <a:r>
-              <a:rPr lang="en-US" sz="1300" dirty="0">
-                <a:solidFill>
-                  <a:srgbClr val="00B0F0"/>
-                </a:solidFill>
-              </a:rPr>
+              <a:rPr lang="en-US" sz="1100" dirty="0"/>
               <a:t>	"%2==", "%2!=“  </a:t>
             </a:r>
             <a:r>
-              <a:rPr lang="en-US" sz="1300" dirty="0">
-                <a:solidFill>
-                  <a:srgbClr val="00B0F0"/>
-                </a:solidFill>
+              <a:rPr lang="en-US" sz="1100" dirty="0">
                 <a:sym typeface="Wingdings" panose="05000000000000000000" pitchFamily="2" charset="2"/>
               </a:rPr>
               <a:t> these are useful for matching odd / even number matching</a:t>
@@ -4938,108 +8850,78 @@
               <a:buNone/>
             </a:pPr>
             <a:r>
-              <a:rPr lang="en-US" sz="1300" dirty="0">
-                <a:solidFill>
-                  <a:srgbClr val="00B0F0"/>
-                </a:solidFill>
+              <a:rPr lang="en-US" sz="1100" dirty="0">
                 <a:sym typeface="Wingdings" panose="05000000000000000000" pitchFamily="2" charset="2"/>
               </a:rPr>
-              <a:t>	Others are self explanatory :  is equal to , not equal to,  </a:t>
-            </a:r>
-            <a:r>
-              <a:rPr lang="en-US" sz="1300" dirty="0" err="1">
-                <a:solidFill>
-                  <a:srgbClr val="00B0F0"/>
-                </a:solidFill>
+              <a:t>	Others are self explanatory:  is equal to , not equal to,  greater or equal, less or equal,  less than, greater than</a:t>
+            </a:r>
+          </a:p>
+          <a:p>
+            <a:pPr marL="457200" lvl="1" indent="0">
+              <a:buNone/>
+            </a:pPr>
+            <a:r>
+              <a:rPr lang="en-US" sz="1100" dirty="0">
                 <a:sym typeface="Wingdings" panose="05000000000000000000" pitchFamily="2" charset="2"/>
               </a:rPr>
-              <a:t>greter</a:t>
-            </a:r>
-            <a:r>
-              <a:rPr lang="en-US" sz="1300" dirty="0">
-                <a:solidFill>
-                  <a:srgbClr val="00B0F0"/>
-                </a:solidFill>
-                <a:sym typeface="Wingdings" panose="05000000000000000000" pitchFamily="2" charset="2"/>
-              </a:rPr>
-              <a:t> or equal, less or equal,  less than, greater than</a:t>
-            </a:r>
-            <a:endParaRPr lang="en-US" sz="1300" dirty="0">
-              <a:solidFill>
-                <a:srgbClr val="00B0F0"/>
-              </a:solidFill>
-            </a:endParaRPr>
+              <a:t>	string condition value should be mentioned within “” (inverted commas), numeric value should be mentioned direct (ex: 2005)</a:t>
+            </a:r>
+            <a:endParaRPr lang="en-US" sz="1100" dirty="0"/>
           </a:p>
           <a:p>
             <a:pPr lvl="1"/>
             <a:r>
-              <a:rPr lang="en-US" sz="1200" dirty="0">
-                <a:solidFill>
-                  <a:srgbClr val="00B0F0"/>
-                </a:solidFill>
-              </a:rPr>
+              <a:rPr lang="en-US" sz="1100" dirty="0"/>
               <a:t>Each row which matches condition on database, will be used and executed for repetitive config generation.</a:t>
             </a:r>
           </a:p>
           <a:p>
             <a:pPr lvl="1"/>
             <a:r>
-              <a:rPr lang="en-US" sz="1200" dirty="0">
-                <a:solidFill>
-                  <a:srgbClr val="00B0F0"/>
-                </a:solidFill>
-              </a:rPr>
-              <a:t>A repetitive conditional block should end with a line starting with “REPEAT STOP”</a:t>
+              <a:rPr lang="en-US" sz="1100" dirty="0"/>
+              <a:t>A repetitive conditional block should end with a line starting with “</a:t>
+            </a:r>
+            <a:r>
+              <a:rPr lang="en-US" sz="1100" dirty="0">
+                <a:highlight>
+                  <a:srgbClr val="00FF00"/>
+                </a:highlight>
+              </a:rPr>
+              <a:t>REPEAT STOP</a:t>
+            </a:r>
+            <a:r>
+              <a:rPr lang="en-US" sz="1100" dirty="0"/>
+              <a:t>”</a:t>
             </a:r>
           </a:p>
           <a:p>
             <a:pPr lvl="1"/>
             <a:r>
-              <a:rPr lang="en-US" sz="1200" dirty="0">
-                <a:solidFill>
-                  <a:srgbClr val="00B0F0"/>
-                </a:solidFill>
-              </a:rPr>
+              <a:rPr lang="en-US" sz="1100" dirty="0"/>
               <a:t>There must be a requirement to have block end correspond to start block, otherwise undesired result may produce.</a:t>
             </a:r>
           </a:p>
           <a:p>
             <a:pPr lvl="1"/>
             <a:r>
-              <a:rPr lang="en-US" sz="1200" dirty="0">
-                <a:solidFill>
-                  <a:srgbClr val="00B0F0"/>
-                </a:solidFill>
-              </a:rPr>
+              <a:rPr lang="en-US" sz="1100" dirty="0"/>
               <a:t>Nested repetitive conditional blocks are permitted.</a:t>
             </a:r>
           </a:p>
           <a:p>
             <a:pPr lvl="1"/>
             <a:r>
-              <a:rPr lang="en-US" sz="1200" dirty="0">
-                <a:solidFill>
-                  <a:srgbClr val="00B0F0"/>
-                </a:solidFill>
-              </a:rPr>
+              <a:rPr lang="en-US" sz="1100" dirty="0"/>
               <a:t>Nesting of Conditional block  and repetitive block inside each other also permitted.</a:t>
             </a:r>
           </a:p>
           <a:p>
             <a:pPr lvl="1"/>
-            <a:endParaRPr lang="en-US" sz="1200" dirty="0">
-              <a:solidFill>
-                <a:srgbClr val="00B0F0"/>
-              </a:solidFill>
-            </a:endParaRPr>
+            <a:endParaRPr lang="en-US" sz="1100" dirty="0"/>
           </a:p>
           <a:p>
             <a:pPr lvl="1"/>
-            <a:endParaRPr lang="en-US" sz="1200" dirty="0">
-              <a:solidFill>
-                <a:srgbClr val="00B0F0"/>
-              </a:solidFill>
-            </a:endParaRPr>
+            <a:endParaRPr lang="en-US" sz="1100" dirty="0"/>
           </a:p>
         </p:txBody>
       </p:sp>
@@ -5059,6 +8941,14 @@
 <file path=ppt/slides/slide6.xml><?xml version="1.0" encoding="utf-8"?>
 <p:sld xmlns:a="http://schemas.openxmlformats.org/drawingml/2006/main" xmlns:r="http://schemas.openxmlformats.org/officeDocument/2006/relationships" xmlns:p="http://schemas.openxmlformats.org/presentationml/2006/main">
   <p:cSld>
+    <p:bg>
+      <p:bgPr>
+        <a:solidFill>
+          <a:schemeClr val="bg1"/>
+        </a:solidFill>
+        <a:effectLst/>
+      </p:bgPr>
+    </p:bg>
     <p:spTree>
       <p:nvGrpSpPr>
         <p:cNvPr id="1" name=""/>
@@ -5091,18 +8981,491 @@
         </p:nvSpPr>
         <p:spPr>
           <a:xfrm>
-            <a:off x="838200" y="365126"/>
-            <a:ext cx="10515600" cy="1019058"/>
+            <a:off x="1653363" y="365760"/>
+            <a:ext cx="9367203" cy="1188720"/>
           </a:xfrm>
         </p:spPr>
         <p:txBody>
-          <a:bodyPr/>
+          <a:bodyPr>
+            <a:normAutofit/>
+          </a:bodyPr>
           <a:lstStyle/>
           <a:p>
             <a:r>
-              <a:rPr lang="en-US" dirty="0"/>
+              <a:rPr lang="en-US"/>
               <a:t>Example </a:t>
             </a:r>
+            <a:endParaRPr lang="en-US" dirty="0"/>
+          </a:p>
+        </p:txBody>
+      </p:sp>
+      <p:sp>
+        <p:nvSpPr>
+          <p:cNvPr id="8" name="Freeform: Shape 7">
+            <a:extLst>
+              <a:ext uri="{FF2B5EF4-FFF2-40B4-BE49-F238E27FC236}">
+                <a16:creationId xmlns:a16="http://schemas.microsoft.com/office/drawing/2014/main" id="{7CB4857B-ED7C-444D-9F04-2F885114A1C2}"/>
+              </a:ext>
+              <a:ext uri="{C183D7F6-B498-43B3-948B-1728B52AA6E4}">
+                <adec:decorative xmlns:adec="http://schemas.microsoft.com/office/drawing/2017/decorative" val="1"/>
+              </a:ext>
+            </a:extLst>
+          </p:cNvPr>
+          <p:cNvSpPr>
+            <a:spLocks noGrp="1" noRot="1" noChangeAspect="1" noMove="1" noResize="1" noEditPoints="1" noAdjustHandles="1" noChangeArrowheads="1" noChangeShapeType="1" noTextEdit="1"/>
+          </p:cNvSpPr>
+          <p:nvPr>
+            <p:extLst>
+              <p:ext uri="{386F3935-93C4-4BCD-93E2-E3B085C9AB24}">
+                <p16:designElem xmlns:p16="http://schemas.microsoft.com/office/powerpoint/2015/main" val="1"/>
+              </p:ext>
+            </p:extLst>
+          </p:nvPr>
+        </p:nvSpPr>
+        <p:spPr>
+          <a:xfrm>
+            <a:off x="1" y="0"/>
+            <a:ext cx="1764099" cy="1558212"/>
+          </a:xfrm>
+          <a:custGeom>
+            <a:avLst/>
+            <a:gdLst>
+              <a:gd name="connsiteX0" fmla="*/ 0 w 1764099"/>
+              <a:gd name="connsiteY0" fmla="*/ 0 h 1558212"/>
+              <a:gd name="connsiteX1" fmla="*/ 1764099 w 1764099"/>
+              <a:gd name="connsiteY1" fmla="*/ 0 h 1558212"/>
+              <a:gd name="connsiteX2" fmla="*/ 1042087 w 1764099"/>
+              <a:gd name="connsiteY2" fmla="*/ 1558212 h 1558212"/>
+              <a:gd name="connsiteX3" fmla="*/ 0 w 1764099"/>
+              <a:gd name="connsiteY3" fmla="*/ 1558212 h 1558212"/>
+            </a:gdLst>
+            <a:ahLst/>
+            <a:cxnLst>
+              <a:cxn ang="0">
+                <a:pos x="connsiteX0" y="connsiteY0"/>
+              </a:cxn>
+              <a:cxn ang="0">
+                <a:pos x="connsiteX1" y="connsiteY1"/>
+              </a:cxn>
+              <a:cxn ang="0">
+                <a:pos x="connsiteX2" y="connsiteY2"/>
+              </a:cxn>
+              <a:cxn ang="0">
+                <a:pos x="connsiteX3" y="connsiteY3"/>
+              </a:cxn>
+            </a:cxnLst>
+            <a:rect l="l" t="t" r="r" b="b"/>
+            <a:pathLst>
+              <a:path w="1764099" h="1558212">
+                <a:moveTo>
+                  <a:pt x="0" y="0"/>
+                </a:moveTo>
+                <a:lnTo>
+                  <a:pt x="1764099" y="0"/>
+                </a:lnTo>
+                <a:lnTo>
+                  <a:pt x="1042087" y="1558212"/>
+                </a:lnTo>
+                <a:lnTo>
+                  <a:pt x="0" y="1558212"/>
+                </a:lnTo>
+                <a:close/>
+              </a:path>
+            </a:pathLst>
+          </a:custGeom>
+          <a:solidFill>
+            <a:schemeClr val="accent4"/>
+          </a:solidFill>
+          <a:ln>
+            <a:noFill/>
+          </a:ln>
+        </p:spPr>
+        <p:style>
+          <a:lnRef idx="2">
+            <a:schemeClr val="accent1">
+              <a:shade val="50000"/>
+            </a:schemeClr>
+          </a:lnRef>
+          <a:fillRef idx="1">
+            <a:schemeClr val="accent1"/>
+          </a:fillRef>
+          <a:effectRef idx="0">
+            <a:schemeClr val="accent1"/>
+          </a:effectRef>
+          <a:fontRef idx="minor">
+            <a:schemeClr val="lt1"/>
+          </a:fontRef>
+        </p:style>
+        <p:txBody>
+          <a:bodyPr wrap="square" rtlCol="0" anchor="ctr">
+            <a:noAutofit/>
+          </a:bodyPr>
+          <a:lstStyle/>
+          <a:p>
+            <a:pPr algn="ctr"/>
+            <a:endParaRPr lang="en-US"/>
+          </a:p>
+        </p:txBody>
+      </p:sp>
+      <p:sp>
+        <p:nvSpPr>
+          <p:cNvPr id="10" name="Freeform: Shape 9">
+            <a:extLst>
+              <a:ext uri="{FF2B5EF4-FFF2-40B4-BE49-F238E27FC236}">
+                <a16:creationId xmlns:a16="http://schemas.microsoft.com/office/drawing/2014/main" id="{D18046FB-44EA-4FD8-A585-EA09A319B2D0}"/>
+              </a:ext>
+              <a:ext uri="{C183D7F6-B498-43B3-948B-1728B52AA6E4}">
+                <adec:decorative xmlns:adec="http://schemas.microsoft.com/office/drawing/2017/decorative" val="1"/>
+              </a:ext>
+            </a:extLst>
+          </p:cNvPr>
+          <p:cNvSpPr>
+            <a:spLocks noGrp="1" noRot="1" noChangeAspect="1" noMove="1" noResize="1" noEditPoints="1" noAdjustHandles="1" noChangeArrowheads="1" noChangeShapeType="1" noTextEdit="1"/>
+          </p:cNvSpPr>
+          <p:nvPr>
+            <p:extLst>
+              <p:ext uri="{386F3935-93C4-4BCD-93E2-E3B085C9AB24}">
+                <p16:designElem xmlns:p16="http://schemas.microsoft.com/office/powerpoint/2015/main" val="1"/>
+              </p:ext>
+            </p:extLst>
+          </p:nvPr>
+        </p:nvSpPr>
+        <p:spPr>
+          <a:xfrm>
+            <a:off x="1" y="1691640"/>
+            <a:ext cx="12191999" cy="5166360"/>
+          </a:xfrm>
+          <a:custGeom>
+            <a:avLst/>
+            <a:gdLst>
+              <a:gd name="connsiteX0" fmla="*/ 0 w 12191999"/>
+              <a:gd name="connsiteY0" fmla="*/ 0 h 5166360"/>
+              <a:gd name="connsiteX1" fmla="*/ 1822388 w 12191999"/>
+              <a:gd name="connsiteY1" fmla="*/ 0 h 5166360"/>
+              <a:gd name="connsiteX2" fmla="*/ 6468290 w 12191999"/>
+              <a:gd name="connsiteY2" fmla="*/ 0 h 5166360"/>
+              <a:gd name="connsiteX3" fmla="*/ 7796394 w 12191999"/>
+              <a:gd name="connsiteY3" fmla="*/ 0 h 5166360"/>
+              <a:gd name="connsiteX4" fmla="*/ 8376834 w 12191999"/>
+              <a:gd name="connsiteY4" fmla="*/ 0 h 5166360"/>
+              <a:gd name="connsiteX5" fmla="*/ 9704938 w 12191999"/>
+              <a:gd name="connsiteY5" fmla="*/ 0 h 5166360"/>
+              <a:gd name="connsiteX6" fmla="*/ 9704938 w 12191999"/>
+              <a:gd name="connsiteY6" fmla="*/ 2 h 5166360"/>
+              <a:gd name="connsiteX7" fmla="*/ 10283456 w 12191999"/>
+              <a:gd name="connsiteY7" fmla="*/ 2 h 5166360"/>
+              <a:gd name="connsiteX8" fmla="*/ 10863897 w 12191999"/>
+              <a:gd name="connsiteY8" fmla="*/ 2 h 5166360"/>
+              <a:gd name="connsiteX9" fmla="*/ 12191999 w 12191999"/>
+              <a:gd name="connsiteY9" fmla="*/ 2 h 5166360"/>
+              <a:gd name="connsiteX10" fmla="*/ 12191999 w 12191999"/>
+              <a:gd name="connsiteY10" fmla="*/ 5166360 h 5166360"/>
+              <a:gd name="connsiteX11" fmla="*/ 0 w 12191999"/>
+              <a:gd name="connsiteY11" fmla="*/ 5166360 h 5166360"/>
+              <a:gd name="connsiteX12" fmla="*/ 0 w 12191999"/>
+              <a:gd name="connsiteY12" fmla="*/ 2604436 h 5166360"/>
+              <a:gd name="connsiteX13" fmla="*/ 862341 w 12191999"/>
+              <a:gd name="connsiteY13" fmla="*/ 743371 h 5166360"/>
+              <a:gd name="connsiteX14" fmla="*/ 0 w 12191999"/>
+              <a:gd name="connsiteY14" fmla="*/ 743371 h 5166360"/>
+              <a:gd name="connsiteX15" fmla="*/ 0 w 12191999"/>
+              <a:gd name="connsiteY15" fmla="*/ 742508 h 5166360"/>
+              <a:gd name="connsiteX16" fmla="*/ 92826 w 12191999"/>
+              <a:gd name="connsiteY16" fmla="*/ 742508 h 5166360"/>
+              <a:gd name="connsiteX17" fmla="*/ 406486 w 12191999"/>
+              <a:gd name="connsiteY17" fmla="*/ 742508 h 5166360"/>
+              <a:gd name="connsiteX18" fmla="*/ 406486 w 12191999"/>
+              <a:gd name="connsiteY18" fmla="*/ 742507 h 5166360"/>
+              <a:gd name="connsiteX19" fmla="*/ 862741 w 12191999"/>
+              <a:gd name="connsiteY19" fmla="*/ 742507 h 5166360"/>
+              <a:gd name="connsiteX20" fmla="*/ 1206388 w 12191999"/>
+              <a:gd name="connsiteY20" fmla="*/ 864 h 5166360"/>
+              <a:gd name="connsiteX21" fmla="*/ 748500 w 12191999"/>
+              <a:gd name="connsiteY21" fmla="*/ 864 h 5166360"/>
+              <a:gd name="connsiteX22" fmla="*/ 0 w 12191999"/>
+              <a:gd name="connsiteY22" fmla="*/ 864 h 5166360"/>
+            </a:gdLst>
+            <a:ahLst/>
+            <a:cxnLst>
+              <a:cxn ang="0">
+                <a:pos x="connsiteX0" y="connsiteY0"/>
+              </a:cxn>
+              <a:cxn ang="0">
+                <a:pos x="connsiteX1" y="connsiteY1"/>
+              </a:cxn>
+              <a:cxn ang="0">
+                <a:pos x="connsiteX2" y="connsiteY2"/>
+              </a:cxn>
+              <a:cxn ang="0">
+                <a:pos x="connsiteX3" y="connsiteY3"/>
+              </a:cxn>
+              <a:cxn ang="0">
+                <a:pos x="connsiteX4" y="connsiteY4"/>
+              </a:cxn>
+              <a:cxn ang="0">
+                <a:pos x="connsiteX5" y="connsiteY5"/>
+              </a:cxn>
+              <a:cxn ang="0">
+                <a:pos x="connsiteX6" y="connsiteY6"/>
+              </a:cxn>
+              <a:cxn ang="0">
+                <a:pos x="connsiteX7" y="connsiteY7"/>
+              </a:cxn>
+              <a:cxn ang="0">
+                <a:pos x="connsiteX8" y="connsiteY8"/>
+              </a:cxn>
+              <a:cxn ang="0">
+                <a:pos x="connsiteX9" y="connsiteY9"/>
+              </a:cxn>
+              <a:cxn ang="0">
+                <a:pos x="connsiteX10" y="connsiteY10"/>
+              </a:cxn>
+              <a:cxn ang="0">
+                <a:pos x="connsiteX11" y="connsiteY11"/>
+              </a:cxn>
+              <a:cxn ang="0">
+                <a:pos x="connsiteX12" y="connsiteY12"/>
+              </a:cxn>
+              <a:cxn ang="0">
+                <a:pos x="connsiteX13" y="connsiteY13"/>
+              </a:cxn>
+              <a:cxn ang="0">
+                <a:pos x="connsiteX14" y="connsiteY14"/>
+              </a:cxn>
+              <a:cxn ang="0">
+                <a:pos x="connsiteX15" y="connsiteY15"/>
+              </a:cxn>
+              <a:cxn ang="0">
+                <a:pos x="connsiteX16" y="connsiteY16"/>
+              </a:cxn>
+              <a:cxn ang="0">
+                <a:pos x="connsiteX17" y="connsiteY17"/>
+              </a:cxn>
+              <a:cxn ang="0">
+                <a:pos x="connsiteX18" y="connsiteY18"/>
+              </a:cxn>
+              <a:cxn ang="0">
+                <a:pos x="connsiteX19" y="connsiteY19"/>
+              </a:cxn>
+              <a:cxn ang="0">
+                <a:pos x="connsiteX20" y="connsiteY20"/>
+              </a:cxn>
+              <a:cxn ang="0">
+                <a:pos x="connsiteX21" y="connsiteY21"/>
+              </a:cxn>
+              <a:cxn ang="0">
+                <a:pos x="connsiteX22" y="connsiteY22"/>
+              </a:cxn>
+            </a:cxnLst>
+            <a:rect l="l" t="t" r="r" b="b"/>
+            <a:pathLst>
+              <a:path w="12191999" h="5166360">
+                <a:moveTo>
+                  <a:pt x="0" y="0"/>
+                </a:moveTo>
+                <a:lnTo>
+                  <a:pt x="1822388" y="0"/>
+                </a:lnTo>
+                <a:lnTo>
+                  <a:pt x="6468290" y="0"/>
+                </a:lnTo>
+                <a:lnTo>
+                  <a:pt x="7796394" y="0"/>
+                </a:lnTo>
+                <a:lnTo>
+                  <a:pt x="8376834" y="0"/>
+                </a:lnTo>
+                <a:lnTo>
+                  <a:pt x="9704938" y="0"/>
+                </a:lnTo>
+                <a:lnTo>
+                  <a:pt x="9704938" y="2"/>
+                </a:lnTo>
+                <a:lnTo>
+                  <a:pt x="10283456" y="2"/>
+                </a:lnTo>
+                <a:lnTo>
+                  <a:pt x="10863897" y="2"/>
+                </a:lnTo>
+                <a:lnTo>
+                  <a:pt x="12191999" y="2"/>
+                </a:lnTo>
+                <a:lnTo>
+                  <a:pt x="12191999" y="5166360"/>
+                </a:lnTo>
+                <a:lnTo>
+                  <a:pt x="0" y="5166360"/>
+                </a:lnTo>
+                <a:lnTo>
+                  <a:pt x="0" y="2604436"/>
+                </a:lnTo>
+                <a:lnTo>
+                  <a:pt x="862341" y="743371"/>
+                </a:lnTo>
+                <a:lnTo>
+                  <a:pt x="0" y="743371"/>
+                </a:lnTo>
+                <a:lnTo>
+                  <a:pt x="0" y="742508"/>
+                </a:lnTo>
+                <a:lnTo>
+                  <a:pt x="92826" y="742508"/>
+                </a:lnTo>
+                <a:lnTo>
+                  <a:pt x="406486" y="742508"/>
+                </a:lnTo>
+                <a:lnTo>
+                  <a:pt x="406486" y="742507"/>
+                </a:lnTo>
+                <a:lnTo>
+                  <a:pt x="862741" y="742507"/>
+                </a:lnTo>
+                <a:lnTo>
+                  <a:pt x="1206388" y="864"/>
+                </a:lnTo>
+                <a:lnTo>
+                  <a:pt x="748500" y="864"/>
+                </a:lnTo>
+                <a:lnTo>
+                  <a:pt x="0" y="864"/>
+                </a:lnTo>
+                <a:close/>
+              </a:path>
+            </a:pathLst>
+          </a:custGeom>
+          <a:solidFill>
+            <a:srgbClr val="A6A6A6">
+              <a:alpha val="49804"/>
+            </a:srgbClr>
+          </a:solidFill>
+          <a:ln>
+            <a:noFill/>
+          </a:ln>
+        </p:spPr>
+        <p:style>
+          <a:lnRef idx="2">
+            <a:schemeClr val="accent1">
+              <a:shade val="50000"/>
+            </a:schemeClr>
+          </a:lnRef>
+          <a:fillRef idx="1">
+            <a:schemeClr val="accent1"/>
+          </a:fillRef>
+          <a:effectRef idx="0">
+            <a:schemeClr val="accent1"/>
+          </a:effectRef>
+          <a:fontRef idx="minor">
+            <a:schemeClr val="lt1"/>
+          </a:fontRef>
+        </p:style>
+        <p:txBody>
+          <a:bodyPr wrap="square" rtlCol="0" anchor="ctr">
+            <a:noAutofit/>
+          </a:bodyPr>
+          <a:lstStyle/>
+          <a:p>
+            <a:pPr algn="ctr"/>
+            <a:endParaRPr lang="en-US"/>
+          </a:p>
+        </p:txBody>
+      </p:sp>
+      <p:sp>
+        <p:nvSpPr>
+          <p:cNvPr id="12" name="Freeform: Shape 11">
+            <a:extLst>
+              <a:ext uri="{FF2B5EF4-FFF2-40B4-BE49-F238E27FC236}">
+                <a16:creationId xmlns:a16="http://schemas.microsoft.com/office/drawing/2014/main" id="{479F5F2B-8B58-4140-AE6A-51F6C67B18D9}"/>
+              </a:ext>
+              <a:ext uri="{C183D7F6-B498-43B3-948B-1728B52AA6E4}">
+                <adec:decorative xmlns:adec="http://schemas.microsoft.com/office/drawing/2017/decorative" val="1"/>
+              </a:ext>
+            </a:extLst>
+          </p:cNvPr>
+          <p:cNvSpPr>
+            <a:spLocks noGrp="1" noRot="1" noChangeAspect="1" noMove="1" noResize="1" noEditPoints="1" noAdjustHandles="1" noChangeArrowheads="1" noChangeShapeType="1" noTextEdit="1"/>
+          </p:cNvSpPr>
+          <p:nvPr>
+            <p:extLst>
+              <p:ext uri="{386F3935-93C4-4BCD-93E2-E3B085C9AB24}">
+                <p16:designElem xmlns:p16="http://schemas.microsoft.com/office/powerpoint/2015/main" val="1"/>
+              </p:ext>
+            </p:extLst>
+          </p:nvPr>
+        </p:nvSpPr>
+        <p:spPr>
+          <a:xfrm>
+            <a:off x="0" y="1691641"/>
+            <a:ext cx="971654" cy="2096979"/>
+          </a:xfrm>
+          <a:custGeom>
+            <a:avLst/>
+            <a:gdLst>
+              <a:gd name="connsiteX0" fmla="*/ 0 w 971654"/>
+              <a:gd name="connsiteY0" fmla="*/ 0 h 2096979"/>
+              <a:gd name="connsiteX1" fmla="*/ 971654 w 971654"/>
+              <a:gd name="connsiteY1" fmla="*/ 0 h 2096979"/>
+              <a:gd name="connsiteX2" fmla="*/ 0 w 971654"/>
+              <a:gd name="connsiteY2" fmla="*/ 2096979 h 2096979"/>
+            </a:gdLst>
+            <a:ahLst/>
+            <a:cxnLst>
+              <a:cxn ang="0">
+                <a:pos x="connsiteX0" y="connsiteY0"/>
+              </a:cxn>
+              <a:cxn ang="0">
+                <a:pos x="connsiteX1" y="connsiteY1"/>
+              </a:cxn>
+              <a:cxn ang="0">
+                <a:pos x="connsiteX2" y="connsiteY2"/>
+              </a:cxn>
+            </a:cxnLst>
+            <a:rect l="l" t="t" r="r" b="b"/>
+            <a:pathLst>
+              <a:path w="971654" h="2096979">
+                <a:moveTo>
+                  <a:pt x="0" y="0"/>
+                </a:moveTo>
+                <a:lnTo>
+                  <a:pt x="971654" y="0"/>
+                </a:lnTo>
+                <a:lnTo>
+                  <a:pt x="0" y="2096979"/>
+                </a:lnTo>
+                <a:close/>
+              </a:path>
+            </a:pathLst>
+          </a:custGeom>
+          <a:solidFill>
+            <a:srgbClr val="404040"/>
+          </a:solidFill>
+          <a:ln>
+            <a:noFill/>
+          </a:ln>
+        </p:spPr>
+        <p:style>
+          <a:lnRef idx="2">
+            <a:schemeClr val="accent1">
+              <a:shade val="50000"/>
+            </a:schemeClr>
+          </a:lnRef>
+          <a:fillRef idx="1">
+            <a:schemeClr val="accent1"/>
+          </a:fillRef>
+          <a:effectRef idx="0">
+            <a:schemeClr val="accent1"/>
+          </a:effectRef>
+          <a:fontRef idx="minor">
+            <a:schemeClr val="lt1"/>
+          </a:fontRef>
+        </p:style>
+        <p:txBody>
+          <a:bodyPr wrap="square" rtlCol="0" anchor="ctr">
+            <a:noAutofit/>
+          </a:bodyPr>
+          <a:lstStyle/>
+          <a:p>
+            <a:pPr algn="ctr"/>
+            <a:endParaRPr lang="en-US"/>
           </a:p>
         </p:txBody>
       </p:sp>
@@ -5124,12 +9487,12 @@
         </p:nvSpPr>
         <p:spPr>
           <a:xfrm>
-            <a:off x="854978" y="1325461"/>
-            <a:ext cx="10515600" cy="5268286"/>
+            <a:off x="1208015" y="1695372"/>
+            <a:ext cx="10632532" cy="5162628"/>
           </a:xfrm>
         </p:spPr>
         <p:txBody>
-          <a:bodyPr>
+          <a:bodyPr anchor="t">
             <a:normAutofit fontScale="92500" lnSpcReduction="10000"/>
           </a:bodyPr>
           <a:lstStyle/>
@@ -5185,11 +9548,7 @@
               <a:t>]					                  </a:t>
             </a:r>
             <a:r>
-              <a:rPr lang="en-US" sz="1200" dirty="0">
-                <a:solidFill>
-                  <a:srgbClr val="92D050"/>
-                </a:solidFill>
-              </a:rPr>
+              <a:rPr lang="en-US" sz="1200" dirty="0"/>
               <a:t># variable replacement from ‘var’</a:t>
             </a:r>
           </a:p>
@@ -5311,18 +9670,9 @@
               <a:t>                                                      </a:t>
             </a:r>
             <a:r>
-              <a:rPr lang="en-US" sz="1200" dirty="0">
-                <a:solidFill>
-                  <a:srgbClr val="92D050"/>
-                </a:solidFill>
-              </a:rPr>
+              <a:rPr lang="en-US" sz="1200" dirty="0"/>
               <a:t># Conditional block</a:t>
             </a:r>
-            <a:endParaRPr lang="en-US" sz="1200" dirty="0">
-              <a:solidFill>
-                <a:srgbClr val="00B0F0"/>
-              </a:solidFill>
-            </a:endParaRPr>
           </a:p>
           <a:p>
             <a:pPr marL="457200" lvl="1" indent="0">
@@ -5616,18 +9966,9 @@
               <a:t>                                                </a:t>
             </a:r>
             <a:r>
-              <a:rPr lang="en-US" sz="1200" dirty="0">
-                <a:solidFill>
-                  <a:srgbClr val="92D050"/>
-                </a:solidFill>
-              </a:rPr>
+              <a:rPr lang="en-US" sz="1200" dirty="0"/>
               <a:t># Repetitive block</a:t>
             </a:r>
-            <a:endParaRPr lang="en-US" sz="1200" dirty="0">
-              <a:solidFill>
-                <a:srgbClr val="00B0F0"/>
-              </a:solidFill>
-            </a:endParaRPr>
           </a:p>
           <a:p>
             <a:pPr marL="457200" lvl="1" indent="0">
@@ -5777,7 +10118,7 @@
                   <a:srgbClr val="FF0000"/>
                 </a:solidFill>
               </a:rPr>
-              <a:t>Red = Conditional &amp; Repetitive blocks </a:t>
+              <a:t>Red = Conditional &amp; Repetitive blocks definition </a:t>
             </a:r>
           </a:p>
           <a:p>
@@ -5818,6 +10159,69 @@
           </a:p>
         </p:txBody>
       </p:sp>
+      <p:graphicFrame>
+        <p:nvGraphicFramePr>
+          <p:cNvPr id="4" name="Object 3">
+            <a:extLst>
+              <a:ext uri="{FF2B5EF4-FFF2-40B4-BE49-F238E27FC236}">
+                <a16:creationId xmlns:a16="http://schemas.microsoft.com/office/drawing/2014/main" id="{674EC7A4-B0A9-4B8E-AC26-245F942B2C70}"/>
+              </a:ext>
+            </a:extLst>
+          </p:cNvPr>
+          <p:cNvGraphicFramePr>
+            <a:graphicFrameLocks noChangeAspect="1"/>
+          </p:cNvGraphicFramePr>
+          <p:nvPr>
+            <p:extLst>
+              <p:ext uri="{D42A27DB-BD31-4B8C-83A1-F6EECF244321}">
+                <p14:modId xmlns:p14="http://schemas.microsoft.com/office/powerpoint/2010/main" val="684335975"/>
+              </p:ext>
+            </p:extLst>
+          </p:nvPr>
+        </p:nvGraphicFramePr>
+        <p:xfrm>
+          <a:off x="9261446" y="424188"/>
+          <a:ext cx="2579101" cy="993131"/>
+        </p:xfrm>
+        <a:graphic>
+          <a:graphicData uri="http://schemas.openxmlformats.org/presentationml/2006/ole">
+            <mc:AlternateContent xmlns:mc="http://schemas.openxmlformats.org/markup-compatibility/2006">
+              <mc:Choice xmlns:v="urn:schemas-microsoft-com:vml" Requires="v">
+                <p:oleObj spid="_x0000_s1229" name="Packager Shell Object" showAsIcon="1" r:id="rId3" imgW="808560" imgH="311400" progId="Package">
+                  <p:embed/>
+                </p:oleObj>
+              </mc:Choice>
+              <mc:Fallback>
+                <p:oleObj name="Packager Shell Object" showAsIcon="1" r:id="rId3" imgW="808560" imgH="311400" progId="Package">
+                  <p:embed/>
+                  <p:pic>
+                    <p:nvPicPr>
+                      <p:cNvPr id="0" name=""/>
+                      <p:cNvPicPr/>
+                      <p:nvPr/>
+                    </p:nvPicPr>
+                    <p:blipFill>
+                      <a:blip r:embed="rId4"/>
+                      <a:stretch>
+                        <a:fillRect/>
+                      </a:stretch>
+                    </p:blipFill>
+                    <p:spPr>
+                      <a:xfrm>
+                        <a:off x="9261446" y="424188"/>
+                        <a:ext cx="2579101" cy="993131"/>
+                      </a:xfrm>
+                      <a:prstGeom prst="rect">
+                        <a:avLst/>
+                      </a:prstGeom>
+                    </p:spPr>
+                  </p:pic>
+                </p:oleObj>
+              </mc:Fallback>
+            </mc:AlternateContent>
+          </a:graphicData>
+        </a:graphic>
+      </p:graphicFrame>
     </p:spTree>
     <p:extLst>
       <p:ext uri="{BB962C8B-B14F-4D97-AF65-F5344CB8AC3E}">
@@ -5834,6 +10238,14 @@
 <file path=ppt/slides/slide7.xml><?xml version="1.0" encoding="utf-8"?>
 <p:sld xmlns:a="http://schemas.openxmlformats.org/drawingml/2006/main" xmlns:r="http://schemas.openxmlformats.org/officeDocument/2006/relationships" xmlns:p="http://schemas.openxmlformats.org/presentationml/2006/main">
   <p:cSld>
+    <p:bg>
+      <p:bgPr>
+        <a:solidFill>
+          <a:schemeClr val="bg1"/>
+        </a:solidFill>
+        <a:effectLst/>
+      </p:bgPr>
+    </p:bg>
     <p:spTree>
       <p:nvGrpSpPr>
         <p:cNvPr id="1" name=""/>
@@ -5864,15 +10276,492 @@
             <p:ph type="title"/>
           </p:nvPr>
         </p:nvSpPr>
-        <p:spPr/>
+        <p:spPr>
+          <a:xfrm>
+            <a:off x="1653363" y="365760"/>
+            <a:ext cx="9367203" cy="1188720"/>
+          </a:xfrm>
+        </p:spPr>
         <p:txBody>
-          <a:bodyPr/>
+          <a:bodyPr>
+            <a:normAutofit/>
+          </a:bodyPr>
           <a:lstStyle/>
           <a:p>
             <a:r>
               <a:rPr lang="en-US" dirty="0"/>
-              <a:t>Configuration Generation</a:t>
-            </a:r>
+              <a:t>Bonus / Advanced Inputs</a:t>
+            </a:r>
+          </a:p>
+        </p:txBody>
+      </p:sp>
+      <p:sp>
+        <p:nvSpPr>
+          <p:cNvPr id="8" name="Freeform: Shape 7">
+            <a:extLst>
+              <a:ext uri="{FF2B5EF4-FFF2-40B4-BE49-F238E27FC236}">
+                <a16:creationId xmlns:a16="http://schemas.microsoft.com/office/drawing/2014/main" id="{7CB4857B-ED7C-444D-9F04-2F885114A1C2}"/>
+              </a:ext>
+              <a:ext uri="{C183D7F6-B498-43B3-948B-1728B52AA6E4}">
+                <adec:decorative xmlns:adec="http://schemas.microsoft.com/office/drawing/2017/decorative" val="1"/>
+              </a:ext>
+            </a:extLst>
+          </p:cNvPr>
+          <p:cNvSpPr>
+            <a:spLocks noGrp="1" noRot="1" noChangeAspect="1" noMove="1" noResize="1" noEditPoints="1" noAdjustHandles="1" noChangeArrowheads="1" noChangeShapeType="1" noTextEdit="1"/>
+          </p:cNvSpPr>
+          <p:nvPr>
+            <p:extLst>
+              <p:ext uri="{386F3935-93C4-4BCD-93E2-E3B085C9AB24}">
+                <p16:designElem xmlns:p16="http://schemas.microsoft.com/office/powerpoint/2015/main" val="1"/>
+              </p:ext>
+            </p:extLst>
+          </p:nvPr>
+        </p:nvSpPr>
+        <p:spPr>
+          <a:xfrm>
+            <a:off x="1" y="0"/>
+            <a:ext cx="1764099" cy="1558212"/>
+          </a:xfrm>
+          <a:custGeom>
+            <a:avLst/>
+            <a:gdLst>
+              <a:gd name="connsiteX0" fmla="*/ 0 w 1764099"/>
+              <a:gd name="connsiteY0" fmla="*/ 0 h 1558212"/>
+              <a:gd name="connsiteX1" fmla="*/ 1764099 w 1764099"/>
+              <a:gd name="connsiteY1" fmla="*/ 0 h 1558212"/>
+              <a:gd name="connsiteX2" fmla="*/ 1042087 w 1764099"/>
+              <a:gd name="connsiteY2" fmla="*/ 1558212 h 1558212"/>
+              <a:gd name="connsiteX3" fmla="*/ 0 w 1764099"/>
+              <a:gd name="connsiteY3" fmla="*/ 1558212 h 1558212"/>
+            </a:gdLst>
+            <a:ahLst/>
+            <a:cxnLst>
+              <a:cxn ang="0">
+                <a:pos x="connsiteX0" y="connsiteY0"/>
+              </a:cxn>
+              <a:cxn ang="0">
+                <a:pos x="connsiteX1" y="connsiteY1"/>
+              </a:cxn>
+              <a:cxn ang="0">
+                <a:pos x="connsiteX2" y="connsiteY2"/>
+              </a:cxn>
+              <a:cxn ang="0">
+                <a:pos x="connsiteX3" y="connsiteY3"/>
+              </a:cxn>
+            </a:cxnLst>
+            <a:rect l="l" t="t" r="r" b="b"/>
+            <a:pathLst>
+              <a:path w="1764099" h="1558212">
+                <a:moveTo>
+                  <a:pt x="0" y="0"/>
+                </a:moveTo>
+                <a:lnTo>
+                  <a:pt x="1764099" y="0"/>
+                </a:lnTo>
+                <a:lnTo>
+                  <a:pt x="1042087" y="1558212"/>
+                </a:lnTo>
+                <a:lnTo>
+                  <a:pt x="0" y="1558212"/>
+                </a:lnTo>
+                <a:close/>
+              </a:path>
+            </a:pathLst>
+          </a:custGeom>
+          <a:solidFill>
+            <a:schemeClr val="accent4"/>
+          </a:solidFill>
+          <a:ln>
+            <a:noFill/>
+          </a:ln>
+        </p:spPr>
+        <p:style>
+          <a:lnRef idx="2">
+            <a:schemeClr val="accent1">
+              <a:shade val="50000"/>
+            </a:schemeClr>
+          </a:lnRef>
+          <a:fillRef idx="1">
+            <a:schemeClr val="accent1"/>
+          </a:fillRef>
+          <a:effectRef idx="0">
+            <a:schemeClr val="accent1"/>
+          </a:effectRef>
+          <a:fontRef idx="minor">
+            <a:schemeClr val="lt1"/>
+          </a:fontRef>
+        </p:style>
+        <p:txBody>
+          <a:bodyPr wrap="square" rtlCol="0" anchor="ctr">
+            <a:noAutofit/>
+          </a:bodyPr>
+          <a:lstStyle/>
+          <a:p>
+            <a:pPr algn="ctr"/>
+            <a:endParaRPr lang="en-US"/>
+          </a:p>
+        </p:txBody>
+      </p:sp>
+      <p:sp>
+        <p:nvSpPr>
+          <p:cNvPr id="10" name="Freeform: Shape 9">
+            <a:extLst>
+              <a:ext uri="{FF2B5EF4-FFF2-40B4-BE49-F238E27FC236}">
+                <a16:creationId xmlns:a16="http://schemas.microsoft.com/office/drawing/2014/main" id="{D18046FB-44EA-4FD8-A585-EA09A319B2D0}"/>
+              </a:ext>
+              <a:ext uri="{C183D7F6-B498-43B3-948B-1728B52AA6E4}">
+                <adec:decorative xmlns:adec="http://schemas.microsoft.com/office/drawing/2017/decorative" val="1"/>
+              </a:ext>
+            </a:extLst>
+          </p:cNvPr>
+          <p:cNvSpPr>
+            <a:spLocks noGrp="1" noRot="1" noChangeAspect="1" noMove="1" noResize="1" noEditPoints="1" noAdjustHandles="1" noChangeArrowheads="1" noChangeShapeType="1" noTextEdit="1"/>
+          </p:cNvSpPr>
+          <p:nvPr>
+            <p:extLst>
+              <p:ext uri="{386F3935-93C4-4BCD-93E2-E3B085C9AB24}">
+                <p16:designElem xmlns:p16="http://schemas.microsoft.com/office/powerpoint/2015/main" val="1"/>
+              </p:ext>
+            </p:extLst>
+          </p:nvPr>
+        </p:nvSpPr>
+        <p:spPr>
+          <a:xfrm>
+            <a:off x="1" y="1691640"/>
+            <a:ext cx="12191999" cy="5166360"/>
+          </a:xfrm>
+          <a:custGeom>
+            <a:avLst/>
+            <a:gdLst>
+              <a:gd name="connsiteX0" fmla="*/ 0 w 12191999"/>
+              <a:gd name="connsiteY0" fmla="*/ 0 h 5166360"/>
+              <a:gd name="connsiteX1" fmla="*/ 1822388 w 12191999"/>
+              <a:gd name="connsiteY1" fmla="*/ 0 h 5166360"/>
+              <a:gd name="connsiteX2" fmla="*/ 6468290 w 12191999"/>
+              <a:gd name="connsiteY2" fmla="*/ 0 h 5166360"/>
+              <a:gd name="connsiteX3" fmla="*/ 7796394 w 12191999"/>
+              <a:gd name="connsiteY3" fmla="*/ 0 h 5166360"/>
+              <a:gd name="connsiteX4" fmla="*/ 8376834 w 12191999"/>
+              <a:gd name="connsiteY4" fmla="*/ 0 h 5166360"/>
+              <a:gd name="connsiteX5" fmla="*/ 9704938 w 12191999"/>
+              <a:gd name="connsiteY5" fmla="*/ 0 h 5166360"/>
+              <a:gd name="connsiteX6" fmla="*/ 9704938 w 12191999"/>
+              <a:gd name="connsiteY6" fmla="*/ 2 h 5166360"/>
+              <a:gd name="connsiteX7" fmla="*/ 10283456 w 12191999"/>
+              <a:gd name="connsiteY7" fmla="*/ 2 h 5166360"/>
+              <a:gd name="connsiteX8" fmla="*/ 10863897 w 12191999"/>
+              <a:gd name="connsiteY8" fmla="*/ 2 h 5166360"/>
+              <a:gd name="connsiteX9" fmla="*/ 12191999 w 12191999"/>
+              <a:gd name="connsiteY9" fmla="*/ 2 h 5166360"/>
+              <a:gd name="connsiteX10" fmla="*/ 12191999 w 12191999"/>
+              <a:gd name="connsiteY10" fmla="*/ 5166360 h 5166360"/>
+              <a:gd name="connsiteX11" fmla="*/ 0 w 12191999"/>
+              <a:gd name="connsiteY11" fmla="*/ 5166360 h 5166360"/>
+              <a:gd name="connsiteX12" fmla="*/ 0 w 12191999"/>
+              <a:gd name="connsiteY12" fmla="*/ 2604436 h 5166360"/>
+              <a:gd name="connsiteX13" fmla="*/ 862341 w 12191999"/>
+              <a:gd name="connsiteY13" fmla="*/ 743371 h 5166360"/>
+              <a:gd name="connsiteX14" fmla="*/ 0 w 12191999"/>
+              <a:gd name="connsiteY14" fmla="*/ 743371 h 5166360"/>
+              <a:gd name="connsiteX15" fmla="*/ 0 w 12191999"/>
+              <a:gd name="connsiteY15" fmla="*/ 742508 h 5166360"/>
+              <a:gd name="connsiteX16" fmla="*/ 92826 w 12191999"/>
+              <a:gd name="connsiteY16" fmla="*/ 742508 h 5166360"/>
+              <a:gd name="connsiteX17" fmla="*/ 406486 w 12191999"/>
+              <a:gd name="connsiteY17" fmla="*/ 742508 h 5166360"/>
+              <a:gd name="connsiteX18" fmla="*/ 406486 w 12191999"/>
+              <a:gd name="connsiteY18" fmla="*/ 742507 h 5166360"/>
+              <a:gd name="connsiteX19" fmla="*/ 862741 w 12191999"/>
+              <a:gd name="connsiteY19" fmla="*/ 742507 h 5166360"/>
+              <a:gd name="connsiteX20" fmla="*/ 1206388 w 12191999"/>
+              <a:gd name="connsiteY20" fmla="*/ 864 h 5166360"/>
+              <a:gd name="connsiteX21" fmla="*/ 748500 w 12191999"/>
+              <a:gd name="connsiteY21" fmla="*/ 864 h 5166360"/>
+              <a:gd name="connsiteX22" fmla="*/ 0 w 12191999"/>
+              <a:gd name="connsiteY22" fmla="*/ 864 h 5166360"/>
+            </a:gdLst>
+            <a:ahLst/>
+            <a:cxnLst>
+              <a:cxn ang="0">
+                <a:pos x="connsiteX0" y="connsiteY0"/>
+              </a:cxn>
+              <a:cxn ang="0">
+                <a:pos x="connsiteX1" y="connsiteY1"/>
+              </a:cxn>
+              <a:cxn ang="0">
+                <a:pos x="connsiteX2" y="connsiteY2"/>
+              </a:cxn>
+              <a:cxn ang="0">
+                <a:pos x="connsiteX3" y="connsiteY3"/>
+              </a:cxn>
+              <a:cxn ang="0">
+                <a:pos x="connsiteX4" y="connsiteY4"/>
+              </a:cxn>
+              <a:cxn ang="0">
+                <a:pos x="connsiteX5" y="connsiteY5"/>
+              </a:cxn>
+              <a:cxn ang="0">
+                <a:pos x="connsiteX6" y="connsiteY6"/>
+              </a:cxn>
+              <a:cxn ang="0">
+                <a:pos x="connsiteX7" y="connsiteY7"/>
+              </a:cxn>
+              <a:cxn ang="0">
+                <a:pos x="connsiteX8" y="connsiteY8"/>
+              </a:cxn>
+              <a:cxn ang="0">
+                <a:pos x="connsiteX9" y="connsiteY9"/>
+              </a:cxn>
+              <a:cxn ang="0">
+                <a:pos x="connsiteX10" y="connsiteY10"/>
+              </a:cxn>
+              <a:cxn ang="0">
+                <a:pos x="connsiteX11" y="connsiteY11"/>
+              </a:cxn>
+              <a:cxn ang="0">
+                <a:pos x="connsiteX12" y="connsiteY12"/>
+              </a:cxn>
+              <a:cxn ang="0">
+                <a:pos x="connsiteX13" y="connsiteY13"/>
+              </a:cxn>
+              <a:cxn ang="0">
+                <a:pos x="connsiteX14" y="connsiteY14"/>
+              </a:cxn>
+              <a:cxn ang="0">
+                <a:pos x="connsiteX15" y="connsiteY15"/>
+              </a:cxn>
+              <a:cxn ang="0">
+                <a:pos x="connsiteX16" y="connsiteY16"/>
+              </a:cxn>
+              <a:cxn ang="0">
+                <a:pos x="connsiteX17" y="connsiteY17"/>
+              </a:cxn>
+              <a:cxn ang="0">
+                <a:pos x="connsiteX18" y="connsiteY18"/>
+              </a:cxn>
+              <a:cxn ang="0">
+                <a:pos x="connsiteX19" y="connsiteY19"/>
+              </a:cxn>
+              <a:cxn ang="0">
+                <a:pos x="connsiteX20" y="connsiteY20"/>
+              </a:cxn>
+              <a:cxn ang="0">
+                <a:pos x="connsiteX21" y="connsiteY21"/>
+              </a:cxn>
+              <a:cxn ang="0">
+                <a:pos x="connsiteX22" y="connsiteY22"/>
+              </a:cxn>
+            </a:cxnLst>
+            <a:rect l="l" t="t" r="r" b="b"/>
+            <a:pathLst>
+              <a:path w="12191999" h="5166360">
+                <a:moveTo>
+                  <a:pt x="0" y="0"/>
+                </a:moveTo>
+                <a:lnTo>
+                  <a:pt x="1822388" y="0"/>
+                </a:lnTo>
+                <a:lnTo>
+                  <a:pt x="6468290" y="0"/>
+                </a:lnTo>
+                <a:lnTo>
+                  <a:pt x="7796394" y="0"/>
+                </a:lnTo>
+                <a:lnTo>
+                  <a:pt x="8376834" y="0"/>
+                </a:lnTo>
+                <a:lnTo>
+                  <a:pt x="9704938" y="0"/>
+                </a:lnTo>
+                <a:lnTo>
+                  <a:pt x="9704938" y="2"/>
+                </a:lnTo>
+                <a:lnTo>
+                  <a:pt x="10283456" y="2"/>
+                </a:lnTo>
+                <a:lnTo>
+                  <a:pt x="10863897" y="2"/>
+                </a:lnTo>
+                <a:lnTo>
+                  <a:pt x="12191999" y="2"/>
+                </a:lnTo>
+                <a:lnTo>
+                  <a:pt x="12191999" y="5166360"/>
+                </a:lnTo>
+                <a:lnTo>
+                  <a:pt x="0" y="5166360"/>
+                </a:lnTo>
+                <a:lnTo>
+                  <a:pt x="0" y="2604436"/>
+                </a:lnTo>
+                <a:lnTo>
+                  <a:pt x="862341" y="743371"/>
+                </a:lnTo>
+                <a:lnTo>
+                  <a:pt x="0" y="743371"/>
+                </a:lnTo>
+                <a:lnTo>
+                  <a:pt x="0" y="742508"/>
+                </a:lnTo>
+                <a:lnTo>
+                  <a:pt x="92826" y="742508"/>
+                </a:lnTo>
+                <a:lnTo>
+                  <a:pt x="406486" y="742508"/>
+                </a:lnTo>
+                <a:lnTo>
+                  <a:pt x="406486" y="742507"/>
+                </a:lnTo>
+                <a:lnTo>
+                  <a:pt x="862741" y="742507"/>
+                </a:lnTo>
+                <a:lnTo>
+                  <a:pt x="1206388" y="864"/>
+                </a:lnTo>
+                <a:lnTo>
+                  <a:pt x="748500" y="864"/>
+                </a:lnTo>
+                <a:lnTo>
+                  <a:pt x="0" y="864"/>
+                </a:lnTo>
+                <a:close/>
+              </a:path>
+            </a:pathLst>
+          </a:custGeom>
+          <a:solidFill>
+            <a:srgbClr val="A6A6A6">
+              <a:alpha val="49804"/>
+            </a:srgbClr>
+          </a:solidFill>
+          <a:ln>
+            <a:noFill/>
+          </a:ln>
+        </p:spPr>
+        <p:style>
+          <a:lnRef idx="2">
+            <a:schemeClr val="accent1">
+              <a:shade val="50000"/>
+            </a:schemeClr>
+          </a:lnRef>
+          <a:fillRef idx="1">
+            <a:schemeClr val="accent1"/>
+          </a:fillRef>
+          <a:effectRef idx="0">
+            <a:schemeClr val="accent1"/>
+          </a:effectRef>
+          <a:fontRef idx="minor">
+            <a:schemeClr val="lt1"/>
+          </a:fontRef>
+        </p:style>
+        <p:txBody>
+          <a:bodyPr wrap="square" rtlCol="0" anchor="ctr">
+            <a:noAutofit/>
+          </a:bodyPr>
+          <a:lstStyle/>
+          <a:p>
+            <a:pPr algn="ctr"/>
+            <a:endParaRPr lang="en-US"/>
+          </a:p>
+        </p:txBody>
+      </p:sp>
+      <p:sp>
+        <p:nvSpPr>
+          <p:cNvPr id="12" name="Freeform: Shape 11">
+            <a:extLst>
+              <a:ext uri="{FF2B5EF4-FFF2-40B4-BE49-F238E27FC236}">
+                <a16:creationId xmlns:a16="http://schemas.microsoft.com/office/drawing/2014/main" id="{479F5F2B-8B58-4140-AE6A-51F6C67B18D9}"/>
+              </a:ext>
+              <a:ext uri="{C183D7F6-B498-43B3-948B-1728B52AA6E4}">
+                <adec:decorative xmlns:adec="http://schemas.microsoft.com/office/drawing/2017/decorative" val="1"/>
+              </a:ext>
+            </a:extLst>
+          </p:cNvPr>
+          <p:cNvSpPr>
+            <a:spLocks noGrp="1" noRot="1" noChangeAspect="1" noMove="1" noResize="1" noEditPoints="1" noAdjustHandles="1" noChangeArrowheads="1" noChangeShapeType="1" noTextEdit="1"/>
+          </p:cNvSpPr>
+          <p:nvPr>
+            <p:extLst>
+              <p:ext uri="{386F3935-93C4-4BCD-93E2-E3B085C9AB24}">
+                <p16:designElem xmlns:p16="http://schemas.microsoft.com/office/powerpoint/2015/main" val="1"/>
+              </p:ext>
+            </p:extLst>
+          </p:nvPr>
+        </p:nvSpPr>
+        <p:spPr>
+          <a:xfrm>
+            <a:off x="0" y="1691641"/>
+            <a:ext cx="971654" cy="2096979"/>
+          </a:xfrm>
+          <a:custGeom>
+            <a:avLst/>
+            <a:gdLst>
+              <a:gd name="connsiteX0" fmla="*/ 0 w 971654"/>
+              <a:gd name="connsiteY0" fmla="*/ 0 h 2096979"/>
+              <a:gd name="connsiteX1" fmla="*/ 971654 w 971654"/>
+              <a:gd name="connsiteY1" fmla="*/ 0 h 2096979"/>
+              <a:gd name="connsiteX2" fmla="*/ 0 w 971654"/>
+              <a:gd name="connsiteY2" fmla="*/ 2096979 h 2096979"/>
+            </a:gdLst>
+            <a:ahLst/>
+            <a:cxnLst>
+              <a:cxn ang="0">
+                <a:pos x="connsiteX0" y="connsiteY0"/>
+              </a:cxn>
+              <a:cxn ang="0">
+                <a:pos x="connsiteX1" y="connsiteY1"/>
+              </a:cxn>
+              <a:cxn ang="0">
+                <a:pos x="connsiteX2" y="connsiteY2"/>
+              </a:cxn>
+            </a:cxnLst>
+            <a:rect l="l" t="t" r="r" b="b"/>
+            <a:pathLst>
+              <a:path w="971654" h="2096979">
+                <a:moveTo>
+                  <a:pt x="0" y="0"/>
+                </a:moveTo>
+                <a:lnTo>
+                  <a:pt x="971654" y="0"/>
+                </a:lnTo>
+                <a:lnTo>
+                  <a:pt x="0" y="2096979"/>
+                </a:lnTo>
+                <a:close/>
+              </a:path>
+            </a:pathLst>
+          </a:custGeom>
+          <a:solidFill>
+            <a:srgbClr val="404040"/>
+          </a:solidFill>
+          <a:ln>
+            <a:noFill/>
+          </a:ln>
+        </p:spPr>
+        <p:style>
+          <a:lnRef idx="2">
+            <a:schemeClr val="accent1">
+              <a:shade val="50000"/>
+            </a:schemeClr>
+          </a:lnRef>
+          <a:fillRef idx="1">
+            <a:schemeClr val="accent1"/>
+          </a:fillRef>
+          <a:effectRef idx="0">
+            <a:schemeClr val="accent1"/>
+          </a:effectRef>
+          <a:fontRef idx="minor">
+            <a:schemeClr val="lt1"/>
+          </a:fontRef>
+        </p:style>
+        <p:txBody>
+          <a:bodyPr wrap="square" rtlCol="0" anchor="ctr">
+            <a:noAutofit/>
+          </a:bodyPr>
+          <a:lstStyle/>
+          <a:p>
+            <a:pPr algn="ctr"/>
+            <a:endParaRPr lang="en-US"/>
           </a:p>
         </p:txBody>
       </p:sp>
@@ -5894,8 +10783,260 @@
         </p:nvSpPr>
         <p:spPr>
           <a:xfrm>
-            <a:off x="838200" y="1825625"/>
-            <a:ext cx="10515600" cy="4583564"/>
+            <a:off x="1175656" y="1695372"/>
+            <a:ext cx="10804849" cy="4985346"/>
+          </a:xfrm>
+        </p:spPr>
+        <p:txBody>
+          <a:bodyPr anchor="t">
+            <a:normAutofit/>
+          </a:bodyPr>
+          <a:lstStyle/>
+          <a:p>
+            <a:r>
+              <a:rPr lang="en-US" sz="2000" b="1" u="sng" dirty="0"/>
+              <a:t>ODD / EVEN Number matching in condition</a:t>
+            </a:r>
+          </a:p>
+          <a:p>
+            <a:pPr lvl="1"/>
+            <a:r>
+              <a:rPr lang="en-US" sz="2000" dirty="0"/>
+              <a:t>Odd match can be obtained either using  </a:t>
+            </a:r>
+            <a:r>
+              <a:rPr lang="en-US" sz="2000" dirty="0">
+                <a:highlight>
+                  <a:srgbClr val="FFFF00"/>
+                </a:highlight>
+              </a:rPr>
+              <a:t>( [variable]  %2==  1 )  </a:t>
+            </a:r>
+            <a:r>
+              <a:rPr lang="en-US" sz="2000" dirty="0"/>
+              <a:t>or using </a:t>
+            </a:r>
+            <a:r>
+              <a:rPr lang="en-US" sz="2000" dirty="0">
+                <a:highlight>
+                  <a:srgbClr val="FFFF00"/>
+                </a:highlight>
+              </a:rPr>
+              <a:t>( [variable] %2!=  0 ) </a:t>
+            </a:r>
+          </a:p>
+          <a:p>
+            <a:pPr lvl="1"/>
+            <a:r>
+              <a:rPr lang="en-US" sz="2000" dirty="0"/>
+              <a:t>Even match can be obtained either using  </a:t>
+            </a:r>
+            <a:r>
+              <a:rPr lang="en-US" sz="2000" dirty="0">
+                <a:highlight>
+                  <a:srgbClr val="FFFF00"/>
+                </a:highlight>
+              </a:rPr>
+              <a:t>( [variable]  %2==  0 )  </a:t>
+            </a:r>
+            <a:r>
+              <a:rPr lang="en-US" sz="2000" dirty="0"/>
+              <a:t>or using </a:t>
+            </a:r>
+            <a:r>
+              <a:rPr lang="en-US" sz="2000" dirty="0">
+                <a:highlight>
+                  <a:srgbClr val="FFFF00"/>
+                </a:highlight>
+              </a:rPr>
+              <a:t>( [variable] %2!=  1 ) </a:t>
+            </a:r>
+          </a:p>
+          <a:p>
+            <a:pPr lvl="1"/>
+            <a:r>
+              <a:rPr lang="en-US" sz="2000" b="1" u="sng" dirty="0"/>
+              <a:t>Example:</a:t>
+            </a:r>
+          </a:p>
+          <a:p>
+            <a:pPr marL="457200" lvl="1" indent="0">
+              <a:buNone/>
+            </a:pPr>
+            <a:r>
+              <a:rPr lang="en-US" sz="1400" dirty="0"/>
+              <a:t>REPEAT EACH ([</a:t>
+            </a:r>
+            <a:r>
+              <a:rPr lang="en-US" sz="1400" dirty="0" err="1"/>
+              <a:t>interface_type</a:t>
+            </a:r>
+            <a:r>
+              <a:rPr lang="en-US" sz="1400" dirty="0"/>
+              <a:t>] == "VLAN") &amp; </a:t>
+            </a:r>
+            <a:r>
+              <a:rPr lang="en-US" sz="1400" dirty="0">
+                <a:highlight>
+                  <a:srgbClr val="FFFF00"/>
+                </a:highlight>
+              </a:rPr>
+              <a:t>([</a:t>
+            </a:r>
+            <a:r>
+              <a:rPr lang="en-US" sz="1400" dirty="0" err="1">
+                <a:highlight>
+                  <a:srgbClr val="FFFF00"/>
+                </a:highlight>
+              </a:rPr>
+              <a:t>vlan_number</a:t>
+            </a:r>
+            <a:r>
+              <a:rPr lang="en-US" sz="1400" dirty="0">
+                <a:highlight>
+                  <a:srgbClr val="FFFF00"/>
+                </a:highlight>
+              </a:rPr>
+              <a:t>] %2!= 0)</a:t>
+            </a:r>
+          </a:p>
+          <a:p>
+            <a:pPr marL="457200" lvl="1" indent="0">
+              <a:buNone/>
+            </a:pPr>
+            <a:r>
+              <a:rPr lang="en-US" sz="1400" dirty="0"/>
+              <a:t>Interface [</a:t>
+            </a:r>
+            <a:r>
+              <a:rPr lang="en-US" sz="1400" dirty="0" err="1"/>
+              <a:t>vlan_number</a:t>
+            </a:r>
+            <a:r>
+              <a:rPr lang="en-US" sz="1400" dirty="0"/>
+              <a:t>]</a:t>
+            </a:r>
+          </a:p>
+          <a:p>
+            <a:pPr marL="457200" lvl="1" indent="0">
+              <a:buNone/>
+            </a:pPr>
+            <a:r>
+              <a:rPr lang="en-US" sz="1400" dirty="0"/>
+              <a:t>  description [</a:t>
+            </a:r>
+            <a:r>
+              <a:rPr lang="en-US" sz="1400" dirty="0" err="1"/>
+              <a:t>int_description</a:t>
+            </a:r>
+            <a:r>
+              <a:rPr lang="en-US" sz="1400" dirty="0"/>
+              <a:t>]</a:t>
+            </a:r>
+          </a:p>
+          <a:p>
+            <a:pPr marL="457200" lvl="1" indent="0">
+              <a:buNone/>
+            </a:pPr>
+            <a:r>
+              <a:rPr lang="en-US" sz="1400" dirty="0"/>
+              <a:t>  ip address [</a:t>
+            </a:r>
+            <a:r>
+              <a:rPr lang="en-US" sz="1400" dirty="0" err="1"/>
+              <a:t>int_add</a:t>
+            </a:r>
+            <a:r>
+              <a:rPr lang="en-US" sz="1400" dirty="0"/>
+              <a:t>] [</a:t>
+            </a:r>
+            <a:r>
+              <a:rPr lang="en-US" sz="1400" dirty="0" err="1"/>
+              <a:t>int_add_mask</a:t>
+            </a:r>
+            <a:r>
+              <a:rPr lang="en-US" sz="1400" dirty="0"/>
+              <a:t>]</a:t>
+            </a:r>
+          </a:p>
+          <a:p>
+            <a:pPr marL="457200" lvl="1" indent="0">
+              <a:buNone/>
+            </a:pPr>
+            <a:r>
+              <a:rPr lang="en-US" sz="1400" dirty="0"/>
+              <a:t>!</a:t>
+            </a:r>
+          </a:p>
+          <a:p>
+            <a:pPr marL="457200" lvl="1" indent="0">
+              <a:buNone/>
+            </a:pPr>
+            <a:r>
+              <a:rPr lang="en-US" sz="1400" dirty="0"/>
+              <a:t>REPEAT STOP</a:t>
+            </a:r>
+          </a:p>
+        </p:txBody>
+      </p:sp>
+    </p:spTree>
+    <p:extLst>
+      <p:ext uri="{BB962C8B-B14F-4D97-AF65-F5344CB8AC3E}">
+        <p14:creationId xmlns:p14="http://schemas.microsoft.com/office/powerpoint/2010/main" val="4072353214"/>
+      </p:ext>
+    </p:extLst>
+  </p:cSld>
+  <p:clrMapOvr>
+    <a:masterClrMapping/>
+  </p:clrMapOvr>
+</p:sld>
+</file>
+
+<file path=ppt/slides/slide8.xml><?xml version="1.0" encoding="utf-8"?>
+<p:sld xmlns:a="http://schemas.openxmlformats.org/drawingml/2006/main" xmlns:r="http://schemas.openxmlformats.org/officeDocument/2006/relationships" xmlns:p="http://schemas.openxmlformats.org/presentationml/2006/main">
+  <p:cSld>
+    <p:bg>
+      <p:bgPr>
+        <a:solidFill>
+          <a:schemeClr val="bg1"/>
+        </a:solidFill>
+        <a:effectLst/>
+      </p:bgPr>
+    </p:bg>
+    <p:spTree>
+      <p:nvGrpSpPr>
+        <p:cNvPr id="1" name=""/>
+        <p:cNvGrpSpPr/>
+        <p:nvPr/>
+      </p:nvGrpSpPr>
+      <p:grpSpPr>
+        <a:xfrm>
+          <a:off x="0" y="0"/>
+          <a:ext cx="0" cy="0"/>
+          <a:chOff x="0" y="0"/>
+          <a:chExt cx="0" cy="0"/>
+        </a:xfrm>
+      </p:grpSpPr>
+      <p:sp>
+        <p:nvSpPr>
+          <p:cNvPr id="2" name="Title 1">
+            <a:extLst>
+              <a:ext uri="{FF2B5EF4-FFF2-40B4-BE49-F238E27FC236}">
+                <a16:creationId xmlns:a16="http://schemas.microsoft.com/office/drawing/2014/main" id="{5016E772-CEE5-4684-AC41-A8E0FFCC47FE}"/>
+              </a:ext>
+            </a:extLst>
+          </p:cNvPr>
+          <p:cNvSpPr>
+            <a:spLocks noGrp="1"/>
+          </p:cNvSpPr>
+          <p:nvPr>
+            <p:ph type="title"/>
+          </p:nvPr>
+        </p:nvSpPr>
+        <p:spPr>
+          <a:xfrm>
+            <a:off x="1653363" y="365760"/>
+            <a:ext cx="9367203" cy="1188720"/>
           </a:xfrm>
         </p:spPr>
         <p:txBody>
@@ -5904,55 +11045,696 @@
           </a:bodyPr>
           <a:lstStyle/>
           <a:p>
+            <a:r>
+              <a:rPr lang="en-US" dirty="0"/>
+              <a:t>Bonus / Advanced Inputs </a:t>
+            </a:r>
+            <a:r>
+              <a:rPr lang="en-US" sz="1800" dirty="0"/>
+              <a:t>continued</a:t>
+            </a:r>
+            <a:endParaRPr lang="en-US" dirty="0"/>
+          </a:p>
+        </p:txBody>
+      </p:sp>
+      <p:sp>
+        <p:nvSpPr>
+          <p:cNvPr id="8" name="Freeform: Shape 7">
+            <a:extLst>
+              <a:ext uri="{FF2B5EF4-FFF2-40B4-BE49-F238E27FC236}">
+                <a16:creationId xmlns:a16="http://schemas.microsoft.com/office/drawing/2014/main" id="{7CB4857B-ED7C-444D-9F04-2F885114A1C2}"/>
+              </a:ext>
+              <a:ext uri="{C183D7F6-B498-43B3-948B-1728B52AA6E4}">
+                <adec:decorative xmlns:adec="http://schemas.microsoft.com/office/drawing/2017/decorative" val="1"/>
+              </a:ext>
+            </a:extLst>
+          </p:cNvPr>
+          <p:cNvSpPr>
+            <a:spLocks noGrp="1" noRot="1" noChangeAspect="1" noMove="1" noResize="1" noEditPoints="1" noAdjustHandles="1" noChangeArrowheads="1" noChangeShapeType="1" noTextEdit="1"/>
+          </p:cNvSpPr>
+          <p:nvPr>
+            <p:extLst>
+              <p:ext uri="{386F3935-93C4-4BCD-93E2-E3B085C9AB24}">
+                <p16:designElem xmlns:p16="http://schemas.microsoft.com/office/powerpoint/2015/main" val="1"/>
+              </p:ext>
+            </p:extLst>
+          </p:nvPr>
+        </p:nvSpPr>
+        <p:spPr>
+          <a:xfrm>
+            <a:off x="1" y="0"/>
+            <a:ext cx="1764099" cy="1558212"/>
+          </a:xfrm>
+          <a:custGeom>
+            <a:avLst/>
+            <a:gdLst>
+              <a:gd name="connsiteX0" fmla="*/ 0 w 1764099"/>
+              <a:gd name="connsiteY0" fmla="*/ 0 h 1558212"/>
+              <a:gd name="connsiteX1" fmla="*/ 1764099 w 1764099"/>
+              <a:gd name="connsiteY1" fmla="*/ 0 h 1558212"/>
+              <a:gd name="connsiteX2" fmla="*/ 1042087 w 1764099"/>
+              <a:gd name="connsiteY2" fmla="*/ 1558212 h 1558212"/>
+              <a:gd name="connsiteX3" fmla="*/ 0 w 1764099"/>
+              <a:gd name="connsiteY3" fmla="*/ 1558212 h 1558212"/>
+            </a:gdLst>
+            <a:ahLst/>
+            <a:cxnLst>
+              <a:cxn ang="0">
+                <a:pos x="connsiteX0" y="connsiteY0"/>
+              </a:cxn>
+              <a:cxn ang="0">
+                <a:pos x="connsiteX1" y="connsiteY1"/>
+              </a:cxn>
+              <a:cxn ang="0">
+                <a:pos x="connsiteX2" y="connsiteY2"/>
+              </a:cxn>
+              <a:cxn ang="0">
+                <a:pos x="connsiteX3" y="connsiteY3"/>
+              </a:cxn>
+            </a:cxnLst>
+            <a:rect l="l" t="t" r="r" b="b"/>
+            <a:pathLst>
+              <a:path w="1764099" h="1558212">
+                <a:moveTo>
+                  <a:pt x="0" y="0"/>
+                </a:moveTo>
+                <a:lnTo>
+                  <a:pt x="1764099" y="0"/>
+                </a:lnTo>
+                <a:lnTo>
+                  <a:pt x="1042087" y="1558212"/>
+                </a:lnTo>
+                <a:lnTo>
+                  <a:pt x="0" y="1558212"/>
+                </a:lnTo>
+                <a:close/>
+              </a:path>
+            </a:pathLst>
+          </a:custGeom>
+          <a:solidFill>
+            <a:schemeClr val="accent4"/>
+          </a:solidFill>
+          <a:ln>
+            <a:noFill/>
+          </a:ln>
+        </p:spPr>
+        <p:style>
+          <a:lnRef idx="2">
+            <a:schemeClr val="accent1">
+              <a:shade val="50000"/>
+            </a:schemeClr>
+          </a:lnRef>
+          <a:fillRef idx="1">
+            <a:schemeClr val="accent1"/>
+          </a:fillRef>
+          <a:effectRef idx="0">
+            <a:schemeClr val="accent1"/>
+          </a:effectRef>
+          <a:fontRef idx="minor">
+            <a:schemeClr val="lt1"/>
+          </a:fontRef>
+        </p:style>
+        <p:txBody>
+          <a:bodyPr wrap="square" rtlCol="0" anchor="ctr">
+            <a:noAutofit/>
+          </a:bodyPr>
+          <a:lstStyle/>
+          <a:p>
+            <a:pPr algn="ctr"/>
+            <a:endParaRPr lang="en-US"/>
+          </a:p>
+        </p:txBody>
+      </p:sp>
+      <p:sp>
+        <p:nvSpPr>
+          <p:cNvPr id="10" name="Freeform: Shape 9">
+            <a:extLst>
+              <a:ext uri="{FF2B5EF4-FFF2-40B4-BE49-F238E27FC236}">
+                <a16:creationId xmlns:a16="http://schemas.microsoft.com/office/drawing/2014/main" id="{D18046FB-44EA-4FD8-A585-EA09A319B2D0}"/>
+              </a:ext>
+              <a:ext uri="{C183D7F6-B498-43B3-948B-1728B52AA6E4}">
+                <adec:decorative xmlns:adec="http://schemas.microsoft.com/office/drawing/2017/decorative" val="1"/>
+              </a:ext>
+            </a:extLst>
+          </p:cNvPr>
+          <p:cNvSpPr>
+            <a:spLocks noGrp="1" noRot="1" noChangeAspect="1" noMove="1" noResize="1" noEditPoints="1" noAdjustHandles="1" noChangeArrowheads="1" noChangeShapeType="1" noTextEdit="1"/>
+          </p:cNvSpPr>
+          <p:nvPr>
+            <p:extLst>
+              <p:ext uri="{386F3935-93C4-4BCD-93E2-E3B085C9AB24}">
+                <p16:designElem xmlns:p16="http://schemas.microsoft.com/office/powerpoint/2015/main" val="1"/>
+              </p:ext>
+            </p:extLst>
+          </p:nvPr>
+        </p:nvSpPr>
+        <p:spPr>
+          <a:xfrm>
+            <a:off x="1" y="1691640"/>
+            <a:ext cx="12191999" cy="5166360"/>
+          </a:xfrm>
+          <a:custGeom>
+            <a:avLst/>
+            <a:gdLst>
+              <a:gd name="connsiteX0" fmla="*/ 0 w 12191999"/>
+              <a:gd name="connsiteY0" fmla="*/ 0 h 5166360"/>
+              <a:gd name="connsiteX1" fmla="*/ 1822388 w 12191999"/>
+              <a:gd name="connsiteY1" fmla="*/ 0 h 5166360"/>
+              <a:gd name="connsiteX2" fmla="*/ 6468290 w 12191999"/>
+              <a:gd name="connsiteY2" fmla="*/ 0 h 5166360"/>
+              <a:gd name="connsiteX3" fmla="*/ 7796394 w 12191999"/>
+              <a:gd name="connsiteY3" fmla="*/ 0 h 5166360"/>
+              <a:gd name="connsiteX4" fmla="*/ 8376834 w 12191999"/>
+              <a:gd name="connsiteY4" fmla="*/ 0 h 5166360"/>
+              <a:gd name="connsiteX5" fmla="*/ 9704938 w 12191999"/>
+              <a:gd name="connsiteY5" fmla="*/ 0 h 5166360"/>
+              <a:gd name="connsiteX6" fmla="*/ 9704938 w 12191999"/>
+              <a:gd name="connsiteY6" fmla="*/ 2 h 5166360"/>
+              <a:gd name="connsiteX7" fmla="*/ 10283456 w 12191999"/>
+              <a:gd name="connsiteY7" fmla="*/ 2 h 5166360"/>
+              <a:gd name="connsiteX8" fmla="*/ 10863897 w 12191999"/>
+              <a:gd name="connsiteY8" fmla="*/ 2 h 5166360"/>
+              <a:gd name="connsiteX9" fmla="*/ 12191999 w 12191999"/>
+              <a:gd name="connsiteY9" fmla="*/ 2 h 5166360"/>
+              <a:gd name="connsiteX10" fmla="*/ 12191999 w 12191999"/>
+              <a:gd name="connsiteY10" fmla="*/ 5166360 h 5166360"/>
+              <a:gd name="connsiteX11" fmla="*/ 0 w 12191999"/>
+              <a:gd name="connsiteY11" fmla="*/ 5166360 h 5166360"/>
+              <a:gd name="connsiteX12" fmla="*/ 0 w 12191999"/>
+              <a:gd name="connsiteY12" fmla="*/ 2604436 h 5166360"/>
+              <a:gd name="connsiteX13" fmla="*/ 862341 w 12191999"/>
+              <a:gd name="connsiteY13" fmla="*/ 743371 h 5166360"/>
+              <a:gd name="connsiteX14" fmla="*/ 0 w 12191999"/>
+              <a:gd name="connsiteY14" fmla="*/ 743371 h 5166360"/>
+              <a:gd name="connsiteX15" fmla="*/ 0 w 12191999"/>
+              <a:gd name="connsiteY15" fmla="*/ 742508 h 5166360"/>
+              <a:gd name="connsiteX16" fmla="*/ 92826 w 12191999"/>
+              <a:gd name="connsiteY16" fmla="*/ 742508 h 5166360"/>
+              <a:gd name="connsiteX17" fmla="*/ 406486 w 12191999"/>
+              <a:gd name="connsiteY17" fmla="*/ 742508 h 5166360"/>
+              <a:gd name="connsiteX18" fmla="*/ 406486 w 12191999"/>
+              <a:gd name="connsiteY18" fmla="*/ 742507 h 5166360"/>
+              <a:gd name="connsiteX19" fmla="*/ 862741 w 12191999"/>
+              <a:gd name="connsiteY19" fmla="*/ 742507 h 5166360"/>
+              <a:gd name="connsiteX20" fmla="*/ 1206388 w 12191999"/>
+              <a:gd name="connsiteY20" fmla="*/ 864 h 5166360"/>
+              <a:gd name="connsiteX21" fmla="*/ 748500 w 12191999"/>
+              <a:gd name="connsiteY21" fmla="*/ 864 h 5166360"/>
+              <a:gd name="connsiteX22" fmla="*/ 0 w 12191999"/>
+              <a:gd name="connsiteY22" fmla="*/ 864 h 5166360"/>
+            </a:gdLst>
+            <a:ahLst/>
+            <a:cxnLst>
+              <a:cxn ang="0">
+                <a:pos x="connsiteX0" y="connsiteY0"/>
+              </a:cxn>
+              <a:cxn ang="0">
+                <a:pos x="connsiteX1" y="connsiteY1"/>
+              </a:cxn>
+              <a:cxn ang="0">
+                <a:pos x="connsiteX2" y="connsiteY2"/>
+              </a:cxn>
+              <a:cxn ang="0">
+                <a:pos x="connsiteX3" y="connsiteY3"/>
+              </a:cxn>
+              <a:cxn ang="0">
+                <a:pos x="connsiteX4" y="connsiteY4"/>
+              </a:cxn>
+              <a:cxn ang="0">
+                <a:pos x="connsiteX5" y="connsiteY5"/>
+              </a:cxn>
+              <a:cxn ang="0">
+                <a:pos x="connsiteX6" y="connsiteY6"/>
+              </a:cxn>
+              <a:cxn ang="0">
+                <a:pos x="connsiteX7" y="connsiteY7"/>
+              </a:cxn>
+              <a:cxn ang="0">
+                <a:pos x="connsiteX8" y="connsiteY8"/>
+              </a:cxn>
+              <a:cxn ang="0">
+                <a:pos x="connsiteX9" y="connsiteY9"/>
+              </a:cxn>
+              <a:cxn ang="0">
+                <a:pos x="connsiteX10" y="connsiteY10"/>
+              </a:cxn>
+              <a:cxn ang="0">
+                <a:pos x="connsiteX11" y="connsiteY11"/>
+              </a:cxn>
+              <a:cxn ang="0">
+                <a:pos x="connsiteX12" y="connsiteY12"/>
+              </a:cxn>
+              <a:cxn ang="0">
+                <a:pos x="connsiteX13" y="connsiteY13"/>
+              </a:cxn>
+              <a:cxn ang="0">
+                <a:pos x="connsiteX14" y="connsiteY14"/>
+              </a:cxn>
+              <a:cxn ang="0">
+                <a:pos x="connsiteX15" y="connsiteY15"/>
+              </a:cxn>
+              <a:cxn ang="0">
+                <a:pos x="connsiteX16" y="connsiteY16"/>
+              </a:cxn>
+              <a:cxn ang="0">
+                <a:pos x="connsiteX17" y="connsiteY17"/>
+              </a:cxn>
+              <a:cxn ang="0">
+                <a:pos x="connsiteX18" y="connsiteY18"/>
+              </a:cxn>
+              <a:cxn ang="0">
+                <a:pos x="connsiteX19" y="connsiteY19"/>
+              </a:cxn>
+              <a:cxn ang="0">
+                <a:pos x="connsiteX20" y="connsiteY20"/>
+              </a:cxn>
+              <a:cxn ang="0">
+                <a:pos x="connsiteX21" y="connsiteY21"/>
+              </a:cxn>
+              <a:cxn ang="0">
+                <a:pos x="connsiteX22" y="connsiteY22"/>
+              </a:cxn>
+            </a:cxnLst>
+            <a:rect l="l" t="t" r="r" b="b"/>
+            <a:pathLst>
+              <a:path w="12191999" h="5166360">
+                <a:moveTo>
+                  <a:pt x="0" y="0"/>
+                </a:moveTo>
+                <a:lnTo>
+                  <a:pt x="1822388" y="0"/>
+                </a:lnTo>
+                <a:lnTo>
+                  <a:pt x="6468290" y="0"/>
+                </a:lnTo>
+                <a:lnTo>
+                  <a:pt x="7796394" y="0"/>
+                </a:lnTo>
+                <a:lnTo>
+                  <a:pt x="8376834" y="0"/>
+                </a:lnTo>
+                <a:lnTo>
+                  <a:pt x="9704938" y="0"/>
+                </a:lnTo>
+                <a:lnTo>
+                  <a:pt x="9704938" y="2"/>
+                </a:lnTo>
+                <a:lnTo>
+                  <a:pt x="10283456" y="2"/>
+                </a:lnTo>
+                <a:lnTo>
+                  <a:pt x="10863897" y="2"/>
+                </a:lnTo>
+                <a:lnTo>
+                  <a:pt x="12191999" y="2"/>
+                </a:lnTo>
+                <a:lnTo>
+                  <a:pt x="12191999" y="5166360"/>
+                </a:lnTo>
+                <a:lnTo>
+                  <a:pt x="0" y="5166360"/>
+                </a:lnTo>
+                <a:lnTo>
+                  <a:pt x="0" y="2604436"/>
+                </a:lnTo>
+                <a:lnTo>
+                  <a:pt x="862341" y="743371"/>
+                </a:lnTo>
+                <a:lnTo>
+                  <a:pt x="0" y="743371"/>
+                </a:lnTo>
+                <a:lnTo>
+                  <a:pt x="0" y="742508"/>
+                </a:lnTo>
+                <a:lnTo>
+                  <a:pt x="92826" y="742508"/>
+                </a:lnTo>
+                <a:lnTo>
+                  <a:pt x="406486" y="742508"/>
+                </a:lnTo>
+                <a:lnTo>
+                  <a:pt x="406486" y="742507"/>
+                </a:lnTo>
+                <a:lnTo>
+                  <a:pt x="862741" y="742507"/>
+                </a:lnTo>
+                <a:lnTo>
+                  <a:pt x="1206388" y="864"/>
+                </a:lnTo>
+                <a:lnTo>
+                  <a:pt x="748500" y="864"/>
+                </a:lnTo>
+                <a:lnTo>
+                  <a:pt x="0" y="864"/>
+                </a:lnTo>
+                <a:close/>
+              </a:path>
+            </a:pathLst>
+          </a:custGeom>
+          <a:solidFill>
+            <a:srgbClr val="A6A6A6">
+              <a:alpha val="49804"/>
+            </a:srgbClr>
+          </a:solidFill>
+          <a:ln>
+            <a:noFill/>
+          </a:ln>
+        </p:spPr>
+        <p:style>
+          <a:lnRef idx="2">
+            <a:schemeClr val="accent1">
+              <a:shade val="50000"/>
+            </a:schemeClr>
+          </a:lnRef>
+          <a:fillRef idx="1">
+            <a:schemeClr val="accent1"/>
+          </a:fillRef>
+          <a:effectRef idx="0">
+            <a:schemeClr val="accent1"/>
+          </a:effectRef>
+          <a:fontRef idx="minor">
+            <a:schemeClr val="lt1"/>
+          </a:fontRef>
+        </p:style>
+        <p:txBody>
+          <a:bodyPr wrap="square" rtlCol="0" anchor="ctr">
+            <a:noAutofit/>
+          </a:bodyPr>
+          <a:lstStyle/>
+          <a:p>
+            <a:pPr algn="ctr"/>
+            <a:endParaRPr lang="en-US"/>
+          </a:p>
+        </p:txBody>
+      </p:sp>
+      <p:sp>
+        <p:nvSpPr>
+          <p:cNvPr id="12" name="Freeform: Shape 11">
+            <a:extLst>
+              <a:ext uri="{FF2B5EF4-FFF2-40B4-BE49-F238E27FC236}">
+                <a16:creationId xmlns:a16="http://schemas.microsoft.com/office/drawing/2014/main" id="{479F5F2B-8B58-4140-AE6A-51F6C67B18D9}"/>
+              </a:ext>
+              <a:ext uri="{C183D7F6-B498-43B3-948B-1728B52AA6E4}">
+                <adec:decorative xmlns:adec="http://schemas.microsoft.com/office/drawing/2017/decorative" val="1"/>
+              </a:ext>
+            </a:extLst>
+          </p:cNvPr>
+          <p:cNvSpPr>
+            <a:spLocks noGrp="1" noRot="1" noChangeAspect="1" noMove="1" noResize="1" noEditPoints="1" noAdjustHandles="1" noChangeArrowheads="1" noChangeShapeType="1" noTextEdit="1"/>
+          </p:cNvSpPr>
+          <p:nvPr>
+            <p:extLst>
+              <p:ext uri="{386F3935-93C4-4BCD-93E2-E3B085C9AB24}">
+                <p16:designElem xmlns:p16="http://schemas.microsoft.com/office/powerpoint/2015/main" val="1"/>
+              </p:ext>
+            </p:extLst>
+          </p:nvPr>
+        </p:nvSpPr>
+        <p:spPr>
+          <a:xfrm>
+            <a:off x="0" y="1691641"/>
+            <a:ext cx="971654" cy="2096979"/>
+          </a:xfrm>
+          <a:custGeom>
+            <a:avLst/>
+            <a:gdLst>
+              <a:gd name="connsiteX0" fmla="*/ 0 w 971654"/>
+              <a:gd name="connsiteY0" fmla="*/ 0 h 2096979"/>
+              <a:gd name="connsiteX1" fmla="*/ 971654 w 971654"/>
+              <a:gd name="connsiteY1" fmla="*/ 0 h 2096979"/>
+              <a:gd name="connsiteX2" fmla="*/ 0 w 971654"/>
+              <a:gd name="connsiteY2" fmla="*/ 2096979 h 2096979"/>
+            </a:gdLst>
+            <a:ahLst/>
+            <a:cxnLst>
+              <a:cxn ang="0">
+                <a:pos x="connsiteX0" y="connsiteY0"/>
+              </a:cxn>
+              <a:cxn ang="0">
+                <a:pos x="connsiteX1" y="connsiteY1"/>
+              </a:cxn>
+              <a:cxn ang="0">
+                <a:pos x="connsiteX2" y="connsiteY2"/>
+              </a:cxn>
+            </a:cxnLst>
+            <a:rect l="l" t="t" r="r" b="b"/>
+            <a:pathLst>
+              <a:path w="971654" h="2096979">
+                <a:moveTo>
+                  <a:pt x="0" y="0"/>
+                </a:moveTo>
+                <a:lnTo>
+                  <a:pt x="971654" y="0"/>
+                </a:lnTo>
+                <a:lnTo>
+                  <a:pt x="0" y="2096979"/>
+                </a:lnTo>
+                <a:close/>
+              </a:path>
+            </a:pathLst>
+          </a:custGeom>
+          <a:solidFill>
+            <a:srgbClr val="404040"/>
+          </a:solidFill>
+          <a:ln>
+            <a:noFill/>
+          </a:ln>
+        </p:spPr>
+        <p:style>
+          <a:lnRef idx="2">
+            <a:schemeClr val="accent1">
+              <a:shade val="50000"/>
+            </a:schemeClr>
+          </a:lnRef>
+          <a:fillRef idx="1">
+            <a:schemeClr val="accent1"/>
+          </a:fillRef>
+          <a:effectRef idx="0">
+            <a:schemeClr val="accent1"/>
+          </a:effectRef>
+          <a:fontRef idx="minor">
+            <a:schemeClr val="lt1"/>
+          </a:fontRef>
+        </p:style>
+        <p:txBody>
+          <a:bodyPr wrap="square" rtlCol="0" anchor="ctr">
+            <a:noAutofit/>
+          </a:bodyPr>
+          <a:lstStyle/>
+          <a:p>
+            <a:pPr algn="ctr"/>
+            <a:endParaRPr lang="en-US"/>
+          </a:p>
+        </p:txBody>
+      </p:sp>
+      <p:sp>
+        <p:nvSpPr>
+          <p:cNvPr id="3" name="Content Placeholder 2">
+            <a:extLst>
+              <a:ext uri="{FF2B5EF4-FFF2-40B4-BE49-F238E27FC236}">
+                <a16:creationId xmlns:a16="http://schemas.microsoft.com/office/drawing/2014/main" id="{B0676D5E-CE40-4058-A696-C75940FF8CF5}"/>
+              </a:ext>
+            </a:extLst>
+          </p:cNvPr>
+          <p:cNvSpPr>
+            <a:spLocks noGrp="1"/>
+          </p:cNvSpPr>
+          <p:nvPr>
+            <p:ph idx="1"/>
+          </p:nvPr>
+        </p:nvSpPr>
+        <p:spPr>
+          <a:xfrm>
+            <a:off x="1216404" y="1696297"/>
+            <a:ext cx="10241587" cy="5166360"/>
+          </a:xfrm>
+        </p:spPr>
+        <p:txBody>
+          <a:bodyPr anchor="t">
+            <a:normAutofit/>
+          </a:bodyPr>
+          <a:lstStyle/>
+          <a:p>
+            <a:r>
+              <a:rPr lang="en-US" sz="1600" b="1" u="sng" dirty="0"/>
+              <a:t>Additional Inputs to </a:t>
+            </a:r>
+            <a:r>
+              <a:rPr lang="en-US" sz="2400" b="1" u="sng" dirty="0" err="1"/>
+              <a:t>ConfGen</a:t>
+            </a:r>
+            <a:endParaRPr lang="en-US" sz="1600" b="1" u="sng" dirty="0"/>
+          </a:p>
+          <a:p>
+            <a:pPr lvl="1"/>
+            <a:r>
+              <a:rPr lang="en-US" sz="1600" b="1" dirty="0" err="1"/>
+              <a:t>confGen_minimal</a:t>
+            </a:r>
+            <a:r>
+              <a:rPr lang="en-US" sz="1600" b="1" dirty="0"/>
+              <a:t>=True</a:t>
+            </a:r>
+            <a:r>
+              <a:rPr lang="en-US" sz="1600" dirty="0"/>
+              <a:t>	(executes var sheet replacement only. ( default: False) )</a:t>
+            </a:r>
+          </a:p>
+          <a:p>
+            <a:pPr lvl="1"/>
+            <a:endParaRPr lang="en-US" sz="1600" b="1" dirty="0"/>
+          </a:p>
+          <a:p>
+            <a:pPr lvl="1"/>
+            <a:r>
+              <a:rPr lang="en-US" sz="1600" b="1" dirty="0" err="1"/>
+              <a:t>find_column_name</a:t>
+            </a:r>
+            <a:r>
+              <a:rPr lang="en-US" sz="1600" b="1" dirty="0"/>
+              <a:t>=“Find”</a:t>
+            </a:r>
+            <a:r>
+              <a:rPr lang="en-US" sz="1600" dirty="0"/>
+              <a:t> ( custom FIND column name on var sheet (default: “FIND”) )</a:t>
+            </a:r>
+          </a:p>
+          <a:p>
+            <a:pPr lvl="1"/>
+            <a:r>
+              <a:rPr lang="en-US" sz="1600" b="1" dirty="0" err="1"/>
+              <a:t>replace_column_name</a:t>
+            </a:r>
+            <a:r>
+              <a:rPr lang="en-US" sz="1600" b="1" dirty="0"/>
+              <a:t>=“Replace”</a:t>
+            </a:r>
+            <a:r>
+              <a:rPr lang="en-US" sz="1600" dirty="0"/>
+              <a:t> ( custom REPLACE column name on var sheet (default: “REPLACE”) )</a:t>
+            </a:r>
+          </a:p>
+          <a:p>
+            <a:pPr lvl="1"/>
+            <a:endParaRPr lang="en-US" sz="1600" b="1" dirty="0"/>
+          </a:p>
+          <a:p>
+            <a:pPr lvl="1"/>
+            <a:r>
+              <a:rPr lang="en-US" sz="1600" b="1" dirty="0" err="1"/>
+              <a:t>condition_starter</a:t>
+            </a:r>
+            <a:r>
+              <a:rPr lang="en-US" sz="1600" b="1" dirty="0"/>
+              <a:t>=“GOAHEAD FOR”</a:t>
+            </a:r>
+            <a:r>
+              <a:rPr lang="en-US" sz="1600" dirty="0"/>
+              <a:t> ( conditional section start identifier (default: “GOAHEAD FOR”) )</a:t>
+            </a:r>
+          </a:p>
+          <a:p>
+            <a:pPr lvl="1"/>
+            <a:r>
+              <a:rPr lang="en-US" sz="1600" b="1" dirty="0" err="1"/>
+              <a:t>condition_stopper</a:t>
+            </a:r>
+            <a:r>
+              <a:rPr lang="en-US" sz="1600" b="1" dirty="0"/>
+              <a:t>=“GOAHEAD END”</a:t>
+            </a:r>
+            <a:r>
+              <a:rPr lang="en-US" sz="1600" dirty="0"/>
+              <a:t> ( conditional section end identifier (default: “GOAHEAD END”) )</a:t>
+            </a:r>
+          </a:p>
+          <a:p>
+            <a:pPr lvl="1"/>
+            <a:r>
+              <a:rPr lang="en-US" sz="1600" b="1" dirty="0" err="1"/>
+              <a:t>repeat_starter</a:t>
+            </a:r>
+            <a:r>
+              <a:rPr lang="en-US" sz="1600" b="1" dirty="0"/>
+              <a:t>=“REPEAT EACH”</a:t>
+            </a:r>
+            <a:r>
+              <a:rPr lang="en-US" sz="1600" dirty="0"/>
+              <a:t> ( repeat section start identifier (default: “REPEAT EACH”) )</a:t>
+            </a:r>
+          </a:p>
+          <a:p>
+            <a:pPr lvl="1"/>
+            <a:r>
+              <a:rPr lang="en-US" sz="1600" b="1" dirty="0" err="1"/>
+              <a:t>repeat_stopper</a:t>
+            </a:r>
+            <a:r>
+              <a:rPr lang="en-US" sz="1600" b="1" dirty="0"/>
+              <a:t>=“REPEAT STOP”</a:t>
+            </a:r>
+            <a:r>
+              <a:rPr lang="en-US" sz="1600" dirty="0"/>
+              <a:t> ( repeat section end identifier (default: “REPEAT STOP”) )</a:t>
+            </a:r>
+          </a:p>
+          <a:p>
+            <a:pPr lvl="1"/>
+            <a:endParaRPr lang="en-US" sz="1600" b="1" dirty="0"/>
+          </a:p>
+          <a:p>
+            <a:pPr lvl="1"/>
+            <a:r>
+              <a:rPr lang="en-US" sz="1600" b="1" dirty="0" err="1"/>
+              <a:t>nested_section_var_identifier</a:t>
+            </a:r>
+            <a:r>
+              <a:rPr lang="en-US" sz="1600" b="1" dirty="0"/>
+              <a:t>=“PARENT” </a:t>
+            </a:r>
+            <a:r>
+              <a:rPr lang="en-US" sz="1600" dirty="0"/>
+              <a:t>( nested section variable identifier if used (default: “PARENT”) ) </a:t>
+            </a:r>
+            <a:r>
+              <a:rPr lang="en-US" sz="1600" dirty="0">
+                <a:solidFill>
+                  <a:srgbClr val="FF0000"/>
+                </a:solidFill>
+              </a:rPr>
+              <a:t>**</a:t>
+            </a:r>
+          </a:p>
+          <a:p>
             <a:pPr marL="457200" lvl="1" indent="0">
               <a:buNone/>
             </a:pPr>
             <a:r>
-              <a:rPr lang="en-US" sz="1600" dirty="0" err="1">
-                <a:solidFill>
-                  <a:srgbClr val="00B050"/>
-                </a:solidFill>
-              </a:rPr>
-              <a:t>Aabhar</a:t>
-            </a:r>
-            <a:endParaRPr lang="en-US" sz="1600" dirty="0">
-              <a:solidFill>
-                <a:srgbClr val="00B050"/>
-              </a:solidFill>
-            </a:endParaRPr>
+              <a:rPr lang="en-US" sz="1050" dirty="0">
+                <a:solidFill>
+                  <a:srgbClr val="FF0000"/>
+                </a:solidFill>
+              </a:rPr>
+              <a:t>** see more details on Nested Section Variable Identifier Declaration in Template section</a:t>
+            </a:r>
           </a:p>
           <a:p>
             <a:pPr marL="457200" lvl="1" indent="0">
               <a:buNone/>
             </a:pPr>
-            <a:r>
-              <a:rPr lang="en-US" sz="1600" dirty="0">
-                <a:solidFill>
-                  <a:srgbClr val="00B050"/>
-                </a:solidFill>
-              </a:rPr>
-              <a:t>Thank You</a:t>
-            </a:r>
+            <a:endParaRPr lang="en-US" sz="900" dirty="0"/>
           </a:p>
           <a:p>
             <a:pPr marL="457200" lvl="1" indent="0">
               <a:buNone/>
             </a:pPr>
             <a:r>
-              <a:rPr lang="en-US" sz="1600" dirty="0" err="1">
-                <a:solidFill>
-                  <a:srgbClr val="00B050"/>
-                </a:solidFill>
-              </a:rPr>
-              <a:t>Sukriya</a:t>
-            </a:r>
-            <a:r>
-              <a:rPr lang="en-US" sz="1600" dirty="0">
-                <a:solidFill>
-                  <a:srgbClr val="00B050"/>
-                </a:solidFill>
-              </a:rPr>
-              <a:t> </a:t>
+              <a:rPr lang="en-US" sz="1050" b="1" dirty="0"/>
+              <a:t>Note:</a:t>
+            </a:r>
+            <a:r>
+              <a:rPr lang="en-US" sz="1050" dirty="0"/>
+              <a:t> These are enhancement of version 0.0.2</a:t>
             </a:r>
           </a:p>
         </p:txBody>
@@ -5960,7 +11742,925 @@
     </p:spTree>
     <p:extLst>
       <p:ext uri="{BB962C8B-B14F-4D97-AF65-F5344CB8AC3E}">
-        <p14:creationId xmlns:p14="http://schemas.microsoft.com/office/powerpoint/2010/main" val="2658920615"/>
+        <p14:creationId xmlns:p14="http://schemas.microsoft.com/office/powerpoint/2010/main" val="2316777294"/>
+      </p:ext>
+    </p:extLst>
+  </p:cSld>
+  <p:clrMapOvr>
+    <a:masterClrMapping/>
+  </p:clrMapOvr>
+</p:sld>
+</file>
+
+<file path=ppt/slides/slide9.xml><?xml version="1.0" encoding="utf-8"?>
+<p:sld xmlns:a="http://schemas.openxmlformats.org/drawingml/2006/main" xmlns:r="http://schemas.openxmlformats.org/officeDocument/2006/relationships" xmlns:p="http://schemas.openxmlformats.org/presentationml/2006/main">
+  <p:cSld>
+    <p:bg>
+      <p:bgPr>
+        <a:solidFill>
+          <a:schemeClr val="bg1"/>
+        </a:solidFill>
+        <a:effectLst/>
+      </p:bgPr>
+    </p:bg>
+    <p:spTree>
+      <p:nvGrpSpPr>
+        <p:cNvPr id="1" name=""/>
+        <p:cNvGrpSpPr/>
+        <p:nvPr/>
+      </p:nvGrpSpPr>
+      <p:grpSpPr>
+        <a:xfrm>
+          <a:off x="0" y="0"/>
+          <a:ext cx="0" cy="0"/>
+          <a:chOff x="0" y="0"/>
+          <a:chExt cx="0" cy="0"/>
+        </a:xfrm>
+      </p:grpSpPr>
+      <p:sp>
+        <p:nvSpPr>
+          <p:cNvPr id="2" name="Title 1">
+            <a:extLst>
+              <a:ext uri="{FF2B5EF4-FFF2-40B4-BE49-F238E27FC236}">
+                <a16:creationId xmlns:a16="http://schemas.microsoft.com/office/drawing/2014/main" id="{5016E772-CEE5-4684-AC41-A8E0FFCC47FE}"/>
+              </a:ext>
+            </a:extLst>
+          </p:cNvPr>
+          <p:cNvSpPr>
+            <a:spLocks noGrp="1"/>
+          </p:cNvSpPr>
+          <p:nvPr>
+            <p:ph type="title"/>
+          </p:nvPr>
+        </p:nvSpPr>
+        <p:spPr>
+          <a:xfrm>
+            <a:off x="1653363" y="365760"/>
+            <a:ext cx="9367203" cy="1188720"/>
+          </a:xfrm>
+        </p:spPr>
+        <p:txBody>
+          <a:bodyPr>
+            <a:normAutofit/>
+          </a:bodyPr>
+          <a:lstStyle/>
+          <a:p>
+            <a:r>
+              <a:rPr lang="en-US" dirty="0"/>
+              <a:t>Bonus / Advanced Inputs </a:t>
+            </a:r>
+            <a:r>
+              <a:rPr lang="en-US" sz="1800" dirty="0"/>
+              <a:t>continued</a:t>
+            </a:r>
+            <a:endParaRPr lang="en-US" dirty="0"/>
+          </a:p>
+        </p:txBody>
+      </p:sp>
+      <p:sp>
+        <p:nvSpPr>
+          <p:cNvPr id="8" name="Freeform: Shape 7">
+            <a:extLst>
+              <a:ext uri="{FF2B5EF4-FFF2-40B4-BE49-F238E27FC236}">
+                <a16:creationId xmlns:a16="http://schemas.microsoft.com/office/drawing/2014/main" id="{7CB4857B-ED7C-444D-9F04-2F885114A1C2}"/>
+              </a:ext>
+              <a:ext uri="{C183D7F6-B498-43B3-948B-1728B52AA6E4}">
+                <adec:decorative xmlns:adec="http://schemas.microsoft.com/office/drawing/2017/decorative" val="1"/>
+              </a:ext>
+            </a:extLst>
+          </p:cNvPr>
+          <p:cNvSpPr>
+            <a:spLocks noGrp="1" noRot="1" noChangeAspect="1" noMove="1" noResize="1" noEditPoints="1" noAdjustHandles="1" noChangeArrowheads="1" noChangeShapeType="1" noTextEdit="1"/>
+          </p:cNvSpPr>
+          <p:nvPr>
+            <p:extLst>
+              <p:ext uri="{386F3935-93C4-4BCD-93E2-E3B085C9AB24}">
+                <p16:designElem xmlns:p16="http://schemas.microsoft.com/office/powerpoint/2015/main" val="1"/>
+              </p:ext>
+            </p:extLst>
+          </p:nvPr>
+        </p:nvSpPr>
+        <p:spPr>
+          <a:xfrm>
+            <a:off x="1" y="0"/>
+            <a:ext cx="1764099" cy="1558212"/>
+          </a:xfrm>
+          <a:custGeom>
+            <a:avLst/>
+            <a:gdLst>
+              <a:gd name="connsiteX0" fmla="*/ 0 w 1764099"/>
+              <a:gd name="connsiteY0" fmla="*/ 0 h 1558212"/>
+              <a:gd name="connsiteX1" fmla="*/ 1764099 w 1764099"/>
+              <a:gd name="connsiteY1" fmla="*/ 0 h 1558212"/>
+              <a:gd name="connsiteX2" fmla="*/ 1042087 w 1764099"/>
+              <a:gd name="connsiteY2" fmla="*/ 1558212 h 1558212"/>
+              <a:gd name="connsiteX3" fmla="*/ 0 w 1764099"/>
+              <a:gd name="connsiteY3" fmla="*/ 1558212 h 1558212"/>
+            </a:gdLst>
+            <a:ahLst/>
+            <a:cxnLst>
+              <a:cxn ang="0">
+                <a:pos x="connsiteX0" y="connsiteY0"/>
+              </a:cxn>
+              <a:cxn ang="0">
+                <a:pos x="connsiteX1" y="connsiteY1"/>
+              </a:cxn>
+              <a:cxn ang="0">
+                <a:pos x="connsiteX2" y="connsiteY2"/>
+              </a:cxn>
+              <a:cxn ang="0">
+                <a:pos x="connsiteX3" y="connsiteY3"/>
+              </a:cxn>
+            </a:cxnLst>
+            <a:rect l="l" t="t" r="r" b="b"/>
+            <a:pathLst>
+              <a:path w="1764099" h="1558212">
+                <a:moveTo>
+                  <a:pt x="0" y="0"/>
+                </a:moveTo>
+                <a:lnTo>
+                  <a:pt x="1764099" y="0"/>
+                </a:lnTo>
+                <a:lnTo>
+                  <a:pt x="1042087" y="1558212"/>
+                </a:lnTo>
+                <a:lnTo>
+                  <a:pt x="0" y="1558212"/>
+                </a:lnTo>
+                <a:close/>
+              </a:path>
+            </a:pathLst>
+          </a:custGeom>
+          <a:solidFill>
+            <a:schemeClr val="accent4"/>
+          </a:solidFill>
+          <a:ln>
+            <a:noFill/>
+          </a:ln>
+        </p:spPr>
+        <p:style>
+          <a:lnRef idx="2">
+            <a:schemeClr val="accent1">
+              <a:shade val="50000"/>
+            </a:schemeClr>
+          </a:lnRef>
+          <a:fillRef idx="1">
+            <a:schemeClr val="accent1"/>
+          </a:fillRef>
+          <a:effectRef idx="0">
+            <a:schemeClr val="accent1"/>
+          </a:effectRef>
+          <a:fontRef idx="minor">
+            <a:schemeClr val="lt1"/>
+          </a:fontRef>
+        </p:style>
+        <p:txBody>
+          <a:bodyPr wrap="square" rtlCol="0" anchor="ctr">
+            <a:noAutofit/>
+          </a:bodyPr>
+          <a:lstStyle/>
+          <a:p>
+            <a:pPr algn="ctr"/>
+            <a:endParaRPr lang="en-US"/>
+          </a:p>
+        </p:txBody>
+      </p:sp>
+      <p:sp>
+        <p:nvSpPr>
+          <p:cNvPr id="10" name="Freeform: Shape 9">
+            <a:extLst>
+              <a:ext uri="{FF2B5EF4-FFF2-40B4-BE49-F238E27FC236}">
+                <a16:creationId xmlns:a16="http://schemas.microsoft.com/office/drawing/2014/main" id="{D18046FB-44EA-4FD8-A585-EA09A319B2D0}"/>
+              </a:ext>
+              <a:ext uri="{C183D7F6-B498-43B3-948B-1728B52AA6E4}">
+                <adec:decorative xmlns:adec="http://schemas.microsoft.com/office/drawing/2017/decorative" val="1"/>
+              </a:ext>
+            </a:extLst>
+          </p:cNvPr>
+          <p:cNvSpPr>
+            <a:spLocks noGrp="1" noRot="1" noChangeAspect="1" noMove="1" noResize="1" noEditPoints="1" noAdjustHandles="1" noChangeArrowheads="1" noChangeShapeType="1" noTextEdit="1"/>
+          </p:cNvSpPr>
+          <p:nvPr>
+            <p:extLst>
+              <p:ext uri="{386F3935-93C4-4BCD-93E2-E3B085C9AB24}">
+                <p16:designElem xmlns:p16="http://schemas.microsoft.com/office/powerpoint/2015/main" val="1"/>
+              </p:ext>
+            </p:extLst>
+          </p:nvPr>
+        </p:nvSpPr>
+        <p:spPr>
+          <a:xfrm>
+            <a:off x="1" y="1691640"/>
+            <a:ext cx="12191999" cy="5166360"/>
+          </a:xfrm>
+          <a:custGeom>
+            <a:avLst/>
+            <a:gdLst>
+              <a:gd name="connsiteX0" fmla="*/ 0 w 12191999"/>
+              <a:gd name="connsiteY0" fmla="*/ 0 h 5166360"/>
+              <a:gd name="connsiteX1" fmla="*/ 1822388 w 12191999"/>
+              <a:gd name="connsiteY1" fmla="*/ 0 h 5166360"/>
+              <a:gd name="connsiteX2" fmla="*/ 6468290 w 12191999"/>
+              <a:gd name="connsiteY2" fmla="*/ 0 h 5166360"/>
+              <a:gd name="connsiteX3" fmla="*/ 7796394 w 12191999"/>
+              <a:gd name="connsiteY3" fmla="*/ 0 h 5166360"/>
+              <a:gd name="connsiteX4" fmla="*/ 8376834 w 12191999"/>
+              <a:gd name="connsiteY4" fmla="*/ 0 h 5166360"/>
+              <a:gd name="connsiteX5" fmla="*/ 9704938 w 12191999"/>
+              <a:gd name="connsiteY5" fmla="*/ 0 h 5166360"/>
+              <a:gd name="connsiteX6" fmla="*/ 9704938 w 12191999"/>
+              <a:gd name="connsiteY6" fmla="*/ 2 h 5166360"/>
+              <a:gd name="connsiteX7" fmla="*/ 10283456 w 12191999"/>
+              <a:gd name="connsiteY7" fmla="*/ 2 h 5166360"/>
+              <a:gd name="connsiteX8" fmla="*/ 10863897 w 12191999"/>
+              <a:gd name="connsiteY8" fmla="*/ 2 h 5166360"/>
+              <a:gd name="connsiteX9" fmla="*/ 12191999 w 12191999"/>
+              <a:gd name="connsiteY9" fmla="*/ 2 h 5166360"/>
+              <a:gd name="connsiteX10" fmla="*/ 12191999 w 12191999"/>
+              <a:gd name="connsiteY10" fmla="*/ 5166360 h 5166360"/>
+              <a:gd name="connsiteX11" fmla="*/ 0 w 12191999"/>
+              <a:gd name="connsiteY11" fmla="*/ 5166360 h 5166360"/>
+              <a:gd name="connsiteX12" fmla="*/ 0 w 12191999"/>
+              <a:gd name="connsiteY12" fmla="*/ 2604436 h 5166360"/>
+              <a:gd name="connsiteX13" fmla="*/ 862341 w 12191999"/>
+              <a:gd name="connsiteY13" fmla="*/ 743371 h 5166360"/>
+              <a:gd name="connsiteX14" fmla="*/ 0 w 12191999"/>
+              <a:gd name="connsiteY14" fmla="*/ 743371 h 5166360"/>
+              <a:gd name="connsiteX15" fmla="*/ 0 w 12191999"/>
+              <a:gd name="connsiteY15" fmla="*/ 742508 h 5166360"/>
+              <a:gd name="connsiteX16" fmla="*/ 92826 w 12191999"/>
+              <a:gd name="connsiteY16" fmla="*/ 742508 h 5166360"/>
+              <a:gd name="connsiteX17" fmla="*/ 406486 w 12191999"/>
+              <a:gd name="connsiteY17" fmla="*/ 742508 h 5166360"/>
+              <a:gd name="connsiteX18" fmla="*/ 406486 w 12191999"/>
+              <a:gd name="connsiteY18" fmla="*/ 742507 h 5166360"/>
+              <a:gd name="connsiteX19" fmla="*/ 862741 w 12191999"/>
+              <a:gd name="connsiteY19" fmla="*/ 742507 h 5166360"/>
+              <a:gd name="connsiteX20" fmla="*/ 1206388 w 12191999"/>
+              <a:gd name="connsiteY20" fmla="*/ 864 h 5166360"/>
+              <a:gd name="connsiteX21" fmla="*/ 748500 w 12191999"/>
+              <a:gd name="connsiteY21" fmla="*/ 864 h 5166360"/>
+              <a:gd name="connsiteX22" fmla="*/ 0 w 12191999"/>
+              <a:gd name="connsiteY22" fmla="*/ 864 h 5166360"/>
+            </a:gdLst>
+            <a:ahLst/>
+            <a:cxnLst>
+              <a:cxn ang="0">
+                <a:pos x="connsiteX0" y="connsiteY0"/>
+              </a:cxn>
+              <a:cxn ang="0">
+                <a:pos x="connsiteX1" y="connsiteY1"/>
+              </a:cxn>
+              <a:cxn ang="0">
+                <a:pos x="connsiteX2" y="connsiteY2"/>
+              </a:cxn>
+              <a:cxn ang="0">
+                <a:pos x="connsiteX3" y="connsiteY3"/>
+              </a:cxn>
+              <a:cxn ang="0">
+                <a:pos x="connsiteX4" y="connsiteY4"/>
+              </a:cxn>
+              <a:cxn ang="0">
+                <a:pos x="connsiteX5" y="connsiteY5"/>
+              </a:cxn>
+              <a:cxn ang="0">
+                <a:pos x="connsiteX6" y="connsiteY6"/>
+              </a:cxn>
+              <a:cxn ang="0">
+                <a:pos x="connsiteX7" y="connsiteY7"/>
+              </a:cxn>
+              <a:cxn ang="0">
+                <a:pos x="connsiteX8" y="connsiteY8"/>
+              </a:cxn>
+              <a:cxn ang="0">
+                <a:pos x="connsiteX9" y="connsiteY9"/>
+              </a:cxn>
+              <a:cxn ang="0">
+                <a:pos x="connsiteX10" y="connsiteY10"/>
+              </a:cxn>
+              <a:cxn ang="0">
+                <a:pos x="connsiteX11" y="connsiteY11"/>
+              </a:cxn>
+              <a:cxn ang="0">
+                <a:pos x="connsiteX12" y="connsiteY12"/>
+              </a:cxn>
+              <a:cxn ang="0">
+                <a:pos x="connsiteX13" y="connsiteY13"/>
+              </a:cxn>
+              <a:cxn ang="0">
+                <a:pos x="connsiteX14" y="connsiteY14"/>
+              </a:cxn>
+              <a:cxn ang="0">
+                <a:pos x="connsiteX15" y="connsiteY15"/>
+              </a:cxn>
+              <a:cxn ang="0">
+                <a:pos x="connsiteX16" y="connsiteY16"/>
+              </a:cxn>
+              <a:cxn ang="0">
+                <a:pos x="connsiteX17" y="connsiteY17"/>
+              </a:cxn>
+              <a:cxn ang="0">
+                <a:pos x="connsiteX18" y="connsiteY18"/>
+              </a:cxn>
+              <a:cxn ang="0">
+                <a:pos x="connsiteX19" y="connsiteY19"/>
+              </a:cxn>
+              <a:cxn ang="0">
+                <a:pos x="connsiteX20" y="connsiteY20"/>
+              </a:cxn>
+              <a:cxn ang="0">
+                <a:pos x="connsiteX21" y="connsiteY21"/>
+              </a:cxn>
+              <a:cxn ang="0">
+                <a:pos x="connsiteX22" y="connsiteY22"/>
+              </a:cxn>
+            </a:cxnLst>
+            <a:rect l="l" t="t" r="r" b="b"/>
+            <a:pathLst>
+              <a:path w="12191999" h="5166360">
+                <a:moveTo>
+                  <a:pt x="0" y="0"/>
+                </a:moveTo>
+                <a:lnTo>
+                  <a:pt x="1822388" y="0"/>
+                </a:lnTo>
+                <a:lnTo>
+                  <a:pt x="6468290" y="0"/>
+                </a:lnTo>
+                <a:lnTo>
+                  <a:pt x="7796394" y="0"/>
+                </a:lnTo>
+                <a:lnTo>
+                  <a:pt x="8376834" y="0"/>
+                </a:lnTo>
+                <a:lnTo>
+                  <a:pt x="9704938" y="0"/>
+                </a:lnTo>
+                <a:lnTo>
+                  <a:pt x="9704938" y="2"/>
+                </a:lnTo>
+                <a:lnTo>
+                  <a:pt x="10283456" y="2"/>
+                </a:lnTo>
+                <a:lnTo>
+                  <a:pt x="10863897" y="2"/>
+                </a:lnTo>
+                <a:lnTo>
+                  <a:pt x="12191999" y="2"/>
+                </a:lnTo>
+                <a:lnTo>
+                  <a:pt x="12191999" y="5166360"/>
+                </a:lnTo>
+                <a:lnTo>
+                  <a:pt x="0" y="5166360"/>
+                </a:lnTo>
+                <a:lnTo>
+                  <a:pt x="0" y="2604436"/>
+                </a:lnTo>
+                <a:lnTo>
+                  <a:pt x="862341" y="743371"/>
+                </a:lnTo>
+                <a:lnTo>
+                  <a:pt x="0" y="743371"/>
+                </a:lnTo>
+                <a:lnTo>
+                  <a:pt x="0" y="742508"/>
+                </a:lnTo>
+                <a:lnTo>
+                  <a:pt x="92826" y="742508"/>
+                </a:lnTo>
+                <a:lnTo>
+                  <a:pt x="406486" y="742508"/>
+                </a:lnTo>
+                <a:lnTo>
+                  <a:pt x="406486" y="742507"/>
+                </a:lnTo>
+                <a:lnTo>
+                  <a:pt x="862741" y="742507"/>
+                </a:lnTo>
+                <a:lnTo>
+                  <a:pt x="1206388" y="864"/>
+                </a:lnTo>
+                <a:lnTo>
+                  <a:pt x="748500" y="864"/>
+                </a:lnTo>
+                <a:lnTo>
+                  <a:pt x="0" y="864"/>
+                </a:lnTo>
+                <a:close/>
+              </a:path>
+            </a:pathLst>
+          </a:custGeom>
+          <a:solidFill>
+            <a:srgbClr val="A6A6A6">
+              <a:alpha val="49804"/>
+            </a:srgbClr>
+          </a:solidFill>
+          <a:ln>
+            <a:noFill/>
+          </a:ln>
+        </p:spPr>
+        <p:style>
+          <a:lnRef idx="2">
+            <a:schemeClr val="accent1">
+              <a:shade val="50000"/>
+            </a:schemeClr>
+          </a:lnRef>
+          <a:fillRef idx="1">
+            <a:schemeClr val="accent1"/>
+          </a:fillRef>
+          <a:effectRef idx="0">
+            <a:schemeClr val="accent1"/>
+          </a:effectRef>
+          <a:fontRef idx="minor">
+            <a:schemeClr val="lt1"/>
+          </a:fontRef>
+        </p:style>
+        <p:txBody>
+          <a:bodyPr wrap="square" rtlCol="0" anchor="ctr">
+            <a:noAutofit/>
+          </a:bodyPr>
+          <a:lstStyle/>
+          <a:p>
+            <a:pPr algn="ctr"/>
+            <a:endParaRPr lang="en-US"/>
+          </a:p>
+        </p:txBody>
+      </p:sp>
+      <p:sp>
+        <p:nvSpPr>
+          <p:cNvPr id="12" name="Freeform: Shape 11">
+            <a:extLst>
+              <a:ext uri="{FF2B5EF4-FFF2-40B4-BE49-F238E27FC236}">
+                <a16:creationId xmlns:a16="http://schemas.microsoft.com/office/drawing/2014/main" id="{479F5F2B-8B58-4140-AE6A-51F6C67B18D9}"/>
+              </a:ext>
+              <a:ext uri="{C183D7F6-B498-43B3-948B-1728B52AA6E4}">
+                <adec:decorative xmlns:adec="http://schemas.microsoft.com/office/drawing/2017/decorative" val="1"/>
+              </a:ext>
+            </a:extLst>
+          </p:cNvPr>
+          <p:cNvSpPr>
+            <a:spLocks noGrp="1" noRot="1" noChangeAspect="1" noMove="1" noResize="1" noEditPoints="1" noAdjustHandles="1" noChangeArrowheads="1" noChangeShapeType="1" noTextEdit="1"/>
+          </p:cNvSpPr>
+          <p:nvPr>
+            <p:extLst>
+              <p:ext uri="{386F3935-93C4-4BCD-93E2-E3B085C9AB24}">
+                <p16:designElem xmlns:p16="http://schemas.microsoft.com/office/powerpoint/2015/main" val="1"/>
+              </p:ext>
+            </p:extLst>
+          </p:nvPr>
+        </p:nvSpPr>
+        <p:spPr>
+          <a:xfrm>
+            <a:off x="0" y="1691641"/>
+            <a:ext cx="971654" cy="2096979"/>
+          </a:xfrm>
+          <a:custGeom>
+            <a:avLst/>
+            <a:gdLst>
+              <a:gd name="connsiteX0" fmla="*/ 0 w 971654"/>
+              <a:gd name="connsiteY0" fmla="*/ 0 h 2096979"/>
+              <a:gd name="connsiteX1" fmla="*/ 971654 w 971654"/>
+              <a:gd name="connsiteY1" fmla="*/ 0 h 2096979"/>
+              <a:gd name="connsiteX2" fmla="*/ 0 w 971654"/>
+              <a:gd name="connsiteY2" fmla="*/ 2096979 h 2096979"/>
+            </a:gdLst>
+            <a:ahLst/>
+            <a:cxnLst>
+              <a:cxn ang="0">
+                <a:pos x="connsiteX0" y="connsiteY0"/>
+              </a:cxn>
+              <a:cxn ang="0">
+                <a:pos x="connsiteX1" y="connsiteY1"/>
+              </a:cxn>
+              <a:cxn ang="0">
+                <a:pos x="connsiteX2" y="connsiteY2"/>
+              </a:cxn>
+            </a:cxnLst>
+            <a:rect l="l" t="t" r="r" b="b"/>
+            <a:pathLst>
+              <a:path w="971654" h="2096979">
+                <a:moveTo>
+                  <a:pt x="0" y="0"/>
+                </a:moveTo>
+                <a:lnTo>
+                  <a:pt x="971654" y="0"/>
+                </a:lnTo>
+                <a:lnTo>
+                  <a:pt x="0" y="2096979"/>
+                </a:lnTo>
+                <a:close/>
+              </a:path>
+            </a:pathLst>
+          </a:custGeom>
+          <a:solidFill>
+            <a:srgbClr val="404040"/>
+          </a:solidFill>
+          <a:ln>
+            <a:noFill/>
+          </a:ln>
+        </p:spPr>
+        <p:style>
+          <a:lnRef idx="2">
+            <a:schemeClr val="accent1">
+              <a:shade val="50000"/>
+            </a:schemeClr>
+          </a:lnRef>
+          <a:fillRef idx="1">
+            <a:schemeClr val="accent1"/>
+          </a:fillRef>
+          <a:effectRef idx="0">
+            <a:schemeClr val="accent1"/>
+          </a:effectRef>
+          <a:fontRef idx="minor">
+            <a:schemeClr val="lt1"/>
+          </a:fontRef>
+        </p:style>
+        <p:txBody>
+          <a:bodyPr wrap="square" rtlCol="0" anchor="ctr">
+            <a:noAutofit/>
+          </a:bodyPr>
+          <a:lstStyle/>
+          <a:p>
+            <a:pPr algn="ctr"/>
+            <a:endParaRPr lang="en-US"/>
+          </a:p>
+        </p:txBody>
+      </p:sp>
+      <p:sp>
+        <p:nvSpPr>
+          <p:cNvPr id="3" name="Content Placeholder 2">
+            <a:extLst>
+              <a:ext uri="{FF2B5EF4-FFF2-40B4-BE49-F238E27FC236}">
+                <a16:creationId xmlns:a16="http://schemas.microsoft.com/office/drawing/2014/main" id="{B0676D5E-CE40-4058-A696-C75940FF8CF5}"/>
+              </a:ext>
+            </a:extLst>
+          </p:cNvPr>
+          <p:cNvSpPr>
+            <a:spLocks noGrp="1"/>
+          </p:cNvSpPr>
+          <p:nvPr>
+            <p:ph idx="1"/>
+          </p:nvPr>
+        </p:nvSpPr>
+        <p:spPr>
+          <a:xfrm>
+            <a:off x="1214824" y="1697238"/>
+            <a:ext cx="10886980" cy="5166359"/>
+          </a:xfrm>
+        </p:spPr>
+        <p:txBody>
+          <a:bodyPr anchor="t">
+            <a:normAutofit/>
+          </a:bodyPr>
+          <a:lstStyle/>
+          <a:p>
+            <a:r>
+              <a:rPr lang="en-US" sz="1600" b="1" u="sng" dirty="0"/>
+              <a:t>Nested Section Variable Identifier Declaration in Template:</a:t>
+            </a:r>
+          </a:p>
+          <a:p>
+            <a:pPr lvl="1"/>
+            <a:r>
+              <a:rPr lang="en-US" sz="1600" dirty="0"/>
+              <a:t>There are certain situations where match requires dynamic value; based on previous match.</a:t>
+            </a:r>
+          </a:p>
+          <a:p>
+            <a:pPr lvl="1"/>
+            <a:r>
+              <a:rPr lang="en-US" sz="1600" dirty="0"/>
+              <a:t>Nested section condition servers this purpose.</a:t>
+            </a:r>
+          </a:p>
+          <a:p>
+            <a:pPr lvl="1"/>
+            <a:r>
+              <a:rPr lang="en-US" sz="1600" dirty="0"/>
+              <a:t>In a dynamic value match condition,</a:t>
+            </a:r>
+          </a:p>
+          <a:p>
+            <a:pPr marL="457200" lvl="1" indent="0">
+              <a:buNone/>
+            </a:pPr>
+            <a:r>
+              <a:rPr lang="en-US" sz="1600" dirty="0"/>
+              <a:t>	</a:t>
+            </a:r>
+            <a:r>
+              <a:rPr lang="en-US" sz="1600" u="sng" dirty="0"/>
+              <a:t>left portion of equation denotes child match variable</a:t>
+            </a:r>
+            <a:r>
+              <a:rPr lang="en-US" sz="1600" dirty="0"/>
+              <a:t>, and </a:t>
+            </a:r>
+            <a:r>
+              <a:rPr lang="en-US" sz="1600" u="sng" dirty="0"/>
+              <a:t>right portion denotes parent match variable</a:t>
+            </a:r>
+            <a:endParaRPr lang="en-US" sz="1600" dirty="0"/>
+          </a:p>
+          <a:p>
+            <a:pPr lvl="1"/>
+            <a:r>
+              <a:rPr lang="en-US" sz="1600" dirty="0"/>
+              <a:t>Example:</a:t>
+            </a:r>
+          </a:p>
+          <a:p>
+            <a:pPr marL="914400" lvl="2" indent="0">
+              <a:buNone/>
+            </a:pPr>
+            <a:r>
+              <a:rPr lang="en-US" sz="1200" dirty="0"/>
+              <a:t>REPEAT EACH ([</a:t>
+            </a:r>
+            <a:r>
+              <a:rPr lang="en-US" sz="1200" dirty="0" err="1"/>
+              <a:t>interface_type</a:t>
+            </a:r>
+            <a:r>
+              <a:rPr lang="en-US" sz="1200" dirty="0"/>
+              <a:t>] == "VRF")					# condition 1</a:t>
+            </a:r>
+          </a:p>
+          <a:p>
+            <a:pPr marL="914400" lvl="2" indent="0">
+              <a:buNone/>
+            </a:pPr>
+            <a:r>
+              <a:rPr lang="en-US" sz="1200" dirty="0"/>
+              <a:t>    [</a:t>
+            </a:r>
+            <a:r>
+              <a:rPr lang="en-US" sz="1200" dirty="0" err="1"/>
+              <a:t>vrf_name</a:t>
+            </a:r>
+            <a:r>
+              <a:rPr lang="en-US" sz="1200" dirty="0"/>
+              <a:t>] { </a:t>
+            </a:r>
+          </a:p>
+          <a:p>
+            <a:pPr marL="914400" lvl="2" indent="0">
+              <a:buNone/>
+            </a:pPr>
+            <a:r>
+              <a:rPr lang="en-US" sz="1200" dirty="0"/>
+              <a:t>    REPEAT EACH ([</a:t>
+            </a:r>
+            <a:r>
+              <a:rPr lang="en-US" sz="1200" dirty="0" err="1"/>
+              <a:t>interface_type</a:t>
+            </a:r>
+            <a:r>
+              <a:rPr lang="en-US" sz="1200" dirty="0"/>
+              <a:t>] == "VLAN") &amp; ( </a:t>
+            </a:r>
+            <a:r>
+              <a:rPr lang="en-US" sz="1200" dirty="0">
+                <a:highlight>
+                  <a:srgbClr val="FF00FF"/>
+                </a:highlight>
+              </a:rPr>
+              <a:t>[</a:t>
+            </a:r>
+            <a:r>
+              <a:rPr lang="en-US" sz="1200" dirty="0" err="1">
+                <a:highlight>
+                  <a:srgbClr val="FF00FF"/>
+                </a:highlight>
+              </a:rPr>
+              <a:t>int_vrf</a:t>
+            </a:r>
+            <a:r>
+              <a:rPr lang="en-US" sz="1200" dirty="0">
+                <a:highlight>
+                  <a:srgbClr val="FF00FF"/>
+                </a:highlight>
+              </a:rPr>
+              <a:t>]</a:t>
+            </a:r>
+            <a:r>
+              <a:rPr lang="en-US" sz="1200" dirty="0"/>
+              <a:t> == </a:t>
+            </a:r>
+            <a:r>
+              <a:rPr lang="en-US" sz="1200" dirty="0">
+                <a:highlight>
+                  <a:srgbClr val="FFFF00"/>
+                </a:highlight>
+              </a:rPr>
+              <a:t>PARENT</a:t>
+            </a:r>
+            <a:r>
+              <a:rPr lang="en-US" sz="1200" dirty="0"/>
+              <a:t>.</a:t>
+            </a:r>
+            <a:r>
+              <a:rPr lang="en-US" sz="1200" dirty="0">
+                <a:highlight>
+                  <a:srgbClr val="00FF00"/>
+                </a:highlight>
+              </a:rPr>
+              <a:t>[</a:t>
+            </a:r>
+            <a:r>
+              <a:rPr lang="en-US" sz="1200" dirty="0" err="1">
+                <a:highlight>
+                  <a:srgbClr val="00FF00"/>
+                </a:highlight>
+              </a:rPr>
+              <a:t>vrf_name</a:t>
+            </a:r>
+            <a:r>
+              <a:rPr lang="en-US" sz="1200" dirty="0">
+                <a:highlight>
+                  <a:srgbClr val="00FF00"/>
+                </a:highlight>
+              </a:rPr>
+              <a:t>] </a:t>
+            </a:r>
+            <a:r>
+              <a:rPr lang="en-US" sz="1200" dirty="0"/>
+              <a:t>)		# condition 2</a:t>
+            </a:r>
+            <a:endParaRPr lang="en-US" sz="1200" b="1" dirty="0"/>
+          </a:p>
+          <a:p>
+            <a:pPr marL="914400" lvl="2" indent="0">
+              <a:buNone/>
+            </a:pPr>
+            <a:r>
+              <a:rPr lang="en-US" sz="1200" dirty="0"/>
+              <a:t>        interfaces </a:t>
+            </a:r>
+            <a:r>
+              <a:rPr lang="en-US" sz="1200" dirty="0" err="1"/>
+              <a:t>irb</a:t>
+            </a:r>
+            <a:r>
+              <a:rPr lang="en-US" sz="1200" dirty="0"/>
+              <a:t>.[interface];</a:t>
+            </a:r>
+          </a:p>
+          <a:p>
+            <a:pPr marL="914400" lvl="2" indent="0">
+              <a:buNone/>
+            </a:pPr>
+            <a:r>
+              <a:rPr lang="en-US" sz="1200" dirty="0"/>
+              <a:t>    REPEAT STOP</a:t>
+            </a:r>
+          </a:p>
+          <a:p>
+            <a:pPr marL="914400" lvl="2" indent="0">
+              <a:buNone/>
+            </a:pPr>
+            <a:r>
+              <a:rPr lang="en-US" sz="1200" dirty="0"/>
+              <a:t>    }</a:t>
+            </a:r>
+          </a:p>
+          <a:p>
+            <a:pPr marL="914400" lvl="2" indent="0">
+              <a:buNone/>
+            </a:pPr>
+            <a:r>
+              <a:rPr lang="en-US" sz="1200" dirty="0"/>
+              <a:t>REPEAT STOP</a:t>
+            </a:r>
+          </a:p>
+          <a:p>
+            <a:pPr marL="457200" lvl="1" indent="0">
+              <a:buNone/>
+            </a:pPr>
+            <a:r>
+              <a:rPr lang="en-US" sz="1600" dirty="0"/>
+              <a:t>where, </a:t>
+            </a:r>
+          </a:p>
+          <a:p>
+            <a:pPr marL="457200" lvl="1" indent="0">
+              <a:buNone/>
+            </a:pPr>
+            <a:r>
+              <a:rPr lang="en-US" sz="1600" b="1" dirty="0">
+                <a:highlight>
+                  <a:srgbClr val="FFFF00"/>
+                </a:highlight>
+              </a:rPr>
+              <a:t>PARENT</a:t>
+            </a:r>
+            <a:r>
+              <a:rPr lang="en-US" sz="1600" dirty="0"/>
+              <a:t> is </a:t>
+            </a:r>
+            <a:r>
+              <a:rPr lang="en-US" sz="1600" b="1" dirty="0" err="1"/>
+              <a:t>nested_section_var_identifier</a:t>
+            </a:r>
+            <a:endParaRPr lang="en-US" sz="1600" b="1" dirty="0"/>
+          </a:p>
+          <a:p>
+            <a:pPr marL="457200" lvl="1" indent="0">
+              <a:buNone/>
+            </a:pPr>
+            <a:r>
+              <a:rPr lang="en-US" sz="1600" b="1" dirty="0">
+                <a:highlight>
+                  <a:srgbClr val="FF00FF"/>
+                </a:highlight>
+              </a:rPr>
+              <a:t>[</a:t>
+            </a:r>
+            <a:r>
+              <a:rPr lang="en-US" sz="1600" b="1" dirty="0" err="1">
+                <a:highlight>
+                  <a:srgbClr val="FF00FF"/>
+                </a:highlight>
+              </a:rPr>
+              <a:t>int_vrf</a:t>
+            </a:r>
+            <a:r>
+              <a:rPr lang="en-US" sz="1600" b="1" dirty="0">
+                <a:highlight>
+                  <a:srgbClr val="FF00FF"/>
+                </a:highlight>
+              </a:rPr>
+              <a:t>]</a:t>
+            </a:r>
+            <a:r>
+              <a:rPr lang="en-US" sz="1600" b="1" dirty="0"/>
+              <a:t> is part of VLAN details (child)</a:t>
+            </a:r>
+          </a:p>
+          <a:p>
+            <a:pPr marL="457200" lvl="1" indent="0">
+              <a:buNone/>
+            </a:pPr>
+            <a:r>
+              <a:rPr lang="en-US" sz="1600" b="1" dirty="0">
+                <a:highlight>
+                  <a:srgbClr val="00FF00"/>
+                </a:highlight>
+              </a:rPr>
+              <a:t>[</a:t>
+            </a:r>
+            <a:r>
+              <a:rPr lang="en-US" sz="1600" b="1" dirty="0" err="1">
+                <a:highlight>
+                  <a:srgbClr val="00FF00"/>
+                </a:highlight>
+              </a:rPr>
+              <a:t>vrf_name</a:t>
+            </a:r>
+            <a:r>
+              <a:rPr lang="en-US" sz="1600" b="1" dirty="0">
+                <a:highlight>
+                  <a:srgbClr val="00FF00"/>
+                </a:highlight>
+              </a:rPr>
+              <a:t>]</a:t>
+            </a:r>
+            <a:r>
+              <a:rPr lang="en-US" sz="1600" b="1" dirty="0"/>
+              <a:t> is part of parent matched column value, it will be dynamically changed based on parent section execution</a:t>
+            </a:r>
+          </a:p>
+          <a:p>
+            <a:pPr lvl="1"/>
+            <a:r>
+              <a:rPr lang="en-US" sz="1600" dirty="0"/>
+              <a:t>Condition should always be declared equal “==“ for such condition, or else undesired result may produce.</a:t>
+            </a:r>
+          </a:p>
+          <a:p>
+            <a:pPr marL="457200" lvl="1" indent="0">
+              <a:buNone/>
+            </a:pPr>
+            <a:r>
+              <a:rPr lang="en-US" sz="1600" dirty="0"/>
+              <a:t>** Above example will go for each VRFS , and dynamically adds </a:t>
+            </a:r>
+            <a:r>
+              <a:rPr lang="en-US" sz="1600" dirty="0" err="1"/>
+              <a:t>irb</a:t>
+            </a:r>
+            <a:r>
+              <a:rPr lang="en-US" sz="1600" dirty="0"/>
+              <a:t> interfaces to each matched VRFs.</a:t>
+            </a:r>
+          </a:p>
+        </p:txBody>
+      </p:sp>
+    </p:spTree>
+    <p:extLst>
+      <p:ext uri="{BB962C8B-B14F-4D97-AF65-F5344CB8AC3E}">
+        <p14:creationId xmlns:p14="http://schemas.microsoft.com/office/powerpoint/2010/main" val="3062690"/>
       </p:ext>
     </p:extLst>
   </p:cSld>
